--- a/Courses/Software-Sciences/Module-1-OOP/08.2-Encapsulation-Advanced/08.2-Encapsulation-Advanced.pptx
+++ b/Courses/Software-Sciences/Module-1-OOP/08.2-Encapsulation-Advanced/08.2-Encapsulation-Advanced.pptx
@@ -273,7 +273,7 @@
           <a:p>
             <a:fld id="{4E087215-0C8F-4762-A664-737A353EC9A4}" type="datetimeFigureOut">
               <a:rPr lang="bg-BG" smtClean="0"/>
-              <a:t>17.05.23 г.</a:t>
+              <a:t>2.7.2023 г.</a:t>
             </a:fld>
             <a:endParaRPr lang="bg-BG" dirty="0"/>
           </a:p>
@@ -464,7 +464,7 @@
           <a:p>
             <a:fld id="{72D84649-876A-46C9-8472-14CB09C070D8}" type="datetimeFigureOut">
               <a:rPr lang="en-US" smtClean="0"/>
-              <a:t>5/17/23</a:t>
+              <a:t>2-Jul-23</a:t>
             </a:fld>
             <a:endParaRPr lang="en-US" dirty="0"/>
           </a:p>
@@ -8918,7 +8918,12 @@
             <p:ph type="body" sz="quarter" idx="18"/>
           </p:nvPr>
         </p:nvSpPr>
-        <p:spPr/>
+        <p:spPr>
+          <a:xfrm>
+            <a:off x="8708505" y="6130863"/>
+            <a:ext cx="2951518" cy="341556"/>
+          </a:xfrm>
+        </p:spPr>
         <p:txBody>
           <a:bodyPr/>
           <a:lstStyle/>
@@ -8943,7 +8948,12 @@
             <p:ph type="body" sz="quarter" idx="17"/>
           </p:nvPr>
         </p:nvSpPr>
-        <p:spPr/>
+        <p:spPr>
+          <a:xfrm>
+            <a:off x="8708505" y="5756628"/>
+            <a:ext cx="2951518" cy="367080"/>
+          </a:xfrm>
+        </p:spPr>
         <p:txBody>
           <a:bodyPr/>
           <a:lstStyle/>
@@ -8967,25 +8977,22 @@
         </p:nvSpPr>
         <p:spPr>
           <a:xfrm>
-            <a:off x="0" y="5270641"/>
-            <a:ext cx="3187700" cy="444500"/>
+            <a:off x="553082" y="5344180"/>
+            <a:ext cx="2980696" cy="444793"/>
           </a:xfrm>
         </p:spPr>
         <p:txBody>
           <a:bodyPr>
-            <a:normAutofit fontScale="85000" lnSpcReduction="20000"/>
+            <a:normAutofit/>
           </a:bodyPr>
           <a:lstStyle/>
           <a:p>
-            <a:pPr marL="0" indent="0">
-              <a:buNone/>
-            </a:pPr>
             <a:r>
               <a:rPr lang="bg-BG" dirty="0"/>
               <a:t>       </a:t>
             </a:r>
             <a:r>
-              <a:rPr lang="en-US" sz="3100" b="1" dirty="0"/>
+              <a:rPr lang="en-US" dirty="0"/>
               <a:t>Technical Trainers</a:t>
             </a:r>
           </a:p>
@@ -9003,8 +9010,78 @@
         </p:nvSpPr>
         <p:spPr>
           <a:xfrm>
-            <a:off x="0" y="4745178"/>
-            <a:ext cx="3465526" cy="525463"/>
+            <a:off x="553082" y="4851838"/>
+            <a:ext cx="2980696" cy="454398"/>
+          </a:xfrm>
+        </p:spPr>
+        <p:txBody>
+          <a:bodyPr>
+            <a:normAutofit fontScale="92500" lnSpcReduction="10000"/>
+          </a:bodyPr>
+          <a:lstStyle/>
+          <a:p>
+            <a:r>
+              <a:rPr lang="bg-BG" dirty="0"/>
+              <a:t>      </a:t>
+            </a:r>
+            <a:r>
+              <a:rPr lang="en-US" dirty="0"/>
+              <a:t>SoftUni Team</a:t>
+            </a:r>
+          </a:p>
+        </p:txBody>
+      </p:sp>
+      <p:sp>
+        <p:nvSpPr>
+          <p:cNvPr id="6" name="Subtitle 5"/>
+          <p:cNvSpPr>
+            <a:spLocks noGrp="1"/>
+          </p:cNvSpPr>
+          <p:nvPr>
+            <p:ph type="subTitle" idx="1"/>
+          </p:nvPr>
+        </p:nvSpPr>
+        <p:spPr>
+          <a:xfrm>
+            <a:off x="1056002" y="1304550"/>
+            <a:ext cx="10079998" cy="1314450"/>
+          </a:xfrm>
+        </p:spPr>
+        <p:txBody>
+          <a:bodyPr>
+            <a:noAutofit/>
+          </a:bodyPr>
+          <a:lstStyle/>
+          <a:p>
+            <a:r>
+              <a:rPr lang="bg-BG" dirty="0"/>
+              <a:t>Вериги от изключения,</a:t>
+            </a:r>
+            <a:br>
+              <a:rPr lang="bg-BG" dirty="0"/>
+            </a:br>
+            <a:r>
+              <a:rPr lang="bg-BG" dirty="0"/>
+              <a:t>променими и непроменими обекти </a:t>
+            </a:r>
+            <a:endParaRPr lang="en-US" dirty="0"/>
+          </a:p>
+        </p:txBody>
+      </p:sp>
+      <p:sp>
+        <p:nvSpPr>
+          <p:cNvPr id="5" name="Title 4"/>
+          <p:cNvSpPr>
+            <a:spLocks noGrp="1"/>
+          </p:cNvSpPr>
+          <p:nvPr>
+            <p:ph type="title"/>
+          </p:nvPr>
+        </p:nvSpPr>
+        <p:spPr>
+          <a:xfrm>
+            <a:off x="554182" y="321502"/>
+            <a:ext cx="11083636" cy="882654"/>
           </a:xfrm>
         </p:spPr>
         <p:txBody>
@@ -9013,80 +9090,9 @@
           </a:bodyPr>
           <a:lstStyle/>
           <a:p>
-            <a:pPr marL="0" indent="0">
-              <a:buNone/>
-            </a:pPr>
             <a:r>
               <a:rPr lang="bg-BG" dirty="0"/>
-              <a:t>      </a:t>
-            </a:r>
-            <a:r>
-              <a:rPr lang="en-US" b="1" dirty="0"/>
-              <a:t>SoftUni Team</a:t>
-            </a:r>
-          </a:p>
-        </p:txBody>
-      </p:sp>
-      <p:sp>
-        <p:nvSpPr>
-          <p:cNvPr id="6" name="Subtitle 5"/>
-          <p:cNvSpPr>
-            <a:spLocks noGrp="1"/>
-          </p:cNvSpPr>
-          <p:nvPr>
-            <p:ph type="subTitle" idx="1"/>
-          </p:nvPr>
-        </p:nvSpPr>
-        <p:spPr>
-          <a:xfrm>
-            <a:off x="2065254" y="1158163"/>
-            <a:ext cx="7294547" cy="882654"/>
-          </a:xfrm>
-        </p:spPr>
-        <p:txBody>
-          <a:bodyPr>
-            <a:noAutofit/>
-          </a:bodyPr>
-          <a:lstStyle/>
-          <a:p>
-            <a:pPr>
-              <a:spcAft>
-                <a:spcPts val="0"/>
-              </a:spcAft>
-            </a:pPr>
-            <a:r>
-              <a:rPr lang="bg-BG" dirty="0"/>
-              <a:t>Ползи от енкапсулацията</a:t>
-            </a:r>
-            <a:endParaRPr lang="en-US" sz="3000" dirty="0"/>
-          </a:p>
-        </p:txBody>
-      </p:sp>
-      <p:sp>
-        <p:nvSpPr>
-          <p:cNvPr id="5" name="Title 4"/>
-          <p:cNvSpPr>
-            <a:spLocks noGrp="1"/>
-          </p:cNvSpPr>
-          <p:nvPr>
-            <p:ph type="title"/>
-          </p:nvPr>
-        </p:nvSpPr>
-        <p:spPr>
-          <a:xfrm>
-            <a:off x="3162240" y="179602"/>
-            <a:ext cx="5100573" cy="882654"/>
-          </a:xfrm>
-        </p:spPr>
-        <p:txBody>
-          <a:bodyPr>
-            <a:normAutofit/>
-          </a:bodyPr>
-          <a:lstStyle/>
-          <a:p>
-            <a:r>
-              <a:rPr lang="bg-BG" dirty="0"/>
-              <a:t>Енкапсулация</a:t>
+              <a:t>Капсулация – продължение</a:t>
             </a:r>
             <a:endParaRPr lang="en-US" dirty="0"/>
           </a:p>
@@ -9167,8 +9173,8 @@
         </p:blipFill>
         <p:spPr>
           <a:xfrm>
-            <a:off x="4611000" y="2214000"/>
-            <a:ext cx="1900365" cy="1900365"/>
+            <a:off x="4946278" y="2808710"/>
+            <a:ext cx="2299443" cy="2299443"/>
           </a:xfrm>
           <a:prstGeom prst="rect">
             <a:avLst/>
@@ -9856,23 +9862,23 @@
               </a:buClr>
             </a:pPr>
             <a:r>
-              <a:rPr lang="bg-BG" sz="2800" dirty="0"/>
-              <a:t>Можете да използвате </a:t>
-            </a:r>
-            <a:r>
-              <a:rPr lang="en-US" sz="2800" b="1" dirty="0">
+              <a:rPr lang="bg-BG" sz="3000" dirty="0"/>
+              <a:t>Чрез </a:t>
+            </a:r>
+            <a:r>
+              <a:rPr lang="en-US" sz="3000" b="1" noProof="1">
                 <a:solidFill>
                   <a:schemeClr val="bg1"/>
                 </a:solidFill>
                 <a:latin typeface="Consolas" panose="020B0609020204030204" pitchFamily="49" charset="0"/>
               </a:rPr>
-              <a:t>IReadOnlyCollection</a:t>
-            </a:r>
-            <a:r>
-              <a:rPr lang="bg-BG" sz="2800" dirty="0"/>
-              <a:t>, за да енкапсулирате колекции</a:t>
-            </a:r>
-            <a:endParaRPr lang="en-US" sz="2800" dirty="0"/>
+              <a:t>IReadOnlyCollection&lt;T&gt;</a:t>
+            </a:r>
+            <a:r>
+              <a:rPr lang="bg-BG" sz="3000" dirty="0"/>
+              <a:t> може да капсулирате колекции:</a:t>
+            </a:r>
+            <a:endParaRPr lang="en-US" sz="3000" dirty="0"/>
           </a:p>
         </p:txBody>
       </p:sp>
@@ -9908,7 +9914,7 @@
         </p:nvSpPr>
         <p:spPr bwMode="auto">
           <a:xfrm>
-            <a:off x="651000" y="2160443"/>
+            <a:off x="741000" y="1944000"/>
             <a:ext cx="9900000" cy="4526925"/>
           </a:xfrm>
           <a:prstGeom prst="rect">
@@ -12800,38 +12806,13 @@
         </p:nvSpPr>
         <p:spPr>
           <a:xfrm>
-            <a:off x="190406" y="664617"/>
-            <a:ext cx="11818096" cy="5528766"/>
+            <a:off x="190406" y="1481542"/>
+            <a:ext cx="11818096" cy="5026151"/>
           </a:xfrm>
         </p:spPr>
         <p:txBody>
           <a:bodyPr/>
           <a:lstStyle/>
-          <a:p>
-            <a:pPr marL="0" indent="0">
-              <a:buNone/>
-            </a:pPr>
-            <a:endParaRPr lang="en-US" sz="4000" dirty="0"/>
-          </a:p>
-          <a:p>
-            <a:pPr marL="742950" indent="-742950">
-              <a:buFont typeface="+mj-lt"/>
-              <a:buAutoNum type="arabicPeriod"/>
-            </a:pPr>
-            <a:r>
-              <a:rPr lang="bg-BG" sz="4000" dirty="0"/>
-              <a:t>Модификатори</a:t>
-            </a:r>
-            <a:r>
-              <a:rPr lang="en-US" sz="4000" dirty="0"/>
-              <a:t> </a:t>
-            </a:r>
-            <a:r>
-              <a:rPr lang="bg-BG" sz="4000" dirty="0"/>
-              <a:t>за достъп</a:t>
-            </a:r>
-            <a:endParaRPr lang="en-US" sz="4000" dirty="0"/>
-          </a:p>
           <a:p>
             <a:pPr marL="742950" indent="-742950">
               <a:buFont typeface="+mj-lt"/>
@@ -12976,7 +12957,7 @@
                                         <p:tgtEl>
                                           <p:spTgt spid="423939">
                                             <p:txEl>
-                                              <p:pRg st="1" end="1"/>
+                                              <p:pRg st="0" end="0"/>
                                             </p:txEl>
                                           </p:spTgt>
                                         </p:tgtEl>
@@ -13025,56 +13006,7 @@
                                         <p:tgtEl>
                                           <p:spTgt spid="423939">
                                             <p:txEl>
-                                              <p:pRg st="2" end="2"/>
-                                            </p:txEl>
-                                          </p:spTgt>
-                                        </p:tgtEl>
-                                        <p:attrNameLst>
-                                          <p:attrName>style.visibility</p:attrName>
-                                        </p:attrNameLst>
-                                      </p:cBhvr>
-                                      <p:to>
-                                        <p:strVal val="visible"/>
-                                      </p:to>
-                                    </p:set>
-                                  </p:childTnLst>
-                                </p:cTn>
-                              </p:par>
-                            </p:childTnLst>
-                          </p:cTn>
-                        </p:par>
-                      </p:childTnLst>
-                    </p:cTn>
-                  </p:par>
-                  <p:par>
-                    <p:cTn id="11" fill="hold">
-                      <p:stCondLst>
-                        <p:cond delay="indefinite"/>
-                      </p:stCondLst>
-                      <p:childTnLst>
-                        <p:par>
-                          <p:cTn id="12" fill="hold">
-                            <p:stCondLst>
-                              <p:cond delay="0"/>
-                            </p:stCondLst>
-                            <p:childTnLst>
-                              <p:par>
-                                <p:cTn id="13" presetID="1" presetClass="entr" presetSubtype="0" fill="hold" nodeType="clickEffect">
-                                  <p:stCondLst>
-                                    <p:cond delay="0"/>
-                                  </p:stCondLst>
-                                  <p:childTnLst>
-                                    <p:set>
-                                      <p:cBhvr>
-                                        <p:cTn id="14" dur="1" fill="hold">
-                                          <p:stCondLst>
-                                            <p:cond delay="0"/>
-                                          </p:stCondLst>
-                                        </p:cTn>
-                                        <p:tgtEl>
-                                          <p:spTgt spid="423939">
-                                            <p:txEl>
-                                              <p:pRg st="3" end="3"/>
+                                              <p:pRg st="1" end="1"/>
                                             </p:txEl>
                                           </p:spTgt>
                                         </p:tgtEl>
@@ -15743,6 +15675,47 @@
       </p:grpSpPr>
       <p:sp>
         <p:nvSpPr>
+          <p:cNvPr id="3" name="Subtitle 2">
+            <a:extLst>
+              <a:ext uri="{FF2B5EF4-FFF2-40B4-BE49-F238E27FC236}">
+                <a16:creationId xmlns:a16="http://schemas.microsoft.com/office/drawing/2014/main" id="{3B74C89A-32C0-3CAC-BE1E-CA0C0D8C4B10}"/>
+              </a:ext>
+            </a:extLst>
+          </p:cNvPr>
+          <p:cNvSpPr>
+            <a:spLocks noGrp="1"/>
+          </p:cNvSpPr>
+          <p:nvPr>
+            <p:ph type="subTitle" sz="quarter" idx="11"/>
+          </p:nvPr>
+        </p:nvSpPr>
+        <p:spPr/>
+        <p:txBody>
+          <a:bodyPr/>
+          <a:lstStyle/>
+          <a:p>
+            <a:r>
+              <a:rPr lang="en-US" dirty="0"/>
+              <a:t>Mutable </a:t>
+            </a:r>
+            <a:r>
+              <a:rPr lang="bg-BG" dirty="0"/>
+              <a:t>и </a:t>
+            </a:r>
+            <a:r>
+              <a:rPr lang="en-US" dirty="0"/>
+              <a:t>immutable </a:t>
+            </a:r>
+            <a:r>
+              <a:rPr lang="bg-BG" dirty="0"/>
+              <a:t>обекти</a:t>
+            </a:r>
+            <a:endParaRPr lang="en-US" dirty="0"/>
+          </a:p>
+        </p:txBody>
+      </p:sp>
+      <p:sp>
+        <p:nvSpPr>
           <p:cNvPr id="6" name="Title 5"/>
           <p:cNvSpPr>
             <a:spLocks noGrp="1"/>
@@ -15751,16 +15724,21 @@
             <p:ph type="title" sz="quarter" idx="10"/>
           </p:nvPr>
         </p:nvSpPr>
-        <p:spPr/>
+        <p:spPr>
+          <a:xfrm>
+            <a:off x="246001" y="4705350"/>
+            <a:ext cx="11700000" cy="768350"/>
+          </a:xfrm>
+        </p:spPr>
         <p:txBody>
           <a:bodyPr/>
           <a:lstStyle/>
           <a:p>
             <a:r>
-              <a:rPr lang="bg-BG" sz="4800" dirty="0"/>
+              <a:rPr lang="bg-BG" dirty="0"/>
               <a:t>Променими и непроменими обекти</a:t>
             </a:r>
-            <a:endParaRPr lang="en-US" sz="4800" dirty="0"/>
+            <a:endParaRPr lang="en-US" dirty="0"/>
           </a:p>
         </p:txBody>
       </p:sp>

--- a/Courses/Software-Sciences/Module-1-OOP/08.2-Encapsulation-Advanced/08.2-Encapsulation-Advanced.pptx
+++ b/Courses/Software-Sciences/Module-1-OOP/08.2-Encapsulation-Advanced/08.2-Encapsulation-Advanced.pptx
@@ -11,7 +11,7 @@
     <p:handoutMasterId r:id="rId17"/>
   </p:handoutMasterIdLst>
   <p:sldIdLst>
-    <p:sldId id="291" r:id="rId2"/>
+    <p:sldId id="627" r:id="rId2"/>
     <p:sldId id="292" r:id="rId3"/>
     <p:sldId id="499" r:id="rId4"/>
     <p:sldId id="500" r:id="rId5"/>
@@ -23,8 +23,8 @@
     <p:sldId id="314" r:id="rId11"/>
     <p:sldId id="315" r:id="rId12"/>
     <p:sldId id="319" r:id="rId13"/>
-    <p:sldId id="401" r:id="rId14"/>
-    <p:sldId id="493" r:id="rId15"/>
+    <p:sldId id="504" r:id="rId14"/>
+    <p:sldId id="505" r:id="rId15"/>
   </p:sldIdLst>
   <p:sldSz cx="12192000" cy="6858000"/>
   <p:notesSz cx="6858000" cy="9144000"/>
@@ -126,13 +126,13 @@
   <p:extLst>
     <p:ext uri="{521415D9-36F7-43E2-AB2F-B90AF26B5E84}">
       <p14:sectionLst xmlns:p14="http://schemas.microsoft.com/office/powerpoint/2010/main">
-        <p14:section name="Въведение" id="{6DFFD998-DD8C-4528-A37B-9330D0402A4D}">
+        <p14:section name="Въведение" id="{AB233360-CAA3-49CF-A74C-BD77409E61BE}">
           <p14:sldIdLst>
-            <p14:sldId id="291"/>
+            <p14:sldId id="627"/>
             <p14:sldId id="292"/>
           </p14:sldIdLst>
         </p14:section>
-        <p14:section name="Изключения" id="{BC79C4AA-A20E-41BE-975B-BF1A0177C623}">
+        <p14:section name="Изключения" id="{694D9EB2-63A7-4FBD-807D-690FAD9B9CB5}">
           <p14:sldIdLst>
             <p14:sldId id="499"/>
             <p14:sldId id="500"/>
@@ -141,7 +141,7 @@
             <p14:sldId id="508"/>
           </p14:sldIdLst>
         </p14:section>
-        <p14:section name="Променими и непроменими обекти" id="{D9348608-406E-45DB-B5B3-BDA71A3CAA95}">
+        <p14:section name="Променими и непроменими обекти" id="{D933AAAC-152E-47CB-AA07-F6EFDA7E47B8}">
           <p14:sldIdLst>
             <p14:sldId id="494"/>
             <p14:sldId id="313"/>
@@ -149,11 +149,11 @@
             <p14:sldId id="315"/>
           </p14:sldIdLst>
         </p14:section>
-        <p14:section name="Обобщение" id="{EE2640C3-281C-4B84-9D33-030C1D092D2C}">
+        <p14:section name="Обобщение" id="{A6E76C1E-4444-40A7-826A-AEF506F4F300}">
           <p14:sldIdLst>
             <p14:sldId id="319"/>
-            <p14:sldId id="401"/>
-            <p14:sldId id="493"/>
+            <p14:sldId id="504"/>
+            <p14:sldId id="505"/>
           </p14:sldIdLst>
         </p14:section>
       </p14:sectionLst>
@@ -234,7 +234,7 @@
             </a:lvl1pPr>
           </a:lstStyle>
           <a:p>
-            <a:endParaRPr lang="bg-BG" dirty="0"/>
+            <a:endParaRPr lang="bg-BG"/>
           </a:p>
         </p:txBody>
       </p:sp>
@@ -273,9 +273,9 @@
           <a:p>
             <a:fld id="{4E087215-0C8F-4762-A664-737A353EC9A4}" type="datetimeFigureOut">
               <a:rPr lang="bg-BG" smtClean="0"/>
-              <a:t>2.7.2023 г.</a:t>
+              <a:t>3.10.23 г.</a:t>
             </a:fld>
-            <a:endParaRPr lang="bg-BG" dirty="0"/>
+            <a:endParaRPr lang="bg-BG"/>
           </a:p>
         </p:txBody>
       </p:sp>
@@ -297,8 +297,8 @@
         </p:nvSpPr>
         <p:spPr>
           <a:xfrm>
-            <a:off x="-1" y="8847000"/>
-            <a:ext cx="6443999" cy="297000"/>
+            <a:off x="-1" y="8892000"/>
+            <a:ext cx="6443999" cy="252000"/>
           </a:xfrm>
           <a:prstGeom prst="rect">
             <a:avLst/>
@@ -313,19 +313,24 @@
           </a:lstStyle>
           <a:p>
             <a:r>
-              <a:rPr lang="en-US" sz="1100" dirty="0"/>
-              <a:t>© SoftUni – </a:t>
-            </a:r>
-            <a:r>
-              <a:rPr lang="en-US" sz="1100" u="sng" dirty="0">
+              <a:rPr lang="bg-BG" sz="1100" dirty="0"/>
+              <a:t>Работна група </a:t>
+            </a:r>
+            <a:r>
+              <a:rPr lang="ru-RU" sz="1100" dirty="0"/>
+              <a:t>"Образование по програмиране и ИТ</a:t>
+            </a:r>
+            <a:r>
+              <a:rPr lang="bg-BG" sz="1100" dirty="0"/>
+              <a:t>", с подкрепата на </a:t>
+            </a:r>
+            <a:r>
+              <a:rPr lang="en-US" sz="1100" dirty="0">
                 <a:hlinkClick r:id="rId2"/>
               </a:rPr>
-              <a:t>https://softuni.org</a:t>
-            </a:r>
-            <a:r>
-              <a:rPr lang="en-US" sz="1100" dirty="0"/>
-              <a:t>. Copyrighted document. Unauthorized copy or reproduction is not permitted.</a:t>
-            </a:r>
+              <a:t>SoftUni</a:t>
+            </a:r>
+            <a:endParaRPr lang="en-US" sz="1100" dirty="0"/>
           </a:p>
         </p:txBody>
       </p:sp>
@@ -347,8 +352,8 @@
         </p:nvSpPr>
         <p:spPr>
           <a:xfrm>
-            <a:off x="6443999" y="8847000"/>
-            <a:ext cx="412413" cy="297000"/>
+            <a:off x="6443999" y="8892000"/>
+            <a:ext cx="412413" cy="252000"/>
           </a:xfrm>
           <a:prstGeom prst="rect">
             <a:avLst/>
@@ -431,7 +436,7 @@
             </a:lvl1pPr>
           </a:lstStyle>
           <a:p>
-            <a:endParaRPr lang="en-US" dirty="0"/>
+            <a:endParaRPr lang="en-US"/>
           </a:p>
         </p:txBody>
       </p:sp>
@@ -464,9 +469,9 @@
           <a:p>
             <a:fld id="{72D84649-876A-46C9-8472-14CB09C070D8}" type="datetimeFigureOut">
               <a:rPr lang="en-US" smtClean="0"/>
-              <a:t>2-Jul-23</a:t>
+              <a:t>10/3/23</a:t>
             </a:fld>
-            <a:endParaRPr lang="en-US" dirty="0"/>
+            <a:endParaRPr lang="en-US"/>
           </a:p>
         </p:txBody>
       </p:sp>
@@ -499,7 +504,7 @@
           <a:bodyPr vert="horz" lIns="91440" tIns="45720" rIns="91440" bIns="45720" rtlCol="0" anchor="ctr"/>
           <a:lstStyle/>
           <a:p>
-            <a:endParaRPr lang="en-US" dirty="0"/>
+            <a:endParaRPr lang="en-US"/>
           </a:p>
         </p:txBody>
       </p:sp>
@@ -574,8 +579,8 @@
         </p:nvSpPr>
         <p:spPr>
           <a:xfrm>
-            <a:off x="6488999" y="8847000"/>
-            <a:ext cx="367414" cy="297000"/>
+            <a:off x="6488999" y="8892000"/>
+            <a:ext cx="367414" cy="252000"/>
           </a:xfrm>
           <a:prstGeom prst="rect">
             <a:avLst/>
@@ -615,8 +620,8 @@
         </p:nvSpPr>
         <p:spPr>
           <a:xfrm>
-            <a:off x="-1" y="8847000"/>
-            <a:ext cx="6488999" cy="297000"/>
+            <a:off x="-1" y="8892000"/>
+            <a:ext cx="6488999" cy="252000"/>
           </a:xfrm>
           <a:prstGeom prst="rect">
             <a:avLst/>
@@ -631,19 +636,24 @@
           </a:lstStyle>
           <a:p>
             <a:r>
-              <a:rPr lang="en-US" dirty="0"/>
-              <a:t>© SoftUni – </a:t>
-            </a:r>
-            <a:r>
-              <a:rPr lang="en-US" u="sng" dirty="0">
+              <a:rPr lang="bg-BG" sz="1100" dirty="0"/>
+              <a:t>Работна група </a:t>
+            </a:r>
+            <a:r>
+              <a:rPr lang="bg-BG" dirty="0"/>
+              <a:t>"Образование по програмиране и ИТ"</a:t>
+            </a:r>
+            <a:r>
+              <a:rPr lang="bg-BG" sz="1100" dirty="0"/>
+              <a:t>, с подкрепата на </a:t>
+            </a:r>
+            <a:r>
+              <a:rPr lang="en-US" sz="1100" dirty="0">
                 <a:hlinkClick r:id="rId2"/>
               </a:rPr>
-              <a:t>https://softuni.org</a:t>
-            </a:r>
-            <a:r>
-              <a:rPr lang="en-US" dirty="0"/>
-              <a:t>. Copyrighted document. Unauthorized copy or reproduction is not permitted.</a:t>
-            </a:r>
+              <a:t>SoftUni</a:t>
+            </a:r>
+            <a:endParaRPr lang="en-US" sz="1100" dirty="0"/>
           </a:p>
         </p:txBody>
       </p:sp>
@@ -801,10 +811,34 @@
       </p:sp>
       <p:sp>
         <p:nvSpPr>
-          <p:cNvPr id="6" name="Footer Placeholder 7">
+          <p:cNvPr id="6" name="Slide Number Placeholder 5"/>
+          <p:cNvSpPr>
+            <a:spLocks noGrp="1"/>
+          </p:cNvSpPr>
+          <p:nvPr>
+            <p:ph type="sldNum" sz="quarter" idx="11"/>
+          </p:nvPr>
+        </p:nvSpPr>
+        <p:spPr/>
+        <p:txBody>
+          <a:bodyPr/>
+          <a:lstStyle/>
+          <a:p>
+            <a:fld id="{3EBA5BD7-F043-4D1B-AA17-CD412FC534DE}" type="slidenum">
+              <a:rPr lang="en-US" smtClean="0"/>
+              <a:pPr/>
+              <a:t>1</a:t>
+            </a:fld>
+            <a:endParaRPr lang="en-US" dirty="0"/>
+          </a:p>
+        </p:txBody>
+      </p:sp>
+      <p:sp>
+        <p:nvSpPr>
+          <p:cNvPr id="4" name="Footer Placeholder 7">
             <a:extLst>
               <a:ext uri="{FF2B5EF4-FFF2-40B4-BE49-F238E27FC236}">
-                <a16:creationId xmlns:a16="http://schemas.microsoft.com/office/drawing/2014/main" id="{F5FDAF2F-15EE-4826-A484-1A999E83C111}"/>
+                <a16:creationId xmlns:a16="http://schemas.microsoft.com/office/drawing/2014/main" id="{C2D5B3F4-646B-5DA4-F973-7515905E5005}"/>
               </a:ext>
             </a:extLst>
           </p:cNvPr>
@@ -817,8 +851,8 @@
         </p:nvSpPr>
         <p:spPr>
           <a:xfrm>
-            <a:off x="-1" y="8847000"/>
-            <a:ext cx="6488999" cy="297000"/>
+            <a:off x="-1" y="8892000"/>
+            <a:ext cx="6488999" cy="252000"/>
           </a:xfrm>
           <a:prstGeom prst="rect">
             <a:avLst/>
@@ -833,26 +867,31 @@
           </a:lstStyle>
           <a:p>
             <a:r>
-              <a:rPr lang="en-US" dirty="0"/>
-              <a:t>© SoftUni – </a:t>
-            </a:r>
-            <a:r>
-              <a:rPr lang="en-US" u="sng" dirty="0">
+              <a:rPr lang="bg-BG" sz="1100" dirty="0"/>
+              <a:t>Работна група </a:t>
+            </a:r>
+            <a:r>
+              <a:rPr lang="bg-BG" dirty="0"/>
+              <a:t>"Образование по програмиране и ИТ"</a:t>
+            </a:r>
+            <a:r>
+              <a:rPr lang="bg-BG" sz="1100" dirty="0"/>
+              <a:t>, с подкрепата на </a:t>
+            </a:r>
+            <a:r>
+              <a:rPr lang="en-US" sz="1100" dirty="0">
                 <a:hlinkClick r:id="rId3"/>
               </a:rPr>
-              <a:t>https://softuni.org</a:t>
-            </a:r>
-            <a:r>
-              <a:rPr lang="en-US" dirty="0"/>
-              <a:t>. Copyrighted document. Unauthorized copy or reproduction is not permitted.</a:t>
-            </a:r>
+              <a:t>SoftUni</a:t>
+            </a:r>
+            <a:endParaRPr lang="en-US" sz="1100" dirty="0"/>
           </a:p>
         </p:txBody>
       </p:sp>
     </p:spTree>
     <p:extLst>
       <p:ext uri="{BB962C8B-B14F-4D97-AF65-F5344CB8AC3E}">
-        <p14:creationId xmlns:p14="http://schemas.microsoft.com/office/powerpoint/2010/main" val="1734941858"/>
+        <p14:creationId xmlns:p14="http://schemas.microsoft.com/office/powerpoint/2010/main" val="3855554386"/>
       </p:ext>
     </p:extLst>
   </p:cSld>
@@ -906,7 +945,7 @@
           <a:bodyPr/>
           <a:lstStyle/>
           <a:p>
-            <a:endParaRPr lang="en-US" dirty="0"/>
+            <a:endParaRPr lang="en-US"/>
           </a:p>
         </p:txBody>
       </p:sp>
@@ -1042,10 +1081,10 @@
       </p:sp>
       <p:sp>
         <p:nvSpPr>
-          <p:cNvPr id="7" name="Footer Placeholder 7">
+          <p:cNvPr id="5" name="Footer Placeholder 7">
             <a:extLst>
               <a:ext uri="{FF2B5EF4-FFF2-40B4-BE49-F238E27FC236}">
-                <a16:creationId xmlns:a16="http://schemas.microsoft.com/office/drawing/2014/main" id="{BC1B15B3-1C71-46D2-AF37-32827E785047}"/>
+                <a16:creationId xmlns:a16="http://schemas.microsoft.com/office/drawing/2014/main" id="{0D0A727E-0914-2796-A0EC-20B6CC81F067}"/>
               </a:ext>
             </a:extLst>
           </p:cNvPr>
@@ -1058,8 +1097,8 @@
         </p:nvSpPr>
         <p:spPr>
           <a:xfrm>
-            <a:off x="-1" y="8847000"/>
-            <a:ext cx="6488999" cy="297000"/>
+            <a:off x="-1" y="8892000"/>
+            <a:ext cx="6488999" cy="252000"/>
           </a:xfrm>
           <a:prstGeom prst="rect">
             <a:avLst/>
@@ -1074,26 +1113,31 @@
           </a:lstStyle>
           <a:p>
             <a:r>
-              <a:rPr lang="en-US" dirty="0"/>
-              <a:t>© SoftUni – </a:t>
-            </a:r>
-            <a:r>
-              <a:rPr lang="en-US" u="sng" dirty="0">
+              <a:rPr lang="bg-BG" sz="1100" dirty="0"/>
+              <a:t>Работна група </a:t>
+            </a:r>
+            <a:r>
+              <a:rPr lang="bg-BG" dirty="0"/>
+              <a:t>"Образование по програмиране и ИТ"</a:t>
+            </a:r>
+            <a:r>
+              <a:rPr lang="bg-BG" sz="1100" dirty="0"/>
+              <a:t>, с подкрепата на </a:t>
+            </a:r>
+            <a:r>
+              <a:rPr lang="en-US" sz="1100" dirty="0">
                 <a:hlinkClick r:id="rId3"/>
               </a:rPr>
-              <a:t>https://softuni.org</a:t>
-            </a:r>
-            <a:r>
-              <a:rPr lang="en-US" dirty="0"/>
-              <a:t>. Copyrighted document. Unauthorized copy or reproduction is not permitted.</a:t>
-            </a:r>
+              <a:t>SoftUni</a:t>
+            </a:r>
+            <a:endParaRPr lang="en-US" sz="1100" dirty="0"/>
           </a:p>
         </p:txBody>
       </p:sp>
     </p:spTree>
     <p:extLst>
       <p:ext uri="{BB962C8B-B14F-4D97-AF65-F5344CB8AC3E}">
-        <p14:creationId xmlns:p14="http://schemas.microsoft.com/office/powerpoint/2010/main" val="3917860227"/>
+        <p14:creationId xmlns:p14="http://schemas.microsoft.com/office/powerpoint/2010/main" val="3222517402"/>
       </p:ext>
     </p:extLst>
   </p:cSld>
@@ -1208,10 +1252,10 @@
       </p:sp>
       <p:sp>
         <p:nvSpPr>
-          <p:cNvPr id="7" name="Footer Placeholder 7">
+          <p:cNvPr id="2" name="Footer Placeholder 7">
             <a:extLst>
               <a:ext uri="{FF2B5EF4-FFF2-40B4-BE49-F238E27FC236}">
-                <a16:creationId xmlns:a16="http://schemas.microsoft.com/office/drawing/2014/main" id="{D6ED6970-328B-4BD1-9552-386EFB30198F}"/>
+                <a16:creationId xmlns:a16="http://schemas.microsoft.com/office/drawing/2014/main" id="{6D3971A9-EF7C-D5BE-EFB1-25C5AF1BBE5C}"/>
               </a:ext>
             </a:extLst>
           </p:cNvPr>
@@ -1224,8 +1268,8 @@
         </p:nvSpPr>
         <p:spPr>
           <a:xfrm>
-            <a:off x="-1" y="8847000"/>
-            <a:ext cx="6488999" cy="297000"/>
+            <a:off x="-1" y="8892000"/>
+            <a:ext cx="6488999" cy="252000"/>
           </a:xfrm>
           <a:prstGeom prst="rect">
             <a:avLst/>
@@ -1240,26 +1284,31 @@
           </a:lstStyle>
           <a:p>
             <a:r>
-              <a:rPr lang="en-US" dirty="0"/>
-              <a:t>© SoftUni – </a:t>
-            </a:r>
-            <a:r>
-              <a:rPr lang="en-US" u="sng" dirty="0">
+              <a:rPr lang="bg-BG" sz="1100" dirty="0"/>
+              <a:t>Работна група </a:t>
+            </a:r>
+            <a:r>
+              <a:rPr lang="bg-BG" dirty="0"/>
+              <a:t>"Образование по програмиране и ИТ"</a:t>
+            </a:r>
+            <a:r>
+              <a:rPr lang="bg-BG" sz="1100" dirty="0"/>
+              <a:t>, с подкрепата на </a:t>
+            </a:r>
+            <a:r>
+              <a:rPr lang="en-US" sz="1100" dirty="0">
                 <a:hlinkClick r:id="rId3"/>
               </a:rPr>
-              <a:t>https://softuni.org</a:t>
-            </a:r>
-            <a:r>
-              <a:rPr lang="en-US" dirty="0"/>
-              <a:t>. Copyrighted document. Unauthorized copy or reproduction is not permitted.</a:t>
-            </a:r>
+              <a:t>SoftUni</a:t>
+            </a:r>
+            <a:endParaRPr lang="en-US" sz="1100" dirty="0"/>
           </a:p>
         </p:txBody>
       </p:sp>
     </p:spTree>
     <p:extLst>
       <p:ext uri="{BB962C8B-B14F-4D97-AF65-F5344CB8AC3E}">
-        <p14:creationId xmlns:p14="http://schemas.microsoft.com/office/powerpoint/2010/main" val="2498660919"/>
+        <p14:creationId xmlns:p14="http://schemas.microsoft.com/office/powerpoint/2010/main" val="383458896"/>
       </p:ext>
     </p:extLst>
   </p:cSld>
@@ -1378,10 +1427,10 @@
       </p:sp>
       <p:sp>
         <p:nvSpPr>
-          <p:cNvPr id="8" name="Footer Placeholder 7">
+          <p:cNvPr id="2" name="Footer Placeholder 7">
             <a:extLst>
               <a:ext uri="{FF2B5EF4-FFF2-40B4-BE49-F238E27FC236}">
-                <a16:creationId xmlns:a16="http://schemas.microsoft.com/office/drawing/2014/main" id="{EF6322EA-14FD-4994-B2B8-2677C555011C}"/>
+                <a16:creationId xmlns:a16="http://schemas.microsoft.com/office/drawing/2014/main" id="{90CC69E4-0E73-BA6C-07CA-03BDB8EFDD86}"/>
               </a:ext>
             </a:extLst>
           </p:cNvPr>
@@ -1394,8 +1443,8 @@
         </p:nvSpPr>
         <p:spPr>
           <a:xfrm>
-            <a:off x="-1" y="8847000"/>
-            <a:ext cx="6488999" cy="297000"/>
+            <a:off x="-1" y="8892000"/>
+            <a:ext cx="6488999" cy="252000"/>
           </a:xfrm>
           <a:prstGeom prst="rect">
             <a:avLst/>
@@ -1410,26 +1459,31 @@
           </a:lstStyle>
           <a:p>
             <a:r>
-              <a:rPr lang="en-US" dirty="0"/>
-              <a:t>© SoftUni – </a:t>
-            </a:r>
-            <a:r>
-              <a:rPr lang="en-US" u="sng" dirty="0">
+              <a:rPr lang="bg-BG" sz="1100" dirty="0"/>
+              <a:t>Работна група </a:t>
+            </a:r>
+            <a:r>
+              <a:rPr lang="bg-BG" dirty="0"/>
+              <a:t>"Образование по програмиране и ИТ"</a:t>
+            </a:r>
+            <a:r>
+              <a:rPr lang="bg-BG" sz="1100" dirty="0"/>
+              <a:t>, с подкрепата на </a:t>
+            </a:r>
+            <a:r>
+              <a:rPr lang="en-US" sz="1100" dirty="0">
                 <a:hlinkClick r:id="rId3"/>
               </a:rPr>
-              <a:t>https://softuni.org</a:t>
-            </a:r>
-            <a:r>
-              <a:rPr lang="en-US" dirty="0"/>
-              <a:t>. Copyrighted document. Unauthorized copy or reproduction is not permitted.</a:t>
-            </a:r>
+              <a:t>SoftUni</a:t>
+            </a:r>
+            <a:endParaRPr lang="en-US" sz="1100" dirty="0"/>
           </a:p>
         </p:txBody>
       </p:sp>
     </p:spTree>
     <p:extLst>
       <p:ext uri="{BB962C8B-B14F-4D97-AF65-F5344CB8AC3E}">
-        <p14:creationId xmlns:p14="http://schemas.microsoft.com/office/powerpoint/2010/main" val="3126033834"/>
+        <p14:creationId xmlns:p14="http://schemas.microsoft.com/office/powerpoint/2010/main" val="2928673889"/>
       </p:ext>
     </p:extLst>
   </p:cSld>
@@ -1548,10 +1602,10 @@
       </p:sp>
       <p:sp>
         <p:nvSpPr>
-          <p:cNvPr id="8" name="Footer Placeholder 7">
+          <p:cNvPr id="2" name="Footer Placeholder 7">
             <a:extLst>
               <a:ext uri="{FF2B5EF4-FFF2-40B4-BE49-F238E27FC236}">
-                <a16:creationId xmlns:a16="http://schemas.microsoft.com/office/drawing/2014/main" id="{BC0EE41C-9061-48AF-8BF9-7304AEF24379}"/>
+                <a16:creationId xmlns:a16="http://schemas.microsoft.com/office/drawing/2014/main" id="{DBC14C66-4554-C6FF-8B79-106024B38F46}"/>
               </a:ext>
             </a:extLst>
           </p:cNvPr>
@@ -1564,8 +1618,8 @@
         </p:nvSpPr>
         <p:spPr>
           <a:xfrm>
-            <a:off x="-1" y="8847000"/>
-            <a:ext cx="6488999" cy="297000"/>
+            <a:off x="-1" y="8892000"/>
+            <a:ext cx="6488999" cy="252000"/>
           </a:xfrm>
           <a:prstGeom prst="rect">
             <a:avLst/>
@@ -1580,26 +1634,31 @@
           </a:lstStyle>
           <a:p>
             <a:r>
-              <a:rPr lang="en-US" dirty="0"/>
-              <a:t>© SoftUni – </a:t>
-            </a:r>
-            <a:r>
-              <a:rPr lang="en-US" u="sng" dirty="0">
+              <a:rPr lang="bg-BG" sz="1100" dirty="0"/>
+              <a:t>Работна група </a:t>
+            </a:r>
+            <a:r>
+              <a:rPr lang="bg-BG" dirty="0"/>
+              <a:t>"Образование по програмиране и ИТ"</a:t>
+            </a:r>
+            <a:r>
+              <a:rPr lang="bg-BG" sz="1100" dirty="0"/>
+              <a:t>, с подкрепата на </a:t>
+            </a:r>
+            <a:r>
+              <a:rPr lang="en-US" sz="1100" dirty="0">
                 <a:hlinkClick r:id="rId3"/>
               </a:rPr>
-              <a:t>https://softuni.org</a:t>
-            </a:r>
-            <a:r>
-              <a:rPr lang="en-US" dirty="0"/>
-              <a:t>. Copyrighted document. Unauthorized copy or reproduction is not permitted.</a:t>
-            </a:r>
+              <a:t>SoftUni</a:t>
+            </a:r>
+            <a:endParaRPr lang="en-US" sz="1100" dirty="0"/>
           </a:p>
         </p:txBody>
       </p:sp>
     </p:spTree>
     <p:extLst>
       <p:ext uri="{BB962C8B-B14F-4D97-AF65-F5344CB8AC3E}">
-        <p14:creationId xmlns:p14="http://schemas.microsoft.com/office/powerpoint/2010/main" val="422349147"/>
+        <p14:creationId xmlns:p14="http://schemas.microsoft.com/office/powerpoint/2010/main" val="1526212481"/>
       </p:ext>
     </p:extLst>
   </p:cSld>
@@ -1718,10 +1777,10 @@
       </p:sp>
       <p:sp>
         <p:nvSpPr>
-          <p:cNvPr id="8" name="Footer Placeholder 7">
+          <p:cNvPr id="2" name="Footer Placeholder 7">
             <a:extLst>
               <a:ext uri="{FF2B5EF4-FFF2-40B4-BE49-F238E27FC236}">
-                <a16:creationId xmlns:a16="http://schemas.microsoft.com/office/drawing/2014/main" id="{877534FE-DE6B-4A02-8911-94E964C555E2}"/>
+                <a16:creationId xmlns:a16="http://schemas.microsoft.com/office/drawing/2014/main" id="{A86BC934-90D0-013D-1C08-2D304E4F4A4A}"/>
               </a:ext>
             </a:extLst>
           </p:cNvPr>
@@ -1734,8 +1793,8 @@
         </p:nvSpPr>
         <p:spPr>
           <a:xfrm>
-            <a:off x="-1" y="8847000"/>
-            <a:ext cx="6488999" cy="297000"/>
+            <a:off x="-1" y="8892000"/>
+            <a:ext cx="6488999" cy="252000"/>
           </a:xfrm>
           <a:prstGeom prst="rect">
             <a:avLst/>
@@ -1750,26 +1809,31 @@
           </a:lstStyle>
           <a:p>
             <a:r>
-              <a:rPr lang="en-US" dirty="0"/>
-              <a:t>© SoftUni – </a:t>
-            </a:r>
-            <a:r>
-              <a:rPr lang="en-US" u="sng" dirty="0">
+              <a:rPr lang="bg-BG" sz="1100" dirty="0"/>
+              <a:t>Работна група </a:t>
+            </a:r>
+            <a:r>
+              <a:rPr lang="bg-BG" dirty="0"/>
+              <a:t>"Образование по програмиране и ИТ"</a:t>
+            </a:r>
+            <a:r>
+              <a:rPr lang="bg-BG" sz="1100" dirty="0"/>
+              <a:t>, с подкрепата на </a:t>
+            </a:r>
+            <a:r>
+              <a:rPr lang="en-US" sz="1100" dirty="0">
                 <a:hlinkClick r:id="rId3"/>
               </a:rPr>
-              <a:t>https://softuni.org</a:t>
-            </a:r>
-            <a:r>
-              <a:rPr lang="en-US" dirty="0"/>
-              <a:t>. Copyrighted document. Unauthorized copy or reproduction is not permitted.</a:t>
-            </a:r>
+              <a:t>SoftUni</a:t>
+            </a:r>
+            <a:endParaRPr lang="en-US" sz="1100" dirty="0"/>
           </a:p>
         </p:txBody>
       </p:sp>
     </p:spTree>
     <p:extLst>
       <p:ext uri="{BB962C8B-B14F-4D97-AF65-F5344CB8AC3E}">
-        <p14:creationId xmlns:p14="http://schemas.microsoft.com/office/powerpoint/2010/main" val="3513075972"/>
+        <p14:creationId xmlns:p14="http://schemas.microsoft.com/office/powerpoint/2010/main" val="100624023"/>
       </p:ext>
     </p:extLst>
   </p:cSld>
@@ -1853,10 +1917,10 @@
       </p:sp>
       <p:sp>
         <p:nvSpPr>
-          <p:cNvPr id="6" name="Footer Placeholder 7">
+          <p:cNvPr id="4" name="Footer Placeholder 7">
             <a:extLst>
               <a:ext uri="{FF2B5EF4-FFF2-40B4-BE49-F238E27FC236}">
-                <a16:creationId xmlns:a16="http://schemas.microsoft.com/office/drawing/2014/main" id="{4D5C8C0D-B3F7-4463-9A8E-1EC6F4962F2C}"/>
+                <a16:creationId xmlns:a16="http://schemas.microsoft.com/office/drawing/2014/main" id="{5EC81DCD-7589-82E6-1B0C-B8E4A09CABBC}"/>
               </a:ext>
             </a:extLst>
           </p:cNvPr>
@@ -1869,8 +1933,8 @@
         </p:nvSpPr>
         <p:spPr>
           <a:xfrm>
-            <a:off x="-1" y="8847000"/>
-            <a:ext cx="6488999" cy="297000"/>
+            <a:off x="-1" y="8892000"/>
+            <a:ext cx="6488999" cy="252000"/>
           </a:xfrm>
           <a:prstGeom prst="rect">
             <a:avLst/>
@@ -1885,26 +1949,31 @@
           </a:lstStyle>
           <a:p>
             <a:r>
-              <a:rPr lang="en-US" dirty="0"/>
-              <a:t>© SoftUni – </a:t>
-            </a:r>
-            <a:r>
-              <a:rPr lang="en-US" u="sng" dirty="0">
+              <a:rPr lang="bg-BG" sz="1100" dirty="0"/>
+              <a:t>Работна група </a:t>
+            </a:r>
+            <a:r>
+              <a:rPr lang="bg-BG" dirty="0"/>
+              <a:t>"Образование по програмиране и ИТ"</a:t>
+            </a:r>
+            <a:r>
+              <a:rPr lang="bg-BG" sz="1100" dirty="0"/>
+              <a:t>, с подкрепата на </a:t>
+            </a:r>
+            <a:r>
+              <a:rPr lang="en-US" sz="1100" dirty="0">
                 <a:hlinkClick r:id="rId3"/>
               </a:rPr>
-              <a:t>https://softuni.org</a:t>
-            </a:r>
-            <a:r>
-              <a:rPr lang="en-US" dirty="0"/>
-              <a:t>. Copyrighted document. Unauthorized copy or reproduction is not permitted.</a:t>
-            </a:r>
+              <a:t>SoftUni</a:t>
+            </a:r>
+            <a:endParaRPr lang="en-US" sz="1100" dirty="0"/>
           </a:p>
         </p:txBody>
       </p:sp>
     </p:spTree>
     <p:extLst>
       <p:ext uri="{BB962C8B-B14F-4D97-AF65-F5344CB8AC3E}">
-        <p14:creationId xmlns:p14="http://schemas.microsoft.com/office/powerpoint/2010/main" val="852383263"/>
+        <p14:creationId xmlns:p14="http://schemas.microsoft.com/office/powerpoint/2010/main" val="2804321655"/>
       </p:ext>
     </p:extLst>
   </p:cSld>
@@ -1988,10 +2057,10 @@
       </p:sp>
       <p:sp>
         <p:nvSpPr>
-          <p:cNvPr id="6" name="Footer Placeholder 7">
+          <p:cNvPr id="4" name="Footer Placeholder 7">
             <a:extLst>
               <a:ext uri="{FF2B5EF4-FFF2-40B4-BE49-F238E27FC236}">
-                <a16:creationId xmlns:a16="http://schemas.microsoft.com/office/drawing/2014/main" id="{47A39B85-E5D9-4A4E-81E6-254839195C9F}"/>
+                <a16:creationId xmlns:a16="http://schemas.microsoft.com/office/drawing/2014/main" id="{CB517486-66D5-5D90-7D6A-E215ADC406B4}"/>
               </a:ext>
             </a:extLst>
           </p:cNvPr>
@@ -2004,8 +2073,8 @@
         </p:nvSpPr>
         <p:spPr>
           <a:xfrm>
-            <a:off x="-1" y="8847000"/>
-            <a:ext cx="6488999" cy="297000"/>
+            <a:off x="-1" y="8892000"/>
+            <a:ext cx="6488999" cy="252000"/>
           </a:xfrm>
           <a:prstGeom prst="rect">
             <a:avLst/>
@@ -2020,26 +2089,31 @@
           </a:lstStyle>
           <a:p>
             <a:r>
-              <a:rPr lang="en-US" dirty="0"/>
-              <a:t>© SoftUni – </a:t>
-            </a:r>
-            <a:r>
-              <a:rPr lang="en-US" u="sng" dirty="0">
+              <a:rPr lang="bg-BG" sz="1100" dirty="0"/>
+              <a:t>Работна група </a:t>
+            </a:r>
+            <a:r>
+              <a:rPr lang="bg-BG" dirty="0"/>
+              <a:t>"Образование по програмиране и ИТ"</a:t>
+            </a:r>
+            <a:r>
+              <a:rPr lang="bg-BG" sz="1100" dirty="0"/>
+              <a:t>, с подкрепата на </a:t>
+            </a:r>
+            <a:r>
+              <a:rPr lang="en-US" sz="1100" dirty="0">
                 <a:hlinkClick r:id="rId3"/>
               </a:rPr>
-              <a:t>https://softuni.org</a:t>
-            </a:r>
-            <a:r>
-              <a:rPr lang="en-US" dirty="0"/>
-              <a:t>. Copyrighted document. Unauthorized copy or reproduction is not permitted.</a:t>
-            </a:r>
+              <a:t>SoftUni</a:t>
+            </a:r>
+            <a:endParaRPr lang="en-US" sz="1100" dirty="0"/>
           </a:p>
         </p:txBody>
       </p:sp>
     </p:spTree>
     <p:extLst>
       <p:ext uri="{BB962C8B-B14F-4D97-AF65-F5344CB8AC3E}">
-        <p14:creationId xmlns:p14="http://schemas.microsoft.com/office/powerpoint/2010/main" val="236169634"/>
+        <p14:creationId xmlns:p14="http://schemas.microsoft.com/office/powerpoint/2010/main" val="3942404446"/>
       </p:ext>
     </p:extLst>
   </p:cSld>
@@ -2123,10 +2197,10 @@
       </p:sp>
       <p:sp>
         <p:nvSpPr>
-          <p:cNvPr id="6" name="Footer Placeholder 7">
+          <p:cNvPr id="4" name="Footer Placeholder 7">
             <a:extLst>
               <a:ext uri="{FF2B5EF4-FFF2-40B4-BE49-F238E27FC236}">
-                <a16:creationId xmlns:a16="http://schemas.microsoft.com/office/drawing/2014/main" id="{BC506739-5DCA-4827-ABDF-8FCD90A02B02}"/>
+                <a16:creationId xmlns:a16="http://schemas.microsoft.com/office/drawing/2014/main" id="{30898550-F69D-6B33-E2A3-FB6E21CA4F99}"/>
               </a:ext>
             </a:extLst>
           </p:cNvPr>
@@ -2139,8 +2213,8 @@
         </p:nvSpPr>
         <p:spPr>
           <a:xfrm>
-            <a:off x="-1" y="8847000"/>
-            <a:ext cx="6488999" cy="297000"/>
+            <a:off x="-1" y="8892000"/>
+            <a:ext cx="6488999" cy="252000"/>
           </a:xfrm>
           <a:prstGeom prst="rect">
             <a:avLst/>
@@ -2155,26 +2229,31 @@
           </a:lstStyle>
           <a:p>
             <a:r>
-              <a:rPr lang="en-US" dirty="0"/>
-              <a:t>© SoftUni – </a:t>
-            </a:r>
-            <a:r>
-              <a:rPr lang="en-US" u="sng" dirty="0">
+              <a:rPr lang="bg-BG" sz="1100" dirty="0"/>
+              <a:t>Работна група </a:t>
+            </a:r>
+            <a:r>
+              <a:rPr lang="bg-BG" dirty="0"/>
+              <a:t>"Образование по програмиране и ИТ"</a:t>
+            </a:r>
+            <a:r>
+              <a:rPr lang="bg-BG" sz="1100" dirty="0"/>
+              <a:t>, с подкрепата на </a:t>
+            </a:r>
+            <a:r>
+              <a:rPr lang="en-US" sz="1100" dirty="0">
                 <a:hlinkClick r:id="rId3"/>
               </a:rPr>
-              <a:t>https://softuni.org</a:t>
-            </a:r>
-            <a:r>
-              <a:rPr lang="en-US" dirty="0"/>
-              <a:t>. Copyrighted document. Unauthorized copy or reproduction is not permitted.</a:t>
-            </a:r>
+              <a:t>SoftUni</a:t>
+            </a:r>
+            <a:endParaRPr lang="en-US" sz="1100" dirty="0"/>
           </a:p>
         </p:txBody>
       </p:sp>
     </p:spTree>
     <p:extLst>
       <p:ext uri="{BB962C8B-B14F-4D97-AF65-F5344CB8AC3E}">
-        <p14:creationId xmlns:p14="http://schemas.microsoft.com/office/powerpoint/2010/main" val="1539019058"/>
+        <p14:creationId xmlns:p14="http://schemas.microsoft.com/office/powerpoint/2010/main" val="3835073844"/>
       </p:ext>
     </p:extLst>
   </p:cSld>
@@ -2364,10 +2443,10 @@
       </p:sp>
       <p:sp>
         <p:nvSpPr>
-          <p:cNvPr id="6" name="Footer Placeholder 7">
+          <p:cNvPr id="5" name="Footer Placeholder 7">
             <a:extLst>
               <a:ext uri="{FF2B5EF4-FFF2-40B4-BE49-F238E27FC236}">
-                <a16:creationId xmlns:a16="http://schemas.microsoft.com/office/drawing/2014/main" id="{8722A4E8-A399-4B2F-ABA9-DD7956C8C9A2}"/>
+                <a16:creationId xmlns:a16="http://schemas.microsoft.com/office/drawing/2014/main" id="{440468A6-9A8B-DFC6-B287-E310BE12BC04}"/>
               </a:ext>
             </a:extLst>
           </p:cNvPr>
@@ -2380,8 +2459,8 @@
         </p:nvSpPr>
         <p:spPr>
           <a:xfrm>
-            <a:off x="-1" y="8847000"/>
-            <a:ext cx="6488999" cy="297000"/>
+            <a:off x="-1" y="8892000"/>
+            <a:ext cx="6488999" cy="252000"/>
           </a:xfrm>
           <a:prstGeom prst="rect">
             <a:avLst/>
@@ -2396,26 +2475,31 @@
           </a:lstStyle>
           <a:p>
             <a:r>
-              <a:rPr lang="en-US" dirty="0"/>
-              <a:t>© SoftUni – </a:t>
-            </a:r>
-            <a:r>
-              <a:rPr lang="en-US" u="sng" dirty="0">
+              <a:rPr lang="bg-BG" sz="1100" dirty="0"/>
+              <a:t>Работна група </a:t>
+            </a:r>
+            <a:r>
+              <a:rPr lang="bg-BG" dirty="0"/>
+              <a:t>"Образование по програмиране и ИТ"</a:t>
+            </a:r>
+            <a:r>
+              <a:rPr lang="bg-BG" sz="1100" dirty="0"/>
+              <a:t>, с подкрепата на </a:t>
+            </a:r>
+            <a:r>
+              <a:rPr lang="en-US" sz="1100" dirty="0">
                 <a:hlinkClick r:id="rId3"/>
               </a:rPr>
-              <a:t>https://softuni.org</a:t>
-            </a:r>
-            <a:r>
-              <a:rPr lang="en-US" dirty="0"/>
-              <a:t>. Copyrighted document. Unauthorized copy or reproduction is not permitted.</a:t>
-            </a:r>
+              <a:t>SoftUni</a:t>
+            </a:r>
+            <a:endParaRPr lang="en-US" sz="1100" dirty="0"/>
           </a:p>
         </p:txBody>
       </p:sp>
     </p:spTree>
     <p:extLst>
       <p:ext uri="{BB962C8B-B14F-4D97-AF65-F5344CB8AC3E}">
-        <p14:creationId xmlns:p14="http://schemas.microsoft.com/office/powerpoint/2010/main" val="4019510437"/>
+        <p14:creationId xmlns:p14="http://schemas.microsoft.com/office/powerpoint/2010/main" val="252628910"/>
       </p:ext>
     </p:extLst>
   </p:cSld>
@@ -2426,7 +2510,7 @@
 </file>
 
 <file path=ppt/slideLayouts/slideLayout1.xml><?xml version="1.0" encoding="utf-8"?>
-<p:sldLayout xmlns:a="http://schemas.openxmlformats.org/drawingml/2006/main" xmlns:r="http://schemas.openxmlformats.org/officeDocument/2006/relationships" xmlns:p="http://schemas.openxmlformats.org/presentationml/2006/main" preserve="1">
+<p:sldLayout xmlns:a="http://schemas.openxmlformats.org/drawingml/2006/main" xmlns:r="http://schemas.openxmlformats.org/officeDocument/2006/relationships" xmlns:p="http://schemas.openxmlformats.org/presentationml/2006/main" preserve="1" userDrawn="1">
   <p:cSld name="Presentation Title Slide">
     <p:spTree>
       <p:nvGrpSpPr>
@@ -2452,7 +2536,7 @@
             </a:extLst>
           </p:cNvPr>
           <p:cNvSpPr/>
-          <p:nvPr/>
+          <p:nvPr userDrawn="1"/>
         </p:nvSpPr>
         <p:spPr>
           <a:xfrm>
@@ -2506,7 +2590,7 @@
               <a:tabLst/>
               <a:defRPr/>
             </a:pPr>
-            <a:endParaRPr kumimoji="0" lang="en-US" altLang="ko-KR" sz="2398" b="0" i="0" u="none" strike="noStrike" kern="1200" cap="none" spc="0" normalizeH="0" baseline="0" noProof="0" dirty="0">
+            <a:endParaRPr kumimoji="0" lang="en-US" altLang="ko-KR" sz="2398" b="0" i="0" u="none" strike="noStrike" kern="1200" cap="none" spc="0" normalizeH="0" baseline="0" noProof="0">
               <a:ln>
                 <a:noFill/>
               </a:ln>
@@ -2523,55 +2607,139 @@
           </a:p>
         </p:txBody>
       </p:sp>
-      <p:pic>
-        <p:nvPicPr>
-          <p:cNvPr id="14" name="Picture Logo SoftUni" descr="SoftUni logo">
+      <p:sp>
+        <p:nvSpPr>
+          <p:cNvPr id="33" name="Picture Placeholder Title Image">
             <a:extLst>
               <a:ext uri="{FF2B5EF4-FFF2-40B4-BE49-F238E27FC236}">
-                <a16:creationId xmlns:a16="http://schemas.microsoft.com/office/drawing/2014/main" id="{C4D6B2A2-DFF0-4712-BFEC-6676BEC99FEC}"/>
+                <a16:creationId xmlns:a16="http://schemas.microsoft.com/office/drawing/2014/main" id="{A04D819A-89E2-4714-8C56-1838BF467EF7}"/>
               </a:ext>
             </a:extLst>
           </p:cNvPr>
-          <p:cNvPicPr>
-            <a:picLocks noChangeAspect="1"/>
-          </p:cNvPicPr>
-          <p:nvPr userDrawn="1"/>
-        </p:nvPicPr>
-        <p:blipFill>
-          <a:blip r:embed="rId2">
-            <a:clrChange>
-              <a:clrFrom>
-                <a:srgbClr val="FFFFFF"/>
-              </a:clrFrom>
-              <a:clrTo>
-                <a:srgbClr val="FFFFFF">
-                  <a:alpha val="0"/>
-                </a:srgbClr>
-              </a:clrTo>
-            </a:clrChange>
+          <p:cNvSpPr>
+            <a:spLocks noGrp="1"/>
+          </p:cNvSpPr>
+          <p:nvPr>
+            <p:ph type="pic" sz="quarter" idx="10"/>
+          </p:nvPr>
+        </p:nvSpPr>
+        <p:spPr>
+          <a:xfrm>
+            <a:off x="6390123" y="3400017"/>
+            <a:ext cx="5248260" cy="2188983"/>
+          </a:xfrm>
+        </p:spPr>
+        <p:txBody>
+          <a:bodyPr/>
+          <a:lstStyle>
+            <a:lvl1pPr marL="0" indent="0" algn="ctr" latinLnBrk="0">
+              <a:buNone/>
+              <a:defRPr>
+                <a:solidFill>
+                  <a:schemeClr val="bg1"/>
+                </a:solidFill>
+              </a:defRPr>
+            </a:lvl1pPr>
+          </a:lstStyle>
+          <a:p>
+            <a:r>
+              <a:rPr lang="en-US" noProof="0" dirty="0"/>
+              <a:t>Click icon to add picture</a:t>
+            </a:r>
+          </a:p>
+        </p:txBody>
+      </p:sp>
+      <p:sp>
+        <p:nvSpPr>
+          <p:cNvPr id="10" name="Company Web Site">
             <a:extLst>
-              <a:ext uri="{28A0092B-C50C-407E-A947-70E740481C1C}">
-                <a14:useLocalDpi xmlns:a14="http://schemas.microsoft.com/office/drawing/2010/main" val="0"/>
+              <a:ext uri="{FF2B5EF4-FFF2-40B4-BE49-F238E27FC236}">
+                <a16:creationId xmlns:a16="http://schemas.microsoft.com/office/drawing/2014/main" id="{0B99B1EE-62FA-4AA4-920C-D444D6C0B778}"/>
               </a:ext>
             </a:extLst>
-          </a:blip>
-          <a:stretch>
-            <a:fillRect/>
-          </a:stretch>
-        </p:blipFill>
+          </p:cNvPr>
+          <p:cNvSpPr>
+            <a:spLocks noGrp="1"/>
+          </p:cNvSpPr>
+          <p:nvPr>
+            <p:ph type="body" sz="quarter" idx="22" hasCustomPrompt="1"/>
+          </p:nvPr>
+        </p:nvSpPr>
         <p:spPr>
           <a:xfrm>
-            <a:off x="4324460" y="5184000"/>
-            <a:ext cx="3751540" cy="1297655"/>
+            <a:off x="6390120" y="6086106"/>
+            <a:ext cx="5248260" cy="341313"/>
           </a:xfrm>
-          <a:prstGeom prst="rect">
-            <a:avLst/>
-          </a:prstGeom>
         </p:spPr>
-      </p:pic>
-      <p:sp>
-        <p:nvSpPr>
-          <p:cNvPr id="31" name="Text Placeholder Company Site">
+        <p:txBody>
+          <a:bodyPr lIns="36000" rIns="36000" anchor="ctr" anchorCtr="0">
+            <a:noAutofit/>
+          </a:bodyPr>
+          <a:lstStyle>
+            <a:lvl1pPr marL="0" indent="0" algn="r">
+              <a:buNone/>
+              <a:defRPr sz="1800"/>
+            </a:lvl1pPr>
+          </a:lstStyle>
+          <a:p>
+            <a:pPr lvl="0"/>
+            <a:r>
+              <a:rPr lang="en-US" dirty="0"/>
+              <a:t>https://softuni.foundation  </a:t>
+            </a:r>
+          </a:p>
+        </p:txBody>
+      </p:sp>
+      <p:sp>
+        <p:nvSpPr>
+          <p:cNvPr id="6" name="Company Name">
+            <a:extLst>
+              <a:ext uri="{FF2B5EF4-FFF2-40B4-BE49-F238E27FC236}">
+                <a16:creationId xmlns:a16="http://schemas.microsoft.com/office/drawing/2014/main" id="{2A76510A-0BAE-A827-E77C-BE88E38F52AA}"/>
+              </a:ext>
+            </a:extLst>
+          </p:cNvPr>
+          <p:cNvSpPr>
+            <a:spLocks noGrp="1"/>
+          </p:cNvSpPr>
+          <p:nvPr>
+            <p:ph type="body" sz="quarter" idx="21" hasCustomPrompt="1"/>
+          </p:nvPr>
+        </p:nvSpPr>
+        <p:spPr>
+          <a:xfrm>
+            <a:off x="6390122" y="5698189"/>
+            <a:ext cx="5248260" cy="374236"/>
+          </a:xfrm>
+        </p:spPr>
+        <p:txBody>
+          <a:bodyPr lIns="36000" rIns="36000" anchor="ctr" anchorCtr="0">
+            <a:normAutofit/>
+          </a:bodyPr>
+          <a:lstStyle>
+            <a:lvl1pPr marL="0" indent="0" algn="r">
+              <a:buNone/>
+              <a:defRPr sz="2000" b="1">
+                <a:solidFill>
+                  <a:schemeClr val="tx1">
+                    <a:lumMod val="75000"/>
+                  </a:schemeClr>
+                </a:solidFill>
+              </a:defRPr>
+            </a:lvl1pPr>
+          </a:lstStyle>
+          <a:p>
+            <a:pPr lvl="0"/>
+            <a:r>
+              <a:rPr lang="en-US" dirty="0"/>
+              <a:t>SoftUni Foundation</a:t>
+            </a:r>
+          </a:p>
+        </p:txBody>
+      </p:sp>
+      <p:sp>
+        <p:nvSpPr>
+          <p:cNvPr id="31" name="Author Position">
             <a:extLst>
               <a:ext uri="{FF2B5EF4-FFF2-40B4-BE49-F238E27FC236}">
                 <a16:creationId xmlns:a16="http://schemas.microsoft.com/office/drawing/2014/main" id="{3E6B87B7-9D33-4EBB-BD4F-C0436BA3FD72}"/>
@@ -2587,274 +2755,8 @@
         </p:nvSpPr>
         <p:spPr bwMode="auto">
           <a:xfrm>
-            <a:off x="8708505" y="6130863"/>
-            <a:ext cx="2951518" cy="341556"/>
-          </a:xfrm>
-          <a:prstGeom prst="rect">
-            <a:avLst/>
-          </a:prstGeom>
-          <a:noFill/>
-          <a:effectLst/>
-        </p:spPr>
-        <p:txBody>
-          <a:bodyPr wrap="square" lIns="36000" tIns="36000" rIns="36000" bIns="36000" rtlCol="0" anchor="ctr" anchorCtr="0">
-            <a:noAutofit/>
-          </a:bodyPr>
-          <a:lstStyle>
-            <a:lvl1pPr marL="0" indent="0" algn="r" rtl="0" fontAlgn="base" latinLnBrk="0">
-              <a:spcBef>
-                <a:spcPct val="0"/>
-              </a:spcBef>
-              <a:spcAft>
-                <a:spcPct val="0"/>
-              </a:spcAft>
-              <a:buNone/>
-              <a:defRPr lang="en-US" sz="1798" b="1" kern="1200" dirty="0" smtClean="0">
-                <a:solidFill>
-                  <a:schemeClr val="tx1">
-                    <a:lumMod val="75000"/>
-                  </a:schemeClr>
-                </a:solidFill>
-                <a:effectLst/>
-                <a:latin typeface="+mn-lt"/>
-                <a:ea typeface="+mn-ea"/>
-                <a:cs typeface="+mn-cs"/>
-              </a:defRPr>
-            </a:lvl1pPr>
-          </a:lstStyle>
-          <a:p>
-            <a:pPr lvl="0"/>
-            <a:r>
-              <a:rPr lang="en-US" noProof="0" dirty="0"/>
-              <a:t>Company Web Site</a:t>
-            </a:r>
-          </a:p>
-        </p:txBody>
-      </p:sp>
-      <p:sp>
-        <p:nvSpPr>
-          <p:cNvPr id="30" name="Text Placeholder Company Name">
-            <a:extLst>
-              <a:ext uri="{FF2B5EF4-FFF2-40B4-BE49-F238E27FC236}">
-                <a16:creationId xmlns:a16="http://schemas.microsoft.com/office/drawing/2014/main" id="{2EA92DCA-4DB5-4D03-ACD3-A6A296592D0C}"/>
-              </a:ext>
-            </a:extLst>
-          </p:cNvPr>
-          <p:cNvSpPr>
-            <a:spLocks noGrp="1"/>
-          </p:cNvSpPr>
-          <p:nvPr>
-            <p:ph type="body" sz="quarter" idx="17" hasCustomPrompt="1"/>
-          </p:nvPr>
-        </p:nvSpPr>
-        <p:spPr bwMode="auto">
-          <a:xfrm>
-            <a:off x="8708505" y="5756628"/>
-            <a:ext cx="2951518" cy="367080"/>
-          </a:xfrm>
-          <a:prstGeom prst="rect">
-            <a:avLst/>
-          </a:prstGeom>
-          <a:noFill/>
-          <a:effectLst/>
-        </p:spPr>
-        <p:txBody>
-          <a:bodyPr wrap="square" lIns="36000" tIns="36000" rIns="36000" bIns="36000" rtlCol="0" anchor="ctr" anchorCtr="0">
-            <a:noAutofit/>
-          </a:bodyPr>
-          <a:lstStyle>
-            <a:lvl1pPr marL="0" indent="0" algn="r" rtl="0" fontAlgn="base" latinLnBrk="0">
-              <a:spcBef>
-                <a:spcPct val="0"/>
-              </a:spcBef>
-              <a:spcAft>
-                <a:spcPct val="0"/>
-              </a:spcAft>
-              <a:buNone/>
-              <a:defRPr lang="en-US" sz="1998" b="1" kern="1200" dirty="0" smtClean="0">
-                <a:solidFill>
-                  <a:schemeClr val="tx1">
-                    <a:lumMod val="75000"/>
-                  </a:schemeClr>
-                </a:solidFill>
-                <a:effectLst/>
-                <a:latin typeface="+mn-lt"/>
-                <a:ea typeface="+mn-ea"/>
-                <a:cs typeface="+mn-cs"/>
-              </a:defRPr>
-            </a:lvl1pPr>
-          </a:lstStyle>
-          <a:p>
-            <a:pPr lvl="0"/>
-            <a:r>
-              <a:rPr lang="en-US" noProof="0" dirty="0"/>
-              <a:t>Company Name</a:t>
-            </a:r>
-          </a:p>
-        </p:txBody>
-      </p:sp>
-      <p:pic>
-        <p:nvPicPr>
-          <p:cNvPr id="35" name="Picture SoftUni Mascot" descr="SoftUni mascot">
-            <a:extLst>
-              <a:ext uri="{FF2B5EF4-FFF2-40B4-BE49-F238E27FC236}">
-                <a16:creationId xmlns:a16="http://schemas.microsoft.com/office/drawing/2014/main" id="{951E7DA9-C5F0-43D9-B013-3BDF9EEF029D}"/>
-              </a:ext>
-            </a:extLst>
-          </p:cNvPr>
-          <p:cNvPicPr>
-            <a:picLocks noChangeAspect="1"/>
-          </p:cNvPicPr>
-          <p:nvPr/>
-        </p:nvPicPr>
-        <p:blipFill rotWithShape="1">
-          <a:blip r:embed="rId3" cstate="print">
-            <a:extLst>
-              <a:ext uri="{28A0092B-C50C-407E-A947-70E740481C1C}">
-                <a14:useLocalDpi xmlns:a14="http://schemas.microsoft.com/office/drawing/2010/main" val="0"/>
-              </a:ext>
-            </a:extLst>
-          </a:blip>
-          <a:srcRect/>
-          <a:stretch/>
-        </p:blipFill>
-        <p:spPr>
-          <a:xfrm flipH="1">
-            <a:off x="8848924" y="2609644"/>
-            <a:ext cx="2788893" cy="3018284"/>
-          </a:xfrm>
-          <a:prstGeom prst="rect">
-            <a:avLst/>
-          </a:prstGeom>
-        </p:spPr>
-      </p:pic>
-      <p:pic>
-        <p:nvPicPr>
-          <p:cNvPr id="22" name="Picture Logo Software University" descr="Software University logo">
-            <a:hlinkClick r:id="rId4"/>
-            <a:extLst>
-              <a:ext uri="{FF2B5EF4-FFF2-40B4-BE49-F238E27FC236}">
-                <a16:creationId xmlns:a16="http://schemas.microsoft.com/office/drawing/2014/main" id="{F2315EB3-3FE4-4D3B-921E-5F209CEC13CB}"/>
-              </a:ext>
-            </a:extLst>
-          </p:cNvPr>
-          <p:cNvPicPr>
-            <a:picLocks noChangeAspect="1"/>
-          </p:cNvPicPr>
-          <p:nvPr userDrawn="1"/>
-        </p:nvPicPr>
-        <p:blipFill>
-          <a:blip r:embed="rId5">
-            <a:clrChange>
-              <a:clrFrom>
-                <a:srgbClr val="FFFFFF"/>
-              </a:clrFrom>
-              <a:clrTo>
-                <a:srgbClr val="FFFFFF">
-                  <a:alpha val="0"/>
-                </a:srgbClr>
-              </a:clrTo>
-            </a:clrChange>
-            <a:extLst>
-              <a:ext uri="{28A0092B-C50C-407E-A947-70E740481C1C}">
-                <a14:useLocalDpi xmlns:a14="http://schemas.microsoft.com/office/drawing/2010/main" val="0"/>
-              </a:ext>
-            </a:extLst>
-          </a:blip>
-          <a:stretch>
-            <a:fillRect/>
-          </a:stretch>
-        </p:blipFill>
-        <p:spPr>
-          <a:xfrm>
-            <a:off x="507944" y="5918567"/>
-            <a:ext cx="1830305" cy="628159"/>
-          </a:xfrm>
-          <a:prstGeom prst="rect">
-            <a:avLst/>
-          </a:prstGeom>
-        </p:spPr>
-      </p:pic>
-      <p:sp>
-        <p:nvSpPr>
-          <p:cNvPr id="40" name="Text Placeholder Author Position">
-            <a:extLst>
-              <a:ext uri="{FF2B5EF4-FFF2-40B4-BE49-F238E27FC236}">
-                <a16:creationId xmlns:a16="http://schemas.microsoft.com/office/drawing/2014/main" id="{CD940256-851E-46C8-8BFB-A5ECA6C7DA07}"/>
-              </a:ext>
-            </a:extLst>
-          </p:cNvPr>
-          <p:cNvSpPr>
-            <a:spLocks noGrp="1"/>
-          </p:cNvSpPr>
-          <p:nvPr>
-            <p:ph type="body" sz="quarter" idx="20" hasCustomPrompt="1"/>
-          </p:nvPr>
-        </p:nvSpPr>
-        <p:spPr bwMode="auto">
-          <a:xfrm>
-            <a:off x="553082" y="5344180"/>
-            <a:ext cx="2980696" cy="444793"/>
-          </a:xfrm>
-          <a:prstGeom prst="rect">
-            <a:avLst/>
-          </a:prstGeom>
-          <a:noFill/>
-          <a:effectLst/>
-        </p:spPr>
-        <p:txBody>
-          <a:bodyPr wrap="square" lIns="36000" tIns="36000" rIns="36000" bIns="36000" rtlCol="0" anchor="ctr" anchorCtr="0">
-            <a:spAutoFit/>
-          </a:bodyPr>
-          <a:lstStyle>
-            <a:lvl1pPr marL="0" indent="0" algn="l" rtl="0" fontAlgn="base" latinLnBrk="0">
-              <a:spcBef>
-                <a:spcPct val="0"/>
-              </a:spcBef>
-              <a:spcAft>
-                <a:spcPct val="0"/>
-              </a:spcAft>
-              <a:buNone/>
-              <a:defRPr lang="en-US" sz="2398" b="1" kern="1200" dirty="0" smtClean="0">
-                <a:solidFill>
-                  <a:schemeClr val="tx1"/>
-                </a:solidFill>
-                <a:effectLst/>
-                <a:latin typeface="+mn-lt"/>
-                <a:ea typeface="+mn-ea"/>
-                <a:cs typeface="+mn-cs"/>
-              </a:defRPr>
-            </a:lvl1pPr>
-          </a:lstStyle>
-          <a:p>
-            <a:pPr lvl="0"/>
-            <a:r>
-              <a:rPr lang="en-US" noProof="0" dirty="0"/>
-              <a:t>Position</a:t>
-            </a:r>
-          </a:p>
-        </p:txBody>
-      </p:sp>
-      <p:sp>
-        <p:nvSpPr>
-          <p:cNvPr id="36" name="Text Placeholder Author Name">
-            <a:extLst>
-              <a:ext uri="{FF2B5EF4-FFF2-40B4-BE49-F238E27FC236}">
-                <a16:creationId xmlns:a16="http://schemas.microsoft.com/office/drawing/2014/main" id="{3B21F47B-DE1F-442D-A2B7-6866F8786704}"/>
-              </a:ext>
-            </a:extLst>
-          </p:cNvPr>
-          <p:cNvSpPr>
-            <a:spLocks noGrp="1"/>
-          </p:cNvSpPr>
-          <p:nvPr>
-            <p:ph type="body" sz="quarter" idx="19" hasCustomPrompt="1"/>
-          </p:nvPr>
-        </p:nvSpPr>
-        <p:spPr bwMode="auto">
-          <a:xfrm>
-            <a:off x="553082" y="4851838"/>
-            <a:ext cx="2980696" cy="454398"/>
+            <a:off x="534045" y="6085863"/>
+            <a:ext cx="4751953" cy="341556"/>
           </a:xfrm>
           <a:prstGeom prst="rect">
             <a:avLst/>
@@ -2875,9 +2777,11 @@
                 <a:spcPct val="0"/>
               </a:spcAft>
               <a:buNone/>
-              <a:defRPr lang="en-US" sz="2798" b="1" kern="1200" dirty="0" smtClean="0">
+              <a:defRPr lang="en-US" sz="1800" b="0" kern="1200" dirty="0" smtClean="0">
                 <a:solidFill>
-                  <a:schemeClr val="tx1"/>
+                  <a:schemeClr val="tx1">
+                    <a:lumMod val="75000"/>
+                  </a:schemeClr>
                 </a:solidFill>
                 <a:effectLst/>
                 <a:latin typeface="+mn-lt"/>
@@ -2890,17 +2794,17 @@
             <a:pPr lvl="0"/>
             <a:r>
               <a:rPr lang="en-US" noProof="0" dirty="0"/>
-              <a:t>Author Name</a:t>
+              <a:t>URL</a:t>
             </a:r>
           </a:p>
         </p:txBody>
       </p:sp>
       <p:sp>
         <p:nvSpPr>
-          <p:cNvPr id="33" name="Picture Placeholder Title Image">
+          <p:cNvPr id="30" name="Author Name">
             <a:extLst>
               <a:ext uri="{FF2B5EF4-FFF2-40B4-BE49-F238E27FC236}">
-                <a16:creationId xmlns:a16="http://schemas.microsoft.com/office/drawing/2014/main" id="{A04D819A-89E2-4714-8C56-1838BF467EF7}"/>
+                <a16:creationId xmlns:a16="http://schemas.microsoft.com/office/drawing/2014/main" id="{2EA92DCA-4DB5-4D03-ACD3-A6A296592D0C}"/>
               </a:ext>
             </a:extLst>
           </p:cNvPr>
@@ -2908,31 +2812,51 @@
             <a:spLocks noGrp="1"/>
           </p:cNvSpPr>
           <p:nvPr>
-            <p:ph type="pic" sz="quarter" idx="10"/>
+            <p:ph type="body" sz="quarter" idx="17" hasCustomPrompt="1"/>
           </p:nvPr>
         </p:nvSpPr>
-        <p:spPr>
+        <p:spPr bwMode="auto">
           <a:xfrm>
-            <a:off x="553082" y="2740913"/>
-            <a:ext cx="4642919" cy="1936503"/>
+            <a:off x="534046" y="5251106"/>
+            <a:ext cx="4751954" cy="724904"/>
           </a:xfrm>
+          <a:prstGeom prst="rect">
+            <a:avLst/>
+          </a:prstGeom>
+          <a:noFill/>
+          <a:effectLst/>
         </p:spPr>
         <p:txBody>
-          <a:bodyPr/>
+          <a:bodyPr wrap="square" lIns="36000" tIns="36000" rIns="36000" bIns="36000" rtlCol="0" anchor="ctr" anchorCtr="0">
+            <a:noAutofit/>
+          </a:bodyPr>
           <a:lstStyle>
-            <a:lvl1pPr marL="0" indent="0" algn="ctr" latinLnBrk="0">
+            <a:lvl1pPr marL="0" indent="0" algn="l" rtl="0" fontAlgn="base" latinLnBrk="0">
+              <a:spcBef>
+                <a:spcPct val="0"/>
+              </a:spcBef>
+              <a:spcAft>
+                <a:spcPct val="0"/>
+              </a:spcAft>
               <a:buNone/>
-              <a:defRPr>
+              <a:defRPr lang="en-US" sz="2000" b="1" kern="1200" dirty="0" smtClean="0">
                 <a:solidFill>
-                  <a:schemeClr val="bg1"/>
+                  <a:schemeClr val="tx1">
+                    <a:lumMod val="75000"/>
+                  </a:schemeClr>
                 </a:solidFill>
+                <a:effectLst/>
+                <a:latin typeface="+mn-lt"/>
+                <a:ea typeface="+mn-ea"/>
+                <a:cs typeface="+mn-cs"/>
               </a:defRPr>
             </a:lvl1pPr>
           </a:lstStyle>
           <a:p>
+            <a:pPr lvl="0"/>
             <a:r>
               <a:rPr lang="en-US" noProof="0" dirty="0"/>
-              <a:t>Click icon to add picture</a:t>
+              <a:t>Authors</a:t>
             </a:r>
           </a:p>
         </p:txBody>
@@ -2955,8 +2879,8 @@
         </p:nvSpPr>
         <p:spPr>
           <a:xfrm>
-            <a:off x="554182" y="1258272"/>
-            <a:ext cx="11083636" cy="1315728"/>
+            <a:off x="554746" y="1402942"/>
+            <a:ext cx="11083636" cy="1306057"/>
           </a:xfrm>
         </p:spPr>
         <p:txBody>
@@ -2966,7 +2890,7 @@
           <a:lstStyle>
             <a:lvl1pPr marL="0" indent="0" algn="ctr" latinLnBrk="0">
               <a:buNone/>
-              <a:defRPr sz="3598">
+              <a:defRPr sz="3600">
                 <a:solidFill>
                   <a:schemeClr val="tx1"/>
                 </a:solidFill>
@@ -2999,15 +2923,17 @@
         </p:nvSpPr>
         <p:spPr>
           <a:xfrm>
-            <a:off x="554182" y="321502"/>
-            <a:ext cx="11083636" cy="882654"/>
+            <a:off x="554746" y="321501"/>
+            <a:ext cx="11083636" cy="971589"/>
           </a:xfrm>
         </p:spPr>
         <p:txBody>
-          <a:bodyPr/>
+          <a:bodyPr>
+            <a:normAutofit/>
+          </a:bodyPr>
           <a:lstStyle>
             <a:lvl1pPr algn="ctr" latinLnBrk="0">
-              <a:defRPr sz="4798"/>
+              <a:defRPr sz="5400"/>
             </a:lvl1pPr>
           </a:lstStyle>
           <a:p>
@@ -3018,10 +2944,94 @@
           </a:p>
         </p:txBody>
       </p:sp>
+      <p:pic>
+        <p:nvPicPr>
+          <p:cNvPr id="4" name="Picture 3">
+            <a:extLst>
+              <a:ext uri="{FF2B5EF4-FFF2-40B4-BE49-F238E27FC236}">
+                <a16:creationId xmlns:a16="http://schemas.microsoft.com/office/drawing/2014/main" id="{324D0DB3-F60A-469B-7831-209CB666CCE4}"/>
+              </a:ext>
+            </a:extLst>
+          </p:cNvPr>
+          <p:cNvPicPr>
+            <a:picLocks noChangeAspect="1"/>
+          </p:cNvPicPr>
+          <p:nvPr userDrawn="1"/>
+        </p:nvPicPr>
+        <p:blipFill>
+          <a:blip r:embed="rId2" cstate="print">
+            <a:extLst>
+              <a:ext uri="{28A0092B-C50C-407E-A947-70E740481C1C}">
+                <a14:useLocalDpi xmlns:a14="http://schemas.microsoft.com/office/drawing/2010/main" val="0"/>
+              </a:ext>
+            </a:extLst>
+          </a:blip>
+          <a:stretch>
+            <a:fillRect/>
+          </a:stretch>
+        </p:blipFill>
+        <p:spPr>
+          <a:xfrm>
+            <a:off x="536549" y="4325954"/>
+            <a:ext cx="2538082" cy="633046"/>
+          </a:xfrm>
+          <a:prstGeom prst="rect">
+            <a:avLst/>
+          </a:prstGeom>
+        </p:spPr>
+      </p:pic>
+      <p:pic>
+        <p:nvPicPr>
+          <p:cNvPr id="5" name="Picture 4" title="CC-BY-NC-SA License">
+            <a:hlinkClick r:id="rId3" tooltip="This work is licensed under the &quot;Creative Commons Attribution-NonCommercial-ShareAlike 4.0 International&quot; license"/>
+            <a:extLst>
+              <a:ext uri="{FF2B5EF4-FFF2-40B4-BE49-F238E27FC236}">
+                <a16:creationId xmlns:a16="http://schemas.microsoft.com/office/drawing/2014/main" id="{2D40731C-0303-A69D-63FD-E048A73CA59F}"/>
+              </a:ext>
+            </a:extLst>
+          </p:cNvPr>
+          <p:cNvPicPr>
+            <a:picLocks noChangeAspect="1" noChangeArrowheads="1"/>
+          </p:cNvPicPr>
+          <p:nvPr userDrawn="1"/>
+        </p:nvPicPr>
+        <p:blipFill>
+          <a:blip r:embed="rId4">
+            <a:extLst>
+              <a:ext uri="{28A0092B-C50C-407E-A947-70E740481C1C}">
+                <a14:useLocalDpi xmlns:a14="http://schemas.microsoft.com/office/drawing/2010/main"/>
+              </a:ext>
+            </a:extLst>
+          </a:blip>
+          <a:srcRect/>
+          <a:stretch>
+            <a:fillRect/>
+          </a:stretch>
+        </p:blipFill>
+        <p:spPr bwMode="auto">
+          <a:xfrm>
+            <a:off x="3402682" y="4321352"/>
+            <a:ext cx="1809336" cy="633045"/>
+          </a:xfrm>
+          <a:prstGeom prst="roundRect">
+            <a:avLst>
+              <a:gd name="adj" fmla="val 3940"/>
+            </a:avLst>
+          </a:prstGeom>
+          <a:solidFill>
+            <a:srgbClr val="231F20">
+              <a:alpha val="50000"/>
+            </a:srgbClr>
+          </a:solidFill>
+          <a:ln>
+            <a:noFill/>
+          </a:ln>
+        </p:spPr>
+      </p:pic>
     </p:spTree>
     <p:extLst>
       <p:ext uri="{BB962C8B-B14F-4D97-AF65-F5344CB8AC3E}">
-        <p14:creationId xmlns:p14="http://schemas.microsoft.com/office/powerpoint/2010/main" val="970179299"/>
+        <p14:creationId xmlns:p14="http://schemas.microsoft.com/office/powerpoint/2010/main" val="370654144"/>
       </p:ext>
     </p:extLst>
   </p:cSld>
@@ -3135,7 +3145,7 @@
               <a:tabLst/>
               <a:defRPr/>
             </a:pPr>
-            <a:endParaRPr kumimoji="0" lang="en-US" altLang="ko-KR" sz="2398" b="0" i="0" u="none" strike="noStrike" kern="1200" cap="none" spc="0" normalizeH="0" baseline="0" noProof="0" dirty="0">
+            <a:endParaRPr kumimoji="0" lang="en-US" altLang="ko-KR" sz="2398" b="0" i="0" u="none" strike="noStrike" kern="1200" cap="none" spc="0" normalizeH="0" baseline="0" noProof="0">
               <a:ln>
                 <a:noFill/>
               </a:ln>
@@ -3258,7 +3268,7 @@
               <a:tabLst/>
               <a:defRPr/>
             </a:pPr>
-            <a:endParaRPr kumimoji="0" lang="en-US" altLang="ko-KR" sz="2398" b="0" i="0" u="none" strike="noStrike" kern="1200" cap="none" spc="0" normalizeH="0" baseline="0" noProof="0" dirty="0">
+            <a:endParaRPr kumimoji="0" lang="en-US" altLang="ko-KR" sz="2398" b="0" i="0" u="none" strike="noStrike" kern="1200" cap="none" spc="0" normalizeH="0" baseline="0" noProof="0">
               <a:ln>
                 <a:noFill/>
               </a:ln>
@@ -3275,42 +3285,6 @@
           </a:p>
         </p:txBody>
       </p:sp>
-      <p:pic>
-        <p:nvPicPr>
-          <p:cNvPr id="12" name="Logo Software University Down" descr="Software University logo">
-            <a:extLst>
-              <a:ext uri="{FF2B5EF4-FFF2-40B4-BE49-F238E27FC236}">
-                <a16:creationId xmlns:a16="http://schemas.microsoft.com/office/drawing/2014/main" id="{7028D2F0-1E67-414B-A93D-D3F8F131A132}"/>
-              </a:ext>
-            </a:extLst>
-          </p:cNvPr>
-          <p:cNvPicPr>
-            <a:picLocks noChangeAspect="1"/>
-          </p:cNvPicPr>
-          <p:nvPr/>
-        </p:nvPicPr>
-        <p:blipFill>
-          <a:blip r:embed="rId2" cstate="print">
-            <a:extLst>
-              <a:ext uri="{28A0092B-C50C-407E-A947-70E740481C1C}">
-                <a14:useLocalDpi xmlns:a14="http://schemas.microsoft.com/office/drawing/2010/main" val="0"/>
-              </a:ext>
-            </a:extLst>
-          </a:blip>
-          <a:stretch>
-            <a:fillRect/>
-          </a:stretch>
-        </p:blipFill>
-        <p:spPr>
-          <a:xfrm>
-            <a:off x="5616551" y="5206773"/>
-            <a:ext cx="958900" cy="1184869"/>
-          </a:xfrm>
-          <a:prstGeom prst="rect">
-            <a:avLst/>
-          </a:prstGeom>
-        </p:spPr>
-      </p:pic>
       <p:sp>
         <p:nvSpPr>
           <p:cNvPr id="10" name="Text Placeholder Right">
@@ -3531,7 +3505,7 @@
               <a:tabLst/>
               <a:defRPr/>
             </a:pPr>
-            <a:endParaRPr kumimoji="0" lang="en-US" altLang="ko-KR" sz="2398" b="0" i="0" u="none" strike="noStrike" kern="1200" cap="none" spc="0" normalizeH="0" baseline="0" noProof="0" dirty="0">
+            <a:endParaRPr kumimoji="0" lang="en-US" altLang="ko-KR" sz="2398" b="0" i="0" u="none" strike="noStrike" kern="1200" cap="none" spc="0" normalizeH="0" baseline="0" noProof="0">
               <a:ln>
                 <a:noFill/>
               </a:ln>
@@ -3548,42 +3522,6 @@
           </a:p>
         </p:txBody>
       </p:sp>
-      <p:pic>
-        <p:nvPicPr>
-          <p:cNvPr id="14" name="Logo Software University" descr="Software University logo">
-            <a:extLst>
-              <a:ext uri="{FF2B5EF4-FFF2-40B4-BE49-F238E27FC236}">
-                <a16:creationId xmlns:a16="http://schemas.microsoft.com/office/drawing/2014/main" id="{19A67BB9-D880-4EAD-B90E-89C4219BFC0B}"/>
-              </a:ext>
-            </a:extLst>
-          </p:cNvPr>
-          <p:cNvPicPr>
-            <a:picLocks noChangeAspect="1"/>
-          </p:cNvPicPr>
-          <p:nvPr userDrawn="1"/>
-        </p:nvPicPr>
-        <p:blipFill>
-          <a:blip r:embed="rId3">
-            <a:extLst>
-              <a:ext uri="{28A0092B-C50C-407E-A947-70E740481C1C}">
-                <a14:useLocalDpi xmlns:a14="http://schemas.microsoft.com/office/drawing/2010/main" val="0"/>
-              </a:ext>
-            </a:extLst>
-          </a:blip>
-          <a:stretch>
-            <a:fillRect/>
-          </a:stretch>
-        </p:blipFill>
-        <p:spPr>
-          <a:xfrm>
-            <a:off x="10067957" y="253936"/>
-            <a:ext cx="1915704" cy="559235"/>
-          </a:xfrm>
-          <a:prstGeom prst="rect">
-            <a:avLst/>
-          </a:prstGeom>
-        </p:spPr>
-      </p:pic>
       <p:sp>
         <p:nvSpPr>
           <p:cNvPr id="15" name="Slide Title">
@@ -3602,8 +3540,8 @@
         </p:nvSpPr>
         <p:spPr>
           <a:xfrm>
-            <a:off x="190406" y="100750"/>
-            <a:ext cx="9715594" cy="882654"/>
+            <a:off x="190405" y="100750"/>
+            <a:ext cx="10270595" cy="882654"/>
           </a:xfrm>
         </p:spPr>
         <p:txBody>
@@ -3625,6 +3563,72 @@
           </a:p>
         </p:txBody>
       </p:sp>
+      <p:pic>
+        <p:nvPicPr>
+          <p:cNvPr id="8" name="Picture 7">
+            <a:extLst>
+              <a:ext uri="{FF2B5EF4-FFF2-40B4-BE49-F238E27FC236}">
+                <a16:creationId xmlns:a16="http://schemas.microsoft.com/office/drawing/2014/main" id="{2C9792D8-D354-4699-B7D6-B8CB7F77594F}"/>
+              </a:ext>
+            </a:extLst>
+          </p:cNvPr>
+          <p:cNvPicPr>
+            <a:picLocks noChangeAspect="1"/>
+          </p:cNvPicPr>
+          <p:nvPr userDrawn="1"/>
+        </p:nvPicPr>
+        <p:blipFill>
+          <a:blip r:embed="rId2"/>
+          <a:stretch>
+            <a:fillRect/>
+          </a:stretch>
+        </p:blipFill>
+        <p:spPr>
+          <a:xfrm>
+            <a:off x="5398753" y="5340443"/>
+            <a:ext cx="1334859" cy="982867"/>
+          </a:xfrm>
+          <a:prstGeom prst="rect">
+            <a:avLst/>
+          </a:prstGeom>
+        </p:spPr>
+      </p:pic>
+      <p:pic>
+        <p:nvPicPr>
+          <p:cNvPr id="3" name="Picture 2">
+            <a:extLst>
+              <a:ext uri="{FF2B5EF4-FFF2-40B4-BE49-F238E27FC236}">
+                <a16:creationId xmlns:a16="http://schemas.microsoft.com/office/drawing/2014/main" id="{B6351E19-25DA-EAD2-9FBE-358B6135D728}"/>
+              </a:ext>
+            </a:extLst>
+          </p:cNvPr>
+          <p:cNvPicPr>
+            <a:picLocks noChangeAspect="1"/>
+          </p:cNvPicPr>
+          <p:nvPr userDrawn="1"/>
+        </p:nvPicPr>
+        <p:blipFill>
+          <a:blip r:embed="rId3" cstate="print">
+            <a:extLst>
+              <a:ext uri="{28A0092B-C50C-407E-A947-70E740481C1C}">
+                <a14:useLocalDpi xmlns:a14="http://schemas.microsoft.com/office/drawing/2010/main" val="0"/>
+              </a:ext>
+            </a:extLst>
+          </a:blip>
+          <a:stretch>
+            <a:fillRect/>
+          </a:stretch>
+        </p:blipFill>
+        <p:spPr>
+          <a:xfrm>
+            <a:off x="10553573" y="368999"/>
+            <a:ext cx="1443361" cy="360001"/>
+          </a:xfrm>
+          <a:prstGeom prst="rect">
+            <a:avLst/>
+          </a:prstGeom>
+        </p:spPr>
+      </p:pic>
     </p:spTree>
     <p:extLst>
       <p:ext uri="{BB962C8B-B14F-4D97-AF65-F5344CB8AC3E}">
@@ -3717,7 +3721,7 @@
               <a:pPr/>
               <a:t>‹#›</a:t>
             </a:fld>
-            <a:endParaRPr lang="en-US" noProof="0" dirty="0"/>
+            <a:endParaRPr lang="en-US" noProof="0"/>
           </a:p>
         </p:txBody>
       </p:sp>
@@ -3871,7 +3875,7 @@
           </a:lstStyle>
           <a:p>
             <a:r>
-              <a:rPr lang="en-US" altLang="ko-KR" noProof="0" dirty="0"/>
+              <a:rPr lang="en-US" altLang="ko-KR" noProof="0"/>
               <a:t>Your Picture Here</a:t>
             </a:r>
           </a:p>
@@ -3935,7 +3939,7 @@
               <a:tabLst/>
               <a:defRPr/>
             </a:pPr>
-            <a:endParaRPr kumimoji="0" lang="en-US" altLang="ko-KR" sz="2398" b="0" i="0" u="none" strike="noStrike" kern="1200" cap="none" spc="0" normalizeH="0" baseline="0" noProof="0" dirty="0">
+            <a:endParaRPr kumimoji="0" lang="en-US" altLang="ko-KR" sz="2398" b="0" i="0" u="none" strike="noStrike" kern="1200" cap="none" spc="0" normalizeH="0" baseline="0" noProof="0">
               <a:ln>
                 <a:noFill/>
               </a:ln>
@@ -4010,7 +4014,7 @@
               <a:tabLst/>
               <a:defRPr/>
             </a:pPr>
-            <a:endParaRPr kumimoji="0" lang="en-US" altLang="ko-KR" sz="2398" b="0" i="0" u="none" strike="noStrike" kern="1200" cap="none" spc="0" normalizeH="0" baseline="0" noProof="0" dirty="0">
+            <a:endParaRPr kumimoji="0" lang="en-US" altLang="ko-KR" sz="2398" b="0" i="0" u="none" strike="noStrike" kern="1200" cap="none" spc="0" normalizeH="0" baseline="0" noProof="0">
               <a:ln>
                 <a:noFill/>
               </a:ln>
@@ -4091,7 +4095,7 @@
               <a:tabLst/>
               <a:defRPr/>
             </a:pPr>
-            <a:endParaRPr kumimoji="0" lang="en-US" altLang="ko-KR" sz="2398" b="0" i="0" u="none" strike="noStrike" kern="1200" cap="none" spc="0" normalizeH="0" baseline="0" noProof="0" dirty="0">
+            <a:endParaRPr kumimoji="0" lang="en-US" altLang="ko-KR" sz="2398" b="0" i="0" u="none" strike="noStrike" kern="1200" cap="none" spc="0" normalizeH="0" baseline="0" noProof="0">
               <a:ln>
                 <a:noFill/>
               </a:ln>
@@ -4172,7 +4176,7 @@
               <a:tabLst/>
               <a:defRPr/>
             </a:pPr>
-            <a:endParaRPr kumimoji="0" lang="en-US" altLang="ko-KR" sz="2398" b="0" i="0" u="none" strike="noStrike" kern="1200" cap="none" spc="0" normalizeH="0" baseline="0" noProof="0" dirty="0">
+            <a:endParaRPr kumimoji="0" lang="en-US" altLang="ko-KR" sz="2398" b="0" i="0" u="none" strike="noStrike" kern="1200" cap="none" spc="0" normalizeH="0" baseline="0" noProof="0">
               <a:ln>
                 <a:noFill/>
               </a:ln>
@@ -4189,42 +4193,6 @@
           </a:p>
         </p:txBody>
       </p:sp>
-      <p:pic>
-        <p:nvPicPr>
-          <p:cNvPr id="12" name="Logo Software University" descr="Software University logo">
-            <a:extLst>
-              <a:ext uri="{FF2B5EF4-FFF2-40B4-BE49-F238E27FC236}">
-                <a16:creationId xmlns:a16="http://schemas.microsoft.com/office/drawing/2014/main" id="{233CBB95-791E-4630-B3D9-FADFCE7BCF52}"/>
-              </a:ext>
-            </a:extLst>
-          </p:cNvPr>
-          <p:cNvPicPr>
-            <a:picLocks noChangeAspect="1"/>
-          </p:cNvPicPr>
-          <p:nvPr userDrawn="1"/>
-        </p:nvPicPr>
-        <p:blipFill>
-          <a:blip r:embed="rId2">
-            <a:extLst>
-              <a:ext uri="{28A0092B-C50C-407E-A947-70E740481C1C}">
-                <a14:useLocalDpi xmlns:a14="http://schemas.microsoft.com/office/drawing/2010/main" val="0"/>
-              </a:ext>
-            </a:extLst>
-          </a:blip>
-          <a:stretch>
-            <a:fillRect/>
-          </a:stretch>
-        </p:blipFill>
-        <p:spPr>
-          <a:xfrm>
-            <a:off x="10067957" y="253936"/>
-            <a:ext cx="1915704" cy="559235"/>
-          </a:xfrm>
-          <a:prstGeom prst="rect">
-            <a:avLst/>
-          </a:prstGeom>
-        </p:spPr>
-      </p:pic>
       <p:sp>
         <p:nvSpPr>
           <p:cNvPr id="13" name="Slide Title">
@@ -4244,7 +4212,7 @@
         <p:spPr>
           <a:xfrm>
             <a:off x="190406" y="100750"/>
-            <a:ext cx="9715594" cy="882654"/>
+            <a:ext cx="10270594" cy="882654"/>
           </a:xfrm>
         </p:spPr>
         <p:txBody>
@@ -4266,6 +4234,42 @@
           </a:p>
         </p:txBody>
       </p:sp>
+      <p:pic>
+        <p:nvPicPr>
+          <p:cNvPr id="4" name="Picture 3">
+            <a:extLst>
+              <a:ext uri="{FF2B5EF4-FFF2-40B4-BE49-F238E27FC236}">
+                <a16:creationId xmlns:a16="http://schemas.microsoft.com/office/drawing/2014/main" id="{42F3DB3E-BDAA-8201-9A01-2F52640A84CA}"/>
+              </a:ext>
+            </a:extLst>
+          </p:cNvPr>
+          <p:cNvPicPr>
+            <a:picLocks noChangeAspect="1"/>
+          </p:cNvPicPr>
+          <p:nvPr userDrawn="1"/>
+        </p:nvPicPr>
+        <p:blipFill>
+          <a:blip r:embed="rId2" cstate="print">
+            <a:extLst>
+              <a:ext uri="{28A0092B-C50C-407E-A947-70E740481C1C}">
+                <a14:useLocalDpi xmlns:a14="http://schemas.microsoft.com/office/drawing/2010/main" val="0"/>
+              </a:ext>
+            </a:extLst>
+          </a:blip>
+          <a:stretch>
+            <a:fillRect/>
+          </a:stretch>
+        </p:blipFill>
+        <p:spPr>
+          <a:xfrm>
+            <a:off x="10553573" y="368999"/>
+            <a:ext cx="1443361" cy="360001"/>
+          </a:xfrm>
+          <a:prstGeom prst="rect">
+            <a:avLst/>
+          </a:prstGeom>
+        </p:spPr>
+      </p:pic>
     </p:spTree>
     <p:extLst>
       <p:ext uri="{BB962C8B-B14F-4D97-AF65-F5344CB8AC3E}">
@@ -4376,7 +4380,7 @@
               <a:tabLst/>
               <a:defRPr/>
             </a:pPr>
-            <a:endParaRPr kumimoji="0" lang="en-US" altLang="ko-KR" sz="2398" b="0" i="0" u="none" strike="noStrike" kern="1200" cap="none" spc="0" normalizeH="0" baseline="0" noProof="0" dirty="0">
+            <a:endParaRPr kumimoji="0" lang="en-US" altLang="ko-KR" sz="2398" b="0" i="0" u="none" strike="noStrike" kern="1200" cap="none" spc="0" normalizeH="0" baseline="0" noProof="0">
               <a:ln>
                 <a:noFill/>
               </a:ln>
@@ -4395,714 +4399,10 @@
       </p:sp>
       <p:sp>
         <p:nvSpPr>
-          <p:cNvPr id="53" name="Rectangle Bottom Copyright">
+          <p:cNvPr id="3" name="Title 2">
             <a:extLst>
               <a:ext uri="{FF2B5EF4-FFF2-40B4-BE49-F238E27FC236}">
-                <a16:creationId xmlns:a16="http://schemas.microsoft.com/office/drawing/2014/main" id="{B07FB7FB-DA6C-4F5D-B068-357F0FCE27D8}"/>
-              </a:ext>
-            </a:extLst>
-          </p:cNvPr>
-          <p:cNvSpPr/>
-          <p:nvPr userDrawn="1"/>
-        </p:nvSpPr>
-        <p:spPr>
-          <a:xfrm>
-            <a:off x="111000" y="6454758"/>
-            <a:ext cx="11970000" cy="258449"/>
-          </a:xfrm>
-          <a:prstGeom prst="rect">
-            <a:avLst/>
-          </a:prstGeom>
-        </p:spPr>
-        <p:txBody>
-          <a:bodyPr wrap="square">
-            <a:noAutofit/>
-          </a:bodyPr>
-          <a:lstStyle/>
-          <a:p>
-            <a:pPr algn="ctr">
-              <a:lnSpc>
-                <a:spcPct val="100000"/>
-              </a:lnSpc>
-              <a:spcBef>
-                <a:spcPts val="0"/>
-              </a:spcBef>
-              <a:spcAft>
-                <a:spcPts val="0"/>
-              </a:spcAft>
-            </a:pPr>
-            <a:r>
-              <a:rPr lang="en-US" sz="1600" noProof="0" dirty="0">
-                <a:solidFill>
-                  <a:schemeClr val="bg2"/>
-                </a:solidFill>
-                <a:effectLst/>
-                <a:latin typeface="Calibri" panose="020F0502020204030204" pitchFamily="34" charset="0"/>
-                <a:ea typeface="Calibri" panose="020F0502020204030204" pitchFamily="34" charset="0"/>
-                <a:cs typeface="Arial" panose="020B0604020202020204" pitchFamily="34" charset="0"/>
-              </a:rPr>
-              <a:t>© SoftUni – </a:t>
-            </a:r>
-            <a:r>
-              <a:rPr lang="en-US" sz="1600" u="sng" noProof="0" dirty="0">
-                <a:solidFill>
-                  <a:schemeClr val="bg2"/>
-                </a:solidFill>
-                <a:effectLst/>
-                <a:latin typeface="Calibri" panose="020F0502020204030204" pitchFamily="34" charset="0"/>
-                <a:ea typeface="Calibri" panose="020F0502020204030204" pitchFamily="34" charset="0"/>
-                <a:cs typeface="Arial" panose="020B0604020202020204" pitchFamily="34" charset="0"/>
-                <a:hlinkClick r:id="rId2">
-                  <a:extLst>
-                    <a:ext uri="{A12FA001-AC4F-418D-AE19-62706E023703}">
-                      <ahyp:hlinkClr xmlns:ahyp="http://schemas.microsoft.com/office/drawing/2018/hyperlinkcolor" val="tx"/>
-                    </a:ext>
-                  </a:extLst>
-                </a:hlinkClick>
-              </a:rPr>
-              <a:t>https://softuni.org</a:t>
-            </a:r>
-            <a:r>
-              <a:rPr lang="en-US" sz="1600" noProof="0" dirty="0">
-                <a:solidFill>
-                  <a:schemeClr val="bg2"/>
-                </a:solidFill>
-                <a:effectLst/>
-                <a:latin typeface="Calibri" panose="020F0502020204030204" pitchFamily="34" charset="0"/>
-                <a:ea typeface="Calibri" panose="020F0502020204030204" pitchFamily="34" charset="0"/>
-                <a:cs typeface="Arial" panose="020B0604020202020204" pitchFamily="34" charset="0"/>
-              </a:rPr>
-              <a:t>. Copyrighted document. Unauthorized copy, reproduction or use is not permitted.</a:t>
-            </a:r>
-            <a:endParaRPr lang="en-US" sz="2400" noProof="0" dirty="0">
-              <a:solidFill>
-                <a:schemeClr val="bg2"/>
-              </a:solidFill>
-              <a:effectLst/>
-              <a:latin typeface="Calibri" panose="020F0502020204030204" pitchFamily="34" charset="0"/>
-              <a:ea typeface="Calibri" panose="020F0502020204030204" pitchFamily="34" charset="0"/>
-              <a:cs typeface="Arial" panose="020B0604020202020204" pitchFamily="34" charset="0"/>
-            </a:endParaRPr>
-          </a:p>
-        </p:txBody>
-      </p:sp>
-      <p:pic>
-        <p:nvPicPr>
-          <p:cNvPr id="26" name="Picture SoftUni Mascot" descr="SoftUni mascot with open hand">
-            <a:extLst>
-              <a:ext uri="{FF2B5EF4-FFF2-40B4-BE49-F238E27FC236}">
-                <a16:creationId xmlns:a16="http://schemas.microsoft.com/office/drawing/2014/main" id="{247CFF3C-C4FA-493D-8505-DF469F4D36A4}"/>
-              </a:ext>
-            </a:extLst>
-          </p:cNvPr>
-          <p:cNvPicPr>
-            <a:picLocks noChangeAspect="1"/>
-          </p:cNvPicPr>
-          <p:nvPr/>
-        </p:nvPicPr>
-        <p:blipFill>
-          <a:blip r:embed="rId3" cstate="print">
-            <a:extLst>
-              <a:ext uri="{28A0092B-C50C-407E-A947-70E740481C1C}">
-                <a14:useLocalDpi xmlns:a14="http://schemas.microsoft.com/office/drawing/2010/main" val="0"/>
-              </a:ext>
-            </a:extLst>
-          </a:blip>
-          <a:stretch>
-            <a:fillRect/>
-          </a:stretch>
-        </p:blipFill>
-        <p:spPr>
-          <a:xfrm>
-            <a:off x="642586" y="2898830"/>
-            <a:ext cx="2451608" cy="2959741"/>
-          </a:xfrm>
-          <a:prstGeom prst="rect">
-            <a:avLst/>
-          </a:prstGeom>
-        </p:spPr>
-      </p:pic>
-      <p:grpSp>
-        <p:nvGrpSpPr>
-          <p:cNvPr id="2" name="Group SoftUni Brands">
-            <a:extLst>
-              <a:ext uri="{FF2B5EF4-FFF2-40B4-BE49-F238E27FC236}">
-                <a16:creationId xmlns:a16="http://schemas.microsoft.com/office/drawing/2014/main" id="{418FAE34-C1F8-46C7-A4AE-F270D1E70F25}"/>
-              </a:ext>
-            </a:extLst>
-          </p:cNvPr>
-          <p:cNvGrpSpPr/>
-          <p:nvPr userDrawn="1"/>
-        </p:nvGrpSpPr>
-        <p:grpSpPr>
-          <a:xfrm>
-            <a:off x="3332216" y="1702473"/>
-            <a:ext cx="8314909" cy="3543782"/>
-            <a:chOff x="3332216" y="1702473"/>
-            <a:chExt cx="8314909" cy="3543782"/>
-          </a:xfrm>
-        </p:grpSpPr>
-        <p:pic>
-          <p:nvPicPr>
-            <p:cNvPr id="24" name="Picture SoftUni Kids Logo" descr="SoftUni Kids logo">
-              <a:extLst>
-                <a:ext uri="{FF2B5EF4-FFF2-40B4-BE49-F238E27FC236}">
-                  <a16:creationId xmlns:a16="http://schemas.microsoft.com/office/drawing/2014/main" id="{B0812936-74B6-4265-8C08-AEDC8C798702}"/>
-                </a:ext>
-              </a:extLst>
-            </p:cNvPr>
-            <p:cNvPicPr>
-              <a:picLocks noChangeAspect="1"/>
-            </p:cNvPicPr>
-            <p:nvPr/>
-          </p:nvPicPr>
-          <p:blipFill>
-            <a:blip r:embed="rId4" cstate="print">
-              <a:extLst>
-                <a:ext uri="{28A0092B-C50C-407E-A947-70E740481C1C}">
-                  <a14:useLocalDpi xmlns:a14="http://schemas.microsoft.com/office/drawing/2010/main" val="0"/>
-                </a:ext>
-              </a:extLst>
-            </a:blip>
-            <a:stretch>
-              <a:fillRect/>
-            </a:stretch>
-          </p:blipFill>
-          <p:spPr>
-            <a:xfrm>
-              <a:off x="10516883" y="3776294"/>
-              <a:ext cx="1130242" cy="1389256"/>
-            </a:xfrm>
-            <a:prstGeom prst="rect">
-              <a:avLst/>
-            </a:prstGeom>
-          </p:spPr>
-        </p:pic>
-        <p:pic>
-          <p:nvPicPr>
-            <p:cNvPr id="23" name="Picture SoftUni Foundation Logo" descr="SoftUni Foundation logo">
-              <a:extLst>
-                <a:ext uri="{FF2B5EF4-FFF2-40B4-BE49-F238E27FC236}">
-                  <a16:creationId xmlns:a16="http://schemas.microsoft.com/office/drawing/2014/main" id="{6643F71A-2013-433A-8322-FBAAED3162D8}"/>
-                </a:ext>
-              </a:extLst>
-            </p:cNvPr>
-            <p:cNvPicPr>
-              <a:picLocks noChangeAspect="1"/>
-            </p:cNvPicPr>
-            <p:nvPr userDrawn="1"/>
-          </p:nvPicPr>
-          <p:blipFill>
-            <a:blip r:embed="rId5" cstate="print">
-              <a:extLst>
-                <a:ext uri="{28A0092B-C50C-407E-A947-70E740481C1C}">
-                  <a14:useLocalDpi xmlns:a14="http://schemas.microsoft.com/office/drawing/2010/main" val="0"/>
-                </a:ext>
-              </a:extLst>
-            </a:blip>
-            <a:stretch>
-              <a:fillRect/>
-            </a:stretch>
-          </p:blipFill>
-          <p:spPr>
-            <a:xfrm>
-              <a:off x="9053913" y="3788231"/>
-              <a:ext cx="1166400" cy="1350756"/>
-            </a:xfrm>
-            <a:prstGeom prst="rect">
-              <a:avLst/>
-            </a:prstGeom>
-          </p:spPr>
-        </p:pic>
-        <p:pic>
-          <p:nvPicPr>
-            <p:cNvPr id="22" name="Picture SoftUni Digital Logo" descr="SoftUni Digital logo">
-              <a:extLst>
-                <a:ext uri="{FF2B5EF4-FFF2-40B4-BE49-F238E27FC236}">
-                  <a16:creationId xmlns:a16="http://schemas.microsoft.com/office/drawing/2014/main" id="{0A83D66F-855B-463B-920B-BF239B01A206}"/>
-                </a:ext>
-              </a:extLst>
-            </p:cNvPr>
-            <p:cNvPicPr>
-              <a:picLocks noChangeAspect="1"/>
-            </p:cNvPicPr>
-            <p:nvPr userDrawn="1"/>
-          </p:nvPicPr>
-          <p:blipFill>
-            <a:blip r:embed="rId6" cstate="print">
-              <a:extLst>
-                <a:ext uri="{28A0092B-C50C-407E-A947-70E740481C1C}">
-                  <a14:useLocalDpi xmlns:a14="http://schemas.microsoft.com/office/drawing/2010/main" val="0"/>
-                </a:ext>
-              </a:extLst>
-            </a:blip>
-            <a:stretch>
-              <a:fillRect/>
-            </a:stretch>
-          </p:blipFill>
-          <p:spPr>
-            <a:xfrm>
-              <a:off x="7657695" y="3789000"/>
-              <a:ext cx="1084614" cy="1457255"/>
-            </a:xfrm>
-            <a:prstGeom prst="rect">
-              <a:avLst/>
-            </a:prstGeom>
-          </p:spPr>
-        </p:pic>
-        <p:pic>
-          <p:nvPicPr>
-            <p:cNvPr id="21" name="Picture SoftUni Creative Logo" descr="SoftUni Creative logo">
-              <a:extLst>
-                <a:ext uri="{FF2B5EF4-FFF2-40B4-BE49-F238E27FC236}">
-                  <a16:creationId xmlns:a16="http://schemas.microsoft.com/office/drawing/2014/main" id="{EA755AAE-BA08-481C-9224-0061170EE4B8}"/>
-                </a:ext>
-              </a:extLst>
-            </p:cNvPr>
-            <p:cNvPicPr>
-              <a:picLocks noChangeAspect="1"/>
-            </p:cNvPicPr>
-            <p:nvPr/>
-          </p:nvPicPr>
-          <p:blipFill>
-            <a:blip r:embed="rId7" cstate="print">
-              <a:extLst>
-                <a:ext uri="{28A0092B-C50C-407E-A947-70E740481C1C}">
-                  <a14:useLocalDpi xmlns:a14="http://schemas.microsoft.com/office/drawing/2010/main" val="0"/>
-                </a:ext>
-              </a:extLst>
-            </a:blip>
-            <a:stretch>
-              <a:fillRect/>
-            </a:stretch>
-          </p:blipFill>
-          <p:spPr>
-            <a:xfrm>
-              <a:off x="6173913" y="3776293"/>
-              <a:ext cx="1166400" cy="1389257"/>
-            </a:xfrm>
-            <a:prstGeom prst="rect">
-              <a:avLst/>
-            </a:prstGeom>
-          </p:spPr>
-        </p:pic>
-        <p:pic>
-          <p:nvPicPr>
-            <p:cNvPr id="20" name="Picture SoftUni Svetlina Logo" descr="SoftUni Svetlina logo">
-              <a:extLst>
-                <a:ext uri="{FF2B5EF4-FFF2-40B4-BE49-F238E27FC236}">
-                  <a16:creationId xmlns:a16="http://schemas.microsoft.com/office/drawing/2014/main" id="{827D15FD-4C66-4B85-98E6-7826AA8F61C6}"/>
-                </a:ext>
-              </a:extLst>
-            </p:cNvPr>
-            <p:cNvPicPr>
-              <a:picLocks noChangeAspect="1"/>
-            </p:cNvPicPr>
-            <p:nvPr/>
-          </p:nvPicPr>
-          <p:blipFill>
-            <a:blip r:embed="rId8">
-              <a:extLst>
-                <a:ext uri="{28A0092B-C50C-407E-A947-70E740481C1C}">
-                  <a14:useLocalDpi xmlns:a14="http://schemas.microsoft.com/office/drawing/2010/main" val="0"/>
-                </a:ext>
-              </a:extLst>
-            </a:blip>
-            <a:stretch>
-              <a:fillRect/>
-            </a:stretch>
-          </p:blipFill>
-          <p:spPr>
-            <a:xfrm>
-              <a:off x="4735029" y="3776293"/>
-              <a:ext cx="1166400" cy="1402229"/>
-            </a:xfrm>
-            <a:prstGeom prst="rect">
-              <a:avLst/>
-            </a:prstGeom>
-          </p:spPr>
-        </p:pic>
-        <p:pic>
-          <p:nvPicPr>
-            <p:cNvPr id="25" name="Picture Software University Logo" descr="Software University logo">
-              <a:extLst>
-                <a:ext uri="{FF2B5EF4-FFF2-40B4-BE49-F238E27FC236}">
-                  <a16:creationId xmlns:a16="http://schemas.microsoft.com/office/drawing/2014/main" id="{C74C190C-5856-41B9-8819-AE8DE0E10980}"/>
-                </a:ext>
-              </a:extLst>
-            </p:cNvPr>
-            <p:cNvPicPr>
-              <a:picLocks noChangeAspect="1"/>
-            </p:cNvPicPr>
-            <p:nvPr/>
-          </p:nvPicPr>
-          <p:blipFill>
-            <a:blip r:embed="rId9" cstate="print">
-              <a:extLst>
-                <a:ext uri="{28A0092B-C50C-407E-A947-70E740481C1C}">
-                  <a14:useLocalDpi xmlns:a14="http://schemas.microsoft.com/office/drawing/2010/main" val="0"/>
-                </a:ext>
-              </a:extLst>
-            </a:blip>
-            <a:stretch>
-              <a:fillRect/>
-            </a:stretch>
-          </p:blipFill>
-          <p:spPr>
-            <a:xfrm>
-              <a:off x="3332216" y="3776295"/>
-              <a:ext cx="1164654" cy="1440000"/>
-            </a:xfrm>
-            <a:prstGeom prst="rect">
-              <a:avLst/>
-            </a:prstGeom>
-          </p:spPr>
-        </p:pic>
-        <p:cxnSp>
-          <p:nvCxnSpPr>
-            <p:cNvPr id="33" name="Straight Connector 6">
-              <a:extLst>
-                <a:ext uri="{FF2B5EF4-FFF2-40B4-BE49-F238E27FC236}">
-                  <a16:creationId xmlns:a16="http://schemas.microsoft.com/office/drawing/2014/main" id="{5C63D1E8-4A92-4691-8A24-A2FC7E8008E5}"/>
-                </a:ext>
-              </a:extLst>
-            </p:cNvPr>
-            <p:cNvCxnSpPr>
-              <a:cxnSpLocks/>
-            </p:cNvCxnSpPr>
-            <p:nvPr userDrawn="1"/>
-          </p:nvCxnSpPr>
-          <p:spPr>
-            <a:xfrm>
-              <a:off x="11077113" y="3335565"/>
-              <a:ext cx="0" cy="236220"/>
-            </a:xfrm>
-            <a:prstGeom prst="line">
-              <a:avLst/>
-            </a:prstGeom>
-            <a:ln w="25400"/>
-          </p:spPr>
-          <p:style>
-            <a:lnRef idx="1">
-              <a:schemeClr val="accent1"/>
-            </a:lnRef>
-            <a:fillRef idx="0">
-              <a:schemeClr val="accent1"/>
-            </a:fillRef>
-            <a:effectRef idx="0">
-              <a:schemeClr val="accent1"/>
-            </a:effectRef>
-            <a:fontRef idx="minor">
-              <a:schemeClr val="tx1"/>
-            </a:fontRef>
-          </p:style>
-        </p:cxnSp>
-        <p:cxnSp>
-          <p:nvCxnSpPr>
-            <p:cNvPr id="32" name="Straight Connector 5">
-              <a:extLst>
-                <a:ext uri="{FF2B5EF4-FFF2-40B4-BE49-F238E27FC236}">
-                  <a16:creationId xmlns:a16="http://schemas.microsoft.com/office/drawing/2014/main" id="{6E91D320-3732-40B8-864D-142D0A277ED1}"/>
-                </a:ext>
-              </a:extLst>
-            </p:cNvPr>
-            <p:cNvCxnSpPr>
-              <a:cxnSpLocks/>
-            </p:cNvCxnSpPr>
-            <p:nvPr userDrawn="1"/>
-          </p:nvCxnSpPr>
-          <p:spPr>
-            <a:xfrm>
-              <a:off x="9637113" y="3329215"/>
-              <a:ext cx="0" cy="236220"/>
-            </a:xfrm>
-            <a:prstGeom prst="line">
-              <a:avLst/>
-            </a:prstGeom>
-            <a:ln w="25400"/>
-          </p:spPr>
-          <p:style>
-            <a:lnRef idx="1">
-              <a:schemeClr val="accent1"/>
-            </a:lnRef>
-            <a:fillRef idx="0">
-              <a:schemeClr val="accent1"/>
-            </a:fillRef>
-            <a:effectRef idx="0">
-              <a:schemeClr val="accent1"/>
-            </a:effectRef>
-            <a:fontRef idx="minor">
-              <a:schemeClr val="tx1"/>
-            </a:fontRef>
-          </p:style>
-        </p:cxnSp>
-        <p:cxnSp>
-          <p:nvCxnSpPr>
-            <p:cNvPr id="31" name="Straight Connector 4">
-              <a:extLst>
-                <a:ext uri="{FF2B5EF4-FFF2-40B4-BE49-F238E27FC236}">
-                  <a16:creationId xmlns:a16="http://schemas.microsoft.com/office/drawing/2014/main" id="{299ABE09-E33C-46B7-A80D-7BF4A6956211}"/>
-                </a:ext>
-              </a:extLst>
-            </p:cNvPr>
-            <p:cNvCxnSpPr/>
-            <p:nvPr userDrawn="1"/>
-          </p:nvCxnSpPr>
-          <p:spPr>
-            <a:xfrm>
-              <a:off x="8197113" y="3329215"/>
-              <a:ext cx="0" cy="236220"/>
-            </a:xfrm>
-            <a:prstGeom prst="line">
-              <a:avLst/>
-            </a:prstGeom>
-            <a:ln w="25400"/>
-          </p:spPr>
-          <p:style>
-            <a:lnRef idx="1">
-              <a:schemeClr val="accent1"/>
-            </a:lnRef>
-            <a:fillRef idx="0">
-              <a:schemeClr val="accent1"/>
-            </a:fillRef>
-            <a:effectRef idx="0">
-              <a:schemeClr val="accent1"/>
-            </a:effectRef>
-            <a:fontRef idx="minor">
-              <a:schemeClr val="tx1"/>
-            </a:fontRef>
-          </p:style>
-        </p:cxnSp>
-        <p:cxnSp>
-          <p:nvCxnSpPr>
-            <p:cNvPr id="30" name="Straight Connector 3">
-              <a:extLst>
-                <a:ext uri="{FF2B5EF4-FFF2-40B4-BE49-F238E27FC236}">
-                  <a16:creationId xmlns:a16="http://schemas.microsoft.com/office/drawing/2014/main" id="{93DDBF37-0764-47AA-94E3-9A44F3ED8FB5}"/>
-                </a:ext>
-              </a:extLst>
-            </p:cNvPr>
-            <p:cNvCxnSpPr/>
-            <p:nvPr userDrawn="1"/>
-          </p:nvCxnSpPr>
-          <p:spPr>
-            <a:xfrm>
-              <a:off x="6757113" y="3329215"/>
-              <a:ext cx="0" cy="236220"/>
-            </a:xfrm>
-            <a:prstGeom prst="line">
-              <a:avLst/>
-            </a:prstGeom>
-            <a:ln w="25400"/>
-          </p:spPr>
-          <p:style>
-            <a:lnRef idx="1">
-              <a:schemeClr val="accent1"/>
-            </a:lnRef>
-            <a:fillRef idx="0">
-              <a:schemeClr val="accent1"/>
-            </a:fillRef>
-            <a:effectRef idx="0">
-              <a:schemeClr val="accent1"/>
-            </a:effectRef>
-            <a:fontRef idx="minor">
-              <a:schemeClr val="tx1"/>
-            </a:fontRef>
-          </p:style>
-        </p:cxnSp>
-        <p:cxnSp>
-          <p:nvCxnSpPr>
-            <p:cNvPr id="29" name="Straight Connector 2">
-              <a:extLst>
-                <a:ext uri="{FF2B5EF4-FFF2-40B4-BE49-F238E27FC236}">
-                  <a16:creationId xmlns:a16="http://schemas.microsoft.com/office/drawing/2014/main" id="{72BFE2F3-0845-4E5B-9375-E9D4027DD675}"/>
-                </a:ext>
-              </a:extLst>
-            </p:cNvPr>
-            <p:cNvCxnSpPr/>
-            <p:nvPr userDrawn="1"/>
-          </p:nvCxnSpPr>
-          <p:spPr>
-            <a:xfrm>
-              <a:off x="5309913" y="3335565"/>
-              <a:ext cx="0" cy="236220"/>
-            </a:xfrm>
-            <a:prstGeom prst="line">
-              <a:avLst/>
-            </a:prstGeom>
-            <a:ln w="25400"/>
-          </p:spPr>
-          <p:style>
-            <a:lnRef idx="1">
-              <a:schemeClr val="accent1"/>
-            </a:lnRef>
-            <a:fillRef idx="0">
-              <a:schemeClr val="accent1"/>
-            </a:fillRef>
-            <a:effectRef idx="0">
-              <a:schemeClr val="accent1"/>
-            </a:effectRef>
-            <a:fontRef idx="minor">
-              <a:schemeClr val="tx1"/>
-            </a:fontRef>
-          </p:style>
-        </p:cxnSp>
-        <p:cxnSp>
-          <p:nvCxnSpPr>
-            <p:cNvPr id="28" name="Straight Connector 1">
-              <a:extLst>
-                <a:ext uri="{FF2B5EF4-FFF2-40B4-BE49-F238E27FC236}">
-                  <a16:creationId xmlns:a16="http://schemas.microsoft.com/office/drawing/2014/main" id="{D4E5982E-3110-47E1-A5BB-91B7BECC3093}"/>
-                </a:ext>
-              </a:extLst>
-            </p:cNvPr>
-            <p:cNvCxnSpPr/>
-            <p:nvPr userDrawn="1"/>
-          </p:nvCxnSpPr>
-          <p:spPr>
-            <a:xfrm>
-              <a:off x="3915327" y="3335565"/>
-              <a:ext cx="0" cy="236220"/>
-            </a:xfrm>
-            <a:prstGeom prst="line">
-              <a:avLst/>
-            </a:prstGeom>
-            <a:ln w="25400"/>
-          </p:spPr>
-          <p:style>
-            <a:lnRef idx="1">
-              <a:schemeClr val="accent1"/>
-            </a:lnRef>
-            <a:fillRef idx="0">
-              <a:schemeClr val="accent1"/>
-            </a:fillRef>
-            <a:effectRef idx="0">
-              <a:schemeClr val="accent1"/>
-            </a:effectRef>
-            <a:fontRef idx="minor">
-              <a:schemeClr val="tx1"/>
-            </a:fontRef>
-          </p:style>
-        </p:cxnSp>
-        <p:cxnSp>
-          <p:nvCxnSpPr>
-            <p:cNvPr id="27" name="Straight Connector Horizontal">
-              <a:extLst>
-                <a:ext uri="{FF2B5EF4-FFF2-40B4-BE49-F238E27FC236}">
-                  <a16:creationId xmlns:a16="http://schemas.microsoft.com/office/drawing/2014/main" id="{5F62FB7C-BD6E-4383-98C1-2CF30F34CAFD}"/>
-                </a:ext>
-              </a:extLst>
-            </p:cNvPr>
-            <p:cNvCxnSpPr>
-              <a:cxnSpLocks/>
-            </p:cNvCxnSpPr>
-            <p:nvPr userDrawn="1"/>
-          </p:nvCxnSpPr>
-          <p:spPr>
-            <a:xfrm>
-              <a:off x="3915327" y="3335565"/>
-              <a:ext cx="7161786" cy="0"/>
-            </a:xfrm>
-            <a:prstGeom prst="line">
-              <a:avLst/>
-            </a:prstGeom>
-            <a:ln w="25400"/>
-          </p:spPr>
-          <p:style>
-            <a:lnRef idx="1">
-              <a:schemeClr val="accent1"/>
-            </a:lnRef>
-            <a:fillRef idx="0">
-              <a:schemeClr val="accent1"/>
-            </a:fillRef>
-            <a:effectRef idx="0">
-              <a:schemeClr val="accent1"/>
-            </a:effectRef>
-            <a:fontRef idx="minor">
-              <a:schemeClr val="tx1"/>
-            </a:fontRef>
-          </p:style>
-        </p:cxnSp>
-        <p:cxnSp>
-          <p:nvCxnSpPr>
-            <p:cNvPr id="34" name="Straight Connector 0">
-              <a:extLst>
-                <a:ext uri="{FF2B5EF4-FFF2-40B4-BE49-F238E27FC236}">
-                  <a16:creationId xmlns:a16="http://schemas.microsoft.com/office/drawing/2014/main" id="{C84A0FE1-723D-4682-8682-77BAD950EE15}"/>
-                </a:ext>
-              </a:extLst>
-            </p:cNvPr>
-            <p:cNvCxnSpPr/>
-            <p:nvPr userDrawn="1"/>
-          </p:nvCxnSpPr>
-          <p:spPr>
-            <a:xfrm>
-              <a:off x="7496220" y="3092995"/>
-              <a:ext cx="0" cy="236220"/>
-            </a:xfrm>
-            <a:prstGeom prst="line">
-              <a:avLst/>
-            </a:prstGeom>
-            <a:ln w="25400"/>
-          </p:spPr>
-          <p:style>
-            <a:lnRef idx="1">
-              <a:schemeClr val="accent1"/>
-            </a:lnRef>
-            <a:fillRef idx="0">
-              <a:schemeClr val="accent1"/>
-            </a:fillRef>
-            <a:effectRef idx="0">
-              <a:schemeClr val="accent1"/>
-            </a:effectRef>
-            <a:fontRef idx="minor">
-              <a:schemeClr val="tx1"/>
-            </a:fontRef>
-          </p:style>
-        </p:cxnSp>
-        <p:pic>
-          <p:nvPicPr>
-            <p:cNvPr id="18" name="Picture SoftUni Logo" descr="SoftUni logo">
-              <a:extLst>
-                <a:ext uri="{FF2B5EF4-FFF2-40B4-BE49-F238E27FC236}">
-                  <a16:creationId xmlns:a16="http://schemas.microsoft.com/office/drawing/2014/main" id="{A0675455-B7FA-4569-A5FD-A3B0F20B2A26}"/>
-                </a:ext>
-              </a:extLst>
-            </p:cNvPr>
-            <p:cNvPicPr>
-              <a:picLocks noChangeAspect="1"/>
-            </p:cNvPicPr>
-            <p:nvPr/>
-          </p:nvPicPr>
-          <p:blipFill>
-            <a:blip r:embed="rId10" cstate="print">
-              <a:extLst>
-                <a:ext uri="{28A0092B-C50C-407E-A947-70E740481C1C}">
-                  <a14:useLocalDpi xmlns:a14="http://schemas.microsoft.com/office/drawing/2010/main" val="0"/>
-                </a:ext>
-              </a:extLst>
-            </a:blip>
-            <a:stretch>
-              <a:fillRect/>
-            </a:stretch>
-          </p:blipFill>
-          <p:spPr>
-            <a:xfrm>
-              <a:off x="6896770" y="1702473"/>
-              <a:ext cx="1198901" cy="1198901"/>
-            </a:xfrm>
-            <a:prstGeom prst="rect">
-              <a:avLst/>
-            </a:prstGeom>
-          </p:spPr>
-        </p:pic>
-      </p:grpSp>
-      <p:sp>
-        <p:nvSpPr>
-          <p:cNvPr id="19" name="Slide Title">
-            <a:extLst>
-              <a:ext uri="{FF2B5EF4-FFF2-40B4-BE49-F238E27FC236}">
-                <a16:creationId xmlns:a16="http://schemas.microsoft.com/office/drawing/2014/main" id="{7CFDBB16-985C-4CC7-B6DB-B81B36037922}"/>
+                <a16:creationId xmlns:a16="http://schemas.microsoft.com/office/drawing/2014/main" id="{3107753B-8639-4399-B782-EE5377184D2E}"/>
               </a:ext>
             </a:extLst>
           </p:cNvPr>
@@ -5110,142 +4410,33 @@
             <a:spLocks noGrp="1"/>
           </p:cNvSpPr>
           <p:nvPr>
-            <p:ph type="title"/>
+            <p:ph type="title" hasCustomPrompt="1"/>
           </p:nvPr>
         </p:nvSpPr>
         <p:spPr>
           <a:xfrm>
-            <a:off x="809628" y="703244"/>
-            <a:ext cx="5916372" cy="1033303"/>
+            <a:off x="726988" y="1461842"/>
+            <a:ext cx="10731663" cy="3047158"/>
           </a:xfrm>
-          <a:prstGeom prst="rect">
-            <a:avLst/>
-          </a:prstGeom>
         </p:spPr>
         <p:txBody>
-          <a:bodyPr wrap="none" lIns="0" tIns="0" rIns="0" bIns="0" anchor="ctr" anchorCtr="0">
-            <a:noAutofit/>
-            <a:scene3d>
-              <a:camera prst="orthographicFront"/>
-              <a:lightRig rig="soft" dir="t">
-                <a:rot lat="0" lon="0" rev="10800000"/>
-              </a:lightRig>
-            </a:scene3d>
-            <a:sp3d>
-              <a:bevelT w="27940" h="12700"/>
-              <a:contourClr>
-                <a:srgbClr val="DDDDDD"/>
-              </a:contourClr>
-            </a:sp3d>
+          <a:bodyPr>
+            <a:normAutofit/>
           </a:bodyPr>
-          <a:lstStyle/>
-          <a:p>
-            <a:pPr marL="0" marR="0" lvl="0" indent="0" algn="l" defTabSz="913852" rtl="0" eaLnBrk="0" fontAlgn="auto" latinLnBrk="0" hangingPunct="0">
-              <a:lnSpc>
-                <a:spcPct val="100000"/>
-              </a:lnSpc>
-              <a:spcBef>
-                <a:spcPts val="0"/>
-              </a:spcBef>
-              <a:spcAft>
-                <a:spcPts val="0"/>
-              </a:spcAft>
-              <a:buClr>
-                <a:srgbClr val="67748E">
-                  <a:lumMod val="40000"/>
-                  <a:lumOff val="60000"/>
-                </a:srgbClr>
-              </a:buClr>
-              <a:buSzPct val="70000"/>
-              <a:buFont typeface="Wingdings 2" pitchFamily="18" charset="2"/>
-              <a:buNone/>
-              <a:tabLst/>
-              <a:defRPr/>
-            </a:pPr>
-            <a:r>
-              <a:rPr kumimoji="0" lang="en-US" sz="8797" b="1" i="0" u="none" strike="noStrike" kern="1200" cap="none" spc="0" normalizeH="0" baseline="0" noProof="0" dirty="0">
-                <a:ln>
-                  <a:noFill/>
-                </a:ln>
-                <a:solidFill>
-                  <a:srgbClr val="234465"/>
-                </a:solidFill>
-                <a:effectLst/>
-                <a:uLnTx/>
-                <a:uFillTx/>
-                <a:latin typeface="Calibri" panose="020F0502020204030204"/>
-                <a:ea typeface="+mn-ea"/>
-                <a:cs typeface="+mn-cs"/>
-              </a:rPr>
-              <a:t>Questions?</a:t>
-            </a:r>
-            <a:endParaRPr kumimoji="0" lang="en-US" sz="8797" b="1" i="0" u="none" strike="noStrike" kern="1200" cap="none" spc="150" normalizeH="0" baseline="0" noProof="0" dirty="0">
-              <a:ln w="11430"/>
-              <a:solidFill>
-                <a:srgbClr val="234465"/>
-              </a:solidFill>
-              <a:effectLst>
-                <a:outerShdw blurRad="25400" algn="tl" rotWithShape="0">
-                  <a:srgbClr val="000000">
-                    <a:alpha val="43000"/>
-                  </a:srgbClr>
-                </a:outerShdw>
-              </a:effectLst>
-              <a:uLnTx/>
-              <a:uFillTx/>
-              <a:latin typeface="Calibri" panose="020F0502020204030204"/>
-              <a:ea typeface="+mn-ea"/>
-              <a:cs typeface="+mn-cs"/>
-            </a:endParaRPr>
+          <a:lstStyle>
+            <a:lvl1pPr algn="ctr">
+              <a:defRPr sz="13800"/>
+            </a:lvl1pPr>
+          </a:lstStyle>
+          <a:p>
+            <a:r>
+              <a:rPr lang="bg-BG" dirty="0"/>
+              <a:t>Въпроси?</a:t>
+            </a:r>
+            <a:endParaRPr lang="en-US" dirty="0"/>
           </a:p>
         </p:txBody>
       </p:sp>
-      <p:pic>
-        <p:nvPicPr>
-          <p:cNvPr id="36" name="Logo Software University" descr="Software University logo">
-            <a:extLst>
-              <a:ext uri="{FF2B5EF4-FFF2-40B4-BE49-F238E27FC236}">
-                <a16:creationId xmlns:a16="http://schemas.microsoft.com/office/drawing/2014/main" id="{67FC4D2E-913D-432A-B658-F0D82839FA5E}"/>
-              </a:ext>
-            </a:extLst>
-          </p:cNvPr>
-          <p:cNvPicPr>
-            <a:picLocks noChangeAspect="1"/>
-          </p:cNvPicPr>
-          <p:nvPr userDrawn="1"/>
-        </p:nvPicPr>
-        <p:blipFill>
-          <a:blip r:embed="rId11">
-            <a:clrChange>
-              <a:clrFrom>
-                <a:srgbClr val="FFFFFF"/>
-              </a:clrFrom>
-              <a:clrTo>
-                <a:srgbClr val="FFFFFF">
-                  <a:alpha val="0"/>
-                </a:srgbClr>
-              </a:clrTo>
-            </a:clrChange>
-            <a:extLst>
-              <a:ext uri="{28A0092B-C50C-407E-A947-70E740481C1C}">
-                <a14:useLocalDpi xmlns:a14="http://schemas.microsoft.com/office/drawing/2010/main" val="0"/>
-              </a:ext>
-            </a:extLst>
-          </a:blip>
-          <a:stretch>
-            <a:fillRect/>
-          </a:stretch>
-        </p:blipFill>
-        <p:spPr>
-          <a:xfrm>
-            <a:off x="10008761" y="190267"/>
-            <a:ext cx="2013336" cy="690975"/>
-          </a:xfrm>
-          <a:prstGeom prst="rect">
-            <a:avLst/>
-          </a:prstGeom>
-        </p:spPr>
-      </p:pic>
     </p:spTree>
     <p:extLst>
       <p:ext uri="{BB962C8B-B14F-4D97-AF65-F5344CB8AC3E}">
@@ -5283,528 +4474,6 @@
 </p:sldLayout>
 </file>
 
-<file path=ppt/slideLayouts/slideLayout13.xml><?xml version="1.0" encoding="utf-8"?>
-<p:sldLayout xmlns:a="http://schemas.openxmlformats.org/drawingml/2006/main" xmlns:r="http://schemas.openxmlformats.org/officeDocument/2006/relationships" xmlns:p="http://schemas.openxmlformats.org/presentationml/2006/main" preserve="1" userDrawn="1">
-  <p:cSld name="About Slide">
-    <p:spTree>
-      <p:nvGrpSpPr>
-        <p:cNvPr id="1" name=""/>
-        <p:cNvGrpSpPr/>
-        <p:nvPr/>
-      </p:nvGrpSpPr>
-      <p:grpSpPr>
-        <a:xfrm>
-          <a:off x="0" y="0"/>
-          <a:ext cx="0" cy="0"/>
-          <a:chOff x="0" y="0"/>
-          <a:chExt cx="0" cy="0"/>
-        </a:xfrm>
-      </p:grpSpPr>
-      <p:sp>
-        <p:nvSpPr>
-          <p:cNvPr id="13" name="Slide Number">
-            <a:extLst>
-              <a:ext uri="{FF2B5EF4-FFF2-40B4-BE49-F238E27FC236}">
-                <a16:creationId xmlns:a16="http://schemas.microsoft.com/office/drawing/2014/main" id="{5B8761D8-B42F-4A70-A0CE-682CEB2AE31B}"/>
-              </a:ext>
-            </a:extLst>
-          </p:cNvPr>
-          <p:cNvSpPr>
-            <a:spLocks noGrp="1"/>
-          </p:cNvSpPr>
-          <p:nvPr>
-            <p:ph type="sldNum" sz="quarter" idx="4"/>
-          </p:nvPr>
-        </p:nvSpPr>
-        <p:spPr>
-          <a:xfrm>
-            <a:off x="11753030" y="6507000"/>
-            <a:ext cx="367414" cy="297000"/>
-          </a:xfrm>
-          <a:prstGeom prst="rect">
-            <a:avLst/>
-          </a:prstGeom>
-        </p:spPr>
-        <p:txBody>
-          <a:bodyPr vert="horz" lIns="91440" tIns="45720" rIns="91440" bIns="45720" rtlCol="0" anchor="b"/>
-          <a:lstStyle>
-            <a:lvl1pPr algn="r">
-              <a:defRPr sz="1000"/>
-            </a:lvl1pPr>
-          </a:lstStyle>
-          <a:p>
-            <a:fld id="{2BF067CD-8E6B-4360-9AA8-C5DF2A48A6D1}" type="slidenum">
-              <a:rPr lang="en-US" noProof="0" smtClean="0"/>
-              <a:pPr/>
-              <a:t>‹#›</a:t>
-            </a:fld>
-            <a:endParaRPr lang="en-US" noProof="0" dirty="0"/>
-          </a:p>
-        </p:txBody>
-      </p:sp>
-      <p:pic>
-        <p:nvPicPr>
-          <p:cNvPr id="19" name="Picture Forum" descr="Forum icon">
-            <a:hlinkClick r:id="rId2" tooltip="Software University Discussion Forum"/>
-            <a:extLst>
-              <a:ext uri="{FF2B5EF4-FFF2-40B4-BE49-F238E27FC236}">
-                <a16:creationId xmlns:a16="http://schemas.microsoft.com/office/drawing/2014/main" id="{98C579AD-FAF5-4B28-9B52-5457F1E90061}"/>
-              </a:ext>
-            </a:extLst>
-          </p:cNvPr>
-          <p:cNvPicPr>
-            <a:picLocks noChangeAspect="1"/>
-          </p:cNvPicPr>
-          <p:nvPr userDrawn="1"/>
-        </p:nvPicPr>
-        <p:blipFill>
-          <a:blip r:embed="rId3" cstate="print">
-            <a:extLst>
-              <a:ext uri="{28A0092B-C50C-407E-A947-70E740481C1C}">
-                <a14:useLocalDpi xmlns:a14="http://schemas.microsoft.com/office/drawing/2010/main"/>
-              </a:ext>
-            </a:extLst>
-          </a:blip>
-          <a:stretch>
-            <a:fillRect/>
-          </a:stretch>
-        </p:blipFill>
-        <p:spPr>
-          <a:xfrm>
-            <a:off x="10524350" y="5249556"/>
-            <a:ext cx="970156" cy="965726"/>
-          </a:xfrm>
-          <a:prstGeom prst="rect">
-            <a:avLst/>
-          </a:prstGeom>
-        </p:spPr>
-      </p:pic>
-      <p:pic>
-        <p:nvPicPr>
-          <p:cNvPr id="17" name="Picture Logo FB" descr="Facebook logo">
-            <a:hlinkClick r:id="rId4" tooltip="Software University @ Facebook"/>
-            <a:extLst>
-              <a:ext uri="{FF2B5EF4-FFF2-40B4-BE49-F238E27FC236}">
-                <a16:creationId xmlns:a16="http://schemas.microsoft.com/office/drawing/2014/main" id="{6B2C510E-5EF2-49F6-B926-2BD74CD3C7F8}"/>
-              </a:ext>
-            </a:extLst>
-          </p:cNvPr>
-          <p:cNvPicPr>
-            <a:picLocks noChangeAspect="1" noChangeArrowheads="1"/>
-          </p:cNvPicPr>
-          <p:nvPr userDrawn="1"/>
-        </p:nvPicPr>
-        <p:blipFill rotWithShape="1">
-          <a:blip r:embed="rId5" cstate="print">
-            <a:extLst>
-              <a:ext uri="{28A0092B-C50C-407E-A947-70E740481C1C}">
-                <a14:useLocalDpi xmlns:a14="http://schemas.microsoft.com/office/drawing/2010/main"/>
-              </a:ext>
-            </a:extLst>
-          </a:blip>
-          <a:srcRect/>
-          <a:stretch/>
-        </p:blipFill>
-        <p:spPr bwMode="auto">
-          <a:xfrm>
-            <a:off x="10507451" y="3689937"/>
-            <a:ext cx="1003954" cy="1017562"/>
-          </a:xfrm>
-          <a:prstGeom prst="rect">
-            <a:avLst/>
-          </a:prstGeom>
-          <a:noFill/>
-          <a:extLst>
-            <a:ext uri="{909E8E84-426E-40DD-AFC4-6F175D3DCCD1}">
-              <a14:hiddenFill xmlns:a14="http://schemas.microsoft.com/office/drawing/2010/main">
-                <a:solidFill>
-                  <a:srgbClr val="FFFFFF"/>
-                </a:solidFill>
-              </a14:hiddenFill>
-            </a:ext>
-          </a:extLst>
-        </p:spPr>
-      </p:pic>
-      <p:pic>
-        <p:nvPicPr>
-          <p:cNvPr id="20" name="Picture Logo SoftUni Right" descr="Software University logo">
-            <a:hlinkClick r:id="rId6"/>
-            <a:extLst>
-              <a:ext uri="{FF2B5EF4-FFF2-40B4-BE49-F238E27FC236}">
-                <a16:creationId xmlns:a16="http://schemas.microsoft.com/office/drawing/2014/main" id="{F4604840-E810-44B7-9FF1-3B28CD68B758}"/>
-              </a:ext>
-            </a:extLst>
-          </p:cNvPr>
-          <p:cNvPicPr>
-            <a:picLocks noChangeAspect="1"/>
-          </p:cNvPicPr>
-          <p:nvPr userDrawn="1"/>
-        </p:nvPicPr>
-        <p:blipFill>
-          <a:blip r:embed="rId7">
-            <a:extLst>
-              <a:ext uri="{28A0092B-C50C-407E-A947-70E740481C1C}">
-                <a14:useLocalDpi xmlns:a14="http://schemas.microsoft.com/office/drawing/2010/main" val="0"/>
-              </a:ext>
-            </a:extLst>
-          </a:blip>
-          <a:stretch>
-            <a:fillRect/>
-          </a:stretch>
-        </p:blipFill>
-        <p:spPr>
-          <a:xfrm>
-            <a:off x="10413401" y="1674000"/>
-            <a:ext cx="1192055" cy="1473880"/>
-          </a:xfrm>
-          <a:prstGeom prst="rect">
-            <a:avLst/>
-          </a:prstGeom>
-        </p:spPr>
-      </p:pic>
-      <p:pic>
-        <p:nvPicPr>
-          <p:cNvPr id="16" name="Picture SoftUni Mascot" descr="SoftUni mascot">
-            <a:hlinkClick r:id="rId8"/>
-            <a:extLst>
-              <a:ext uri="{FF2B5EF4-FFF2-40B4-BE49-F238E27FC236}">
-                <a16:creationId xmlns:a16="http://schemas.microsoft.com/office/drawing/2014/main" id="{07C965FA-A87E-4824-AFA8-C67AF548A76A}"/>
-              </a:ext>
-            </a:extLst>
-          </p:cNvPr>
-          <p:cNvPicPr>
-            <a:picLocks noChangeAspect="1"/>
-          </p:cNvPicPr>
-          <p:nvPr/>
-        </p:nvPicPr>
-        <p:blipFill>
-          <a:blip r:embed="rId9">
-            <a:extLst>
-              <a:ext uri="{28A0092B-C50C-407E-A947-70E740481C1C}">
-                <a14:useLocalDpi xmlns:a14="http://schemas.microsoft.com/office/drawing/2010/main" val="0"/>
-              </a:ext>
-            </a:extLst>
-          </a:blip>
-          <a:srcRect/>
-          <a:stretch/>
-        </p:blipFill>
-        <p:spPr>
-          <a:xfrm>
-            <a:off x="7181957" y="2584289"/>
-            <a:ext cx="2732955" cy="3630993"/>
-          </a:xfrm>
-          <a:prstGeom prst="rect">
-            <a:avLst/>
-          </a:prstGeom>
-        </p:spPr>
-      </p:pic>
-      <p:sp>
-        <p:nvSpPr>
-          <p:cNvPr id="12" name="Slide Body Text">
-            <a:extLst>
-              <a:ext uri="{FF2B5EF4-FFF2-40B4-BE49-F238E27FC236}">
-                <a16:creationId xmlns:a16="http://schemas.microsoft.com/office/drawing/2014/main" id="{0C1F9416-8B6E-46DE-973C-777785E27A26}"/>
-              </a:ext>
-            </a:extLst>
-          </p:cNvPr>
-          <p:cNvSpPr>
-            <a:spLocks noGrp="1"/>
-          </p:cNvSpPr>
-          <p:nvPr>
-            <p:ph idx="4294967295" hasCustomPrompt="1"/>
-          </p:nvPr>
-        </p:nvSpPr>
-        <p:spPr>
-          <a:xfrm>
-            <a:off x="152410" y="1186307"/>
-            <a:ext cx="8688590" cy="5496127"/>
-          </a:xfrm>
-        </p:spPr>
-        <p:txBody>
-          <a:bodyPr wrap="square">
-            <a:noAutofit/>
-          </a:bodyPr>
-          <a:lstStyle>
-            <a:lvl1pPr latinLnBrk="0">
-              <a:buClr>
-                <a:schemeClr val="tx1"/>
-              </a:buClr>
-              <a:defRPr sz="2798"/>
-            </a:lvl1pPr>
-            <a:lvl2pPr marL="989981" marR="0" indent="-380762" algn="l" defTabSz="1218438" rtl="0" eaLnBrk="1" fontAlgn="auto" latinLnBrk="1" hangingPunct="1">
-              <a:lnSpc>
-                <a:spcPct val="100000"/>
-              </a:lnSpc>
-              <a:spcBef>
-                <a:spcPts val="600"/>
-              </a:spcBef>
-              <a:spcAft>
-                <a:spcPts val="600"/>
-              </a:spcAft>
-              <a:buClrTx/>
-              <a:buSzTx/>
-              <a:buFont typeface="Wingdings" panose="05000000000000000000" pitchFamily="2" charset="2"/>
-              <a:buChar char="§"/>
-              <a:tabLst>
-                <a:tab pos="282405" algn="l"/>
-              </a:tabLst>
-              <a:defRPr sz="2800"/>
-            </a:lvl2pPr>
-            <a:lvl3pPr>
-              <a:buClr>
-                <a:schemeClr val="tx1"/>
-              </a:buClr>
-              <a:defRPr/>
-            </a:lvl3pPr>
-          </a:lstStyle>
-          <a:p>
-            <a:r>
-              <a:rPr lang="en-US" sz="3000" noProof="0" dirty="0"/>
-              <a:t>Software University – High-Quality Education, Profession and Job for Software Developers</a:t>
-            </a:r>
-          </a:p>
-          <a:p>
-            <a:pPr lvl="1"/>
-            <a:r>
-              <a:rPr lang="en-US" noProof="1">
-                <a:hlinkClick r:id="rId8"/>
-              </a:rPr>
-              <a:t>softuni.bg</a:t>
-            </a:r>
-            <a:r>
-              <a:rPr lang="en-US" noProof="1"/>
-              <a:t> </a:t>
-            </a:r>
-          </a:p>
-          <a:p>
-            <a:r>
-              <a:rPr lang="en-US" sz="3000" noProof="0" dirty="0"/>
-              <a:t>Software University Foundation</a:t>
-            </a:r>
-          </a:p>
-          <a:p>
-            <a:pPr lvl="1"/>
-            <a:r>
-              <a:rPr lang="en-US" noProof="1">
-                <a:hlinkClick r:id="rId10"/>
-              </a:rPr>
-              <a:t>softuni.foundation</a:t>
-            </a:r>
-            <a:endParaRPr lang="en-US" noProof="1"/>
-          </a:p>
-          <a:p>
-            <a:r>
-              <a:rPr lang="en-US" sz="3000" noProof="0" dirty="0"/>
-              <a:t>Software University @ Facebook</a:t>
-            </a:r>
-          </a:p>
-          <a:p>
-            <a:pPr lvl="1"/>
-            <a:r>
-              <a:rPr lang="en-US" noProof="1">
-                <a:hlinkClick r:id="rId4"/>
-              </a:rPr>
-              <a:t>facebook.com/SoftwareUniversity</a:t>
-            </a:r>
-            <a:endParaRPr lang="en-US" noProof="1"/>
-          </a:p>
-          <a:p>
-            <a:r>
-              <a:rPr lang="en-US" sz="3000" noProof="0" dirty="0"/>
-              <a:t>Software University Forums</a:t>
-            </a:r>
-          </a:p>
-          <a:p>
-            <a:pPr lvl="1"/>
-            <a:r>
-              <a:rPr lang="en-US" noProof="1">
-                <a:hlinkClick r:id="rId2"/>
-              </a:rPr>
-              <a:t>forum.softuni.bg</a:t>
-            </a:r>
-            <a:endParaRPr lang="en-US" noProof="1"/>
-          </a:p>
-        </p:txBody>
-      </p:sp>
-      <p:sp>
-        <p:nvSpPr>
-          <p:cNvPr id="10" name="Rectangle Top">
-            <a:extLst>
-              <a:ext uri="{FF2B5EF4-FFF2-40B4-BE49-F238E27FC236}">
-                <a16:creationId xmlns:a16="http://schemas.microsoft.com/office/drawing/2014/main" id="{86646B95-5E3B-4DE8-9118-031C2C296D8C}"/>
-              </a:ext>
-            </a:extLst>
-          </p:cNvPr>
-          <p:cNvSpPr/>
-          <p:nvPr userDrawn="1"/>
-        </p:nvSpPr>
-        <p:spPr>
-          <a:xfrm>
-            <a:off x="0" y="0"/>
-            <a:ext cx="12195176" cy="1095376"/>
-          </a:xfrm>
-          <a:prstGeom prst="rect">
-            <a:avLst/>
-          </a:prstGeom>
-          <a:solidFill>
-            <a:schemeClr val="tx2"/>
-          </a:solidFill>
-          <a:ln>
-            <a:noFill/>
-          </a:ln>
-        </p:spPr>
-        <p:style>
-          <a:lnRef idx="2">
-            <a:schemeClr val="accent1">
-              <a:shade val="50000"/>
-            </a:schemeClr>
-          </a:lnRef>
-          <a:fillRef idx="1">
-            <a:schemeClr val="accent1"/>
-          </a:fillRef>
-          <a:effectRef idx="0">
-            <a:schemeClr val="accent1"/>
-          </a:effectRef>
-          <a:fontRef idx="minor">
-            <a:schemeClr val="lt1"/>
-          </a:fontRef>
-        </p:style>
-        <p:txBody>
-          <a:bodyPr rtlCol="0" anchor="ctr"/>
-          <a:lstStyle/>
-          <a:p>
-            <a:pPr marL="0" marR="0" lvl="0" indent="0" algn="ctr" defTabSz="913852" rtl="0" eaLnBrk="1" fontAlgn="auto" latinLnBrk="0" hangingPunct="1">
-              <a:lnSpc>
-                <a:spcPct val="100000"/>
-              </a:lnSpc>
-              <a:spcBef>
-                <a:spcPts val="0"/>
-              </a:spcBef>
-              <a:spcAft>
-                <a:spcPts val="0"/>
-              </a:spcAft>
-              <a:buClrTx/>
-              <a:buSzTx/>
-              <a:buFontTx/>
-              <a:buNone/>
-              <a:tabLst/>
-              <a:defRPr/>
-            </a:pPr>
-            <a:endParaRPr kumimoji="0" lang="en-US" altLang="ko-KR" sz="2398" b="0" i="0" u="none" strike="noStrike" kern="1200" cap="none" spc="0" normalizeH="0" baseline="0" noProof="0" dirty="0">
-              <a:ln>
-                <a:noFill/>
-              </a:ln>
-              <a:solidFill>
-                <a:srgbClr val="F7C86D"/>
-              </a:solidFill>
-              <a:effectLst/>
-              <a:uLnTx/>
-              <a:uFillTx/>
-              <a:latin typeface="Calibri" panose="020F0502020204030204"/>
-              <a:ea typeface="맑은 고딕" panose="020B0503020000020004" pitchFamily="34" charset="-127"/>
-              <a:cs typeface="+mn-cs"/>
-            </a:endParaRPr>
-          </a:p>
-        </p:txBody>
-      </p:sp>
-      <p:pic>
-        <p:nvPicPr>
-          <p:cNvPr id="11" name="Logo Software University" descr="Software University logo">
-            <a:extLst>
-              <a:ext uri="{FF2B5EF4-FFF2-40B4-BE49-F238E27FC236}">
-                <a16:creationId xmlns:a16="http://schemas.microsoft.com/office/drawing/2014/main" id="{58AB1944-B146-4E89-B2D9-426EB610F319}"/>
-              </a:ext>
-            </a:extLst>
-          </p:cNvPr>
-          <p:cNvPicPr>
-            <a:picLocks noChangeAspect="1"/>
-          </p:cNvPicPr>
-          <p:nvPr userDrawn="1"/>
-        </p:nvPicPr>
-        <p:blipFill>
-          <a:blip r:embed="rId11">
-            <a:extLst>
-              <a:ext uri="{28A0092B-C50C-407E-A947-70E740481C1C}">
-                <a14:useLocalDpi xmlns:a14="http://schemas.microsoft.com/office/drawing/2010/main" val="0"/>
-              </a:ext>
-            </a:extLst>
-          </a:blip>
-          <a:stretch>
-            <a:fillRect/>
-          </a:stretch>
-        </p:blipFill>
-        <p:spPr>
-          <a:xfrm>
-            <a:off x="10067957" y="253936"/>
-            <a:ext cx="1915704" cy="559235"/>
-          </a:xfrm>
-          <a:prstGeom prst="rect">
-            <a:avLst/>
-          </a:prstGeom>
-        </p:spPr>
-      </p:pic>
-      <p:sp>
-        <p:nvSpPr>
-          <p:cNvPr id="18" name="Slide Title">
-            <a:extLst>
-              <a:ext uri="{FF2B5EF4-FFF2-40B4-BE49-F238E27FC236}">
-                <a16:creationId xmlns:a16="http://schemas.microsoft.com/office/drawing/2014/main" id="{AE87ED9C-76E1-4D85-9B06-3AF44AABB668}"/>
-              </a:ext>
-            </a:extLst>
-          </p:cNvPr>
-          <p:cNvSpPr>
-            <a:spLocks noGrp="1"/>
-          </p:cNvSpPr>
-          <p:nvPr>
-            <p:ph type="title" hasCustomPrompt="1"/>
-          </p:nvPr>
-        </p:nvSpPr>
-        <p:spPr>
-          <a:xfrm>
-            <a:off x="172286" y="108873"/>
-            <a:ext cx="9742626" cy="882654"/>
-          </a:xfrm>
-        </p:spPr>
-        <p:txBody>
-          <a:bodyPr/>
-          <a:lstStyle>
-            <a:lvl1pPr latinLnBrk="0">
-              <a:defRPr>
-                <a:solidFill>
-                  <a:schemeClr val="bg2"/>
-                </a:solidFill>
-              </a:defRPr>
-            </a:lvl1pPr>
-          </a:lstStyle>
-          <a:p>
-            <a:r>
-              <a:rPr lang="en-US" noProof="0" dirty="0"/>
-              <a:t>Trainings @ Software University (SoftUni)</a:t>
-            </a:r>
-          </a:p>
-        </p:txBody>
-      </p:sp>
-    </p:spTree>
-    <p:extLst>
-      <p:ext uri="{BB962C8B-B14F-4D97-AF65-F5344CB8AC3E}">
-        <p14:creationId xmlns:p14="http://schemas.microsoft.com/office/powerpoint/2010/main" val="2196466322"/>
-      </p:ext>
-    </p:extLst>
-  </p:cSld>
-  <p:clrMapOvr>
-    <a:masterClrMapping/>
-  </p:clrMapOvr>
-  <mc:AlternateContent xmlns:mc="http://schemas.openxmlformats.org/markup-compatibility/2006" xmlns:p14="http://schemas.microsoft.com/office/powerpoint/2010/main">
-    <mc:Choice Requires="p14">
-      <p:transition spd="slow" p14:dur="2000" advClick="0" advTm="5000"/>
-    </mc:Choice>
-    <mc:Fallback xmlns="">
-      <p:transition spd="slow" advClick="0" advTm="5000"/>
-    </mc:Fallback>
-  </mc:AlternateContent>
-</p:sldLayout>
-</file>
-
 <file path=ppt/slideLayouts/slideLayout2.xml><?xml version="1.0" encoding="utf-8"?>
 <p:sldLayout xmlns:a="http://schemas.openxmlformats.org/drawingml/2006/main" xmlns:r="http://schemas.openxmlformats.org/officeDocument/2006/relationships" xmlns:p="http://schemas.openxmlformats.org/presentationml/2006/main" preserve="1">
   <p:cSld name="Section Title Slide">
@@ -5882,7 +4551,7 @@
               <a:tabLst/>
               <a:defRPr/>
             </a:pPr>
-            <a:endParaRPr kumimoji="0" lang="en-US" altLang="ko-KR" sz="2398" b="0" i="0" u="none" strike="noStrike" kern="1200" cap="none" spc="0" normalizeH="0" baseline="0" noProof="0" dirty="0">
+            <a:endParaRPr kumimoji="0" lang="en-US" altLang="ko-KR" sz="2398" b="0" i="0" u="none" strike="noStrike" kern="1200" cap="none" spc="0" normalizeH="0" baseline="0" noProof="0">
               <a:ln>
                 <a:noFill/>
               </a:ln>
@@ -6210,7 +4879,7 @@
               <a:tabLst/>
               <a:defRPr/>
             </a:pPr>
-            <a:endParaRPr kumimoji="0" lang="en-US" altLang="ko-KR" sz="2398" b="0" i="0" u="none" strike="noStrike" kern="1200" cap="none" spc="0" normalizeH="0" baseline="0" noProof="0" dirty="0">
+            <a:endParaRPr kumimoji="0" lang="en-US" altLang="ko-KR" sz="2398" b="0" i="0" u="none" strike="noStrike" kern="1200" cap="none" spc="0" normalizeH="0" baseline="0" noProof="0">
               <a:ln>
                 <a:noFill/>
               </a:ln>
@@ -6227,42 +4896,6 @@
           </a:p>
         </p:txBody>
       </p:sp>
-      <p:pic>
-        <p:nvPicPr>
-          <p:cNvPr id="12" name="Logo Software University" descr="Software University logo">
-            <a:extLst>
-              <a:ext uri="{FF2B5EF4-FFF2-40B4-BE49-F238E27FC236}">
-                <a16:creationId xmlns:a16="http://schemas.microsoft.com/office/drawing/2014/main" id="{B1D3B425-B9BF-43ED-9DEC-C05002FBA22F}"/>
-              </a:ext>
-            </a:extLst>
-          </p:cNvPr>
-          <p:cNvPicPr>
-            <a:picLocks noChangeAspect="1"/>
-          </p:cNvPicPr>
-          <p:nvPr userDrawn="1"/>
-        </p:nvPicPr>
-        <p:blipFill>
-          <a:blip r:embed="rId2">
-            <a:extLst>
-              <a:ext uri="{28A0092B-C50C-407E-A947-70E740481C1C}">
-                <a14:useLocalDpi xmlns:a14="http://schemas.microsoft.com/office/drawing/2010/main" val="0"/>
-              </a:ext>
-            </a:extLst>
-          </a:blip>
-          <a:stretch>
-            <a:fillRect/>
-          </a:stretch>
-        </p:blipFill>
-        <p:spPr>
-          <a:xfrm>
-            <a:off x="10067957" y="253936"/>
-            <a:ext cx="1915704" cy="559235"/>
-          </a:xfrm>
-          <a:prstGeom prst="rect">
-            <a:avLst/>
-          </a:prstGeom>
-        </p:spPr>
-      </p:pic>
       <p:sp>
         <p:nvSpPr>
           <p:cNvPr id="6" name="Slide Title">
@@ -6282,7 +4915,7 @@
         <p:spPr>
           <a:xfrm>
             <a:off x="190406" y="100750"/>
-            <a:ext cx="9715594" cy="882654"/>
+            <a:ext cx="10270594" cy="882654"/>
           </a:xfrm>
         </p:spPr>
         <p:txBody>
@@ -6304,6 +4937,42 @@
           </a:p>
         </p:txBody>
       </p:sp>
+      <p:pic>
+        <p:nvPicPr>
+          <p:cNvPr id="4" name="Picture 3">
+            <a:extLst>
+              <a:ext uri="{FF2B5EF4-FFF2-40B4-BE49-F238E27FC236}">
+                <a16:creationId xmlns:a16="http://schemas.microsoft.com/office/drawing/2014/main" id="{4B9A1D0F-F579-6A3C-C698-4E2E7F1AB265}"/>
+              </a:ext>
+            </a:extLst>
+          </p:cNvPr>
+          <p:cNvPicPr>
+            <a:picLocks noChangeAspect="1"/>
+          </p:cNvPicPr>
+          <p:nvPr userDrawn="1"/>
+        </p:nvPicPr>
+        <p:blipFill>
+          <a:blip r:embed="rId2" cstate="print">
+            <a:extLst>
+              <a:ext uri="{28A0092B-C50C-407E-A947-70E740481C1C}">
+                <a14:useLocalDpi xmlns:a14="http://schemas.microsoft.com/office/drawing/2010/main" val="0"/>
+              </a:ext>
+            </a:extLst>
+          </a:blip>
+          <a:stretch>
+            <a:fillRect/>
+          </a:stretch>
+        </p:blipFill>
+        <p:spPr>
+          <a:xfrm>
+            <a:off x="10553573" y="368999"/>
+            <a:ext cx="1443361" cy="360001"/>
+          </a:xfrm>
+          <a:prstGeom prst="rect">
+            <a:avLst/>
+          </a:prstGeom>
+        </p:spPr>
+      </p:pic>
     </p:spTree>
     <p:extLst>
       <p:ext uri="{BB962C8B-B14F-4D97-AF65-F5344CB8AC3E}">
@@ -6326,371 +4995,6 @@
 </file>
 
 <file path=ppt/slideLayouts/slideLayout4.xml><?xml version="1.0" encoding="utf-8"?>
-<p:sldLayout xmlns:a="http://schemas.openxmlformats.org/drawingml/2006/main" xmlns:r="http://schemas.openxmlformats.org/officeDocument/2006/relationships" xmlns:p="http://schemas.openxmlformats.org/presentationml/2006/main" preserve="1" userDrawn="1">
-  <p:cSld name="Table of Contents">
-    <p:spTree>
-      <p:nvGrpSpPr>
-        <p:cNvPr id="1" name=""/>
-        <p:cNvGrpSpPr/>
-        <p:nvPr/>
-      </p:nvGrpSpPr>
-      <p:grpSpPr>
-        <a:xfrm>
-          <a:off x="0" y="0"/>
-          <a:ext cx="0" cy="0"/>
-          <a:chOff x="0" y="0"/>
-          <a:chExt cx="0" cy="0"/>
-        </a:xfrm>
-      </p:grpSpPr>
-      <p:sp>
-        <p:nvSpPr>
-          <p:cNvPr id="10" name="Slide Number">
-            <a:extLst>
-              <a:ext uri="{FF2B5EF4-FFF2-40B4-BE49-F238E27FC236}">
-                <a16:creationId xmlns:a16="http://schemas.microsoft.com/office/drawing/2014/main" id="{39DDE17E-5472-41F3-AF5F-54DFF10DC63C}"/>
-              </a:ext>
-            </a:extLst>
-          </p:cNvPr>
-          <p:cNvSpPr>
-            <a:spLocks noGrp="1"/>
-          </p:cNvSpPr>
-          <p:nvPr>
-            <p:ph type="sldNum" sz="quarter" idx="4"/>
-          </p:nvPr>
-        </p:nvSpPr>
-        <p:spPr>
-          <a:xfrm>
-            <a:off x="11753030" y="6507000"/>
-            <a:ext cx="367414" cy="297000"/>
-          </a:xfrm>
-          <a:prstGeom prst="rect">
-            <a:avLst/>
-          </a:prstGeom>
-        </p:spPr>
-        <p:txBody>
-          <a:bodyPr vert="horz" lIns="91440" tIns="45720" rIns="91440" bIns="45720" rtlCol="0" anchor="b"/>
-          <a:lstStyle>
-            <a:lvl1pPr algn="r">
-              <a:defRPr sz="1000"/>
-            </a:lvl1pPr>
-          </a:lstStyle>
-          <a:p>
-            <a:fld id="{2BF067CD-8E6B-4360-9AA8-C5DF2A48A6D1}" type="slidenum">
-              <a:rPr lang="en-US" noProof="0" smtClean="0"/>
-              <a:pPr/>
-              <a:t>‹#›</a:t>
-            </a:fld>
-            <a:endParaRPr lang="en-US" noProof="0" dirty="0"/>
-          </a:p>
-        </p:txBody>
-      </p:sp>
-      <p:pic>
-        <p:nvPicPr>
-          <p:cNvPr id="9" name="Picture SoftUni Mascot" descr="SoftUni mascot with laptop">
-            <a:extLst>
-              <a:ext uri="{FF2B5EF4-FFF2-40B4-BE49-F238E27FC236}">
-                <a16:creationId xmlns:a16="http://schemas.microsoft.com/office/drawing/2014/main" id="{DC4365F6-D2C1-47B4-8477-38FD2C7711AA}"/>
-              </a:ext>
-            </a:extLst>
-          </p:cNvPr>
-          <p:cNvPicPr>
-            <a:picLocks noChangeAspect="1"/>
-          </p:cNvPicPr>
-          <p:nvPr/>
-        </p:nvPicPr>
-        <p:blipFill>
-          <a:blip r:embed="rId2" cstate="print">
-            <a:extLst>
-              <a:ext uri="{28A0092B-C50C-407E-A947-70E740481C1C}">
-                <a14:useLocalDpi xmlns:a14="http://schemas.microsoft.com/office/drawing/2010/main" val="0"/>
-              </a:ext>
-            </a:extLst>
-          </a:blip>
-          <a:stretch>
-            <a:fillRect/>
-          </a:stretch>
-        </p:blipFill>
-        <p:spPr>
-          <a:xfrm flipH="1">
-            <a:off x="9516000" y="3408496"/>
-            <a:ext cx="2251057" cy="3044431"/>
-          </a:xfrm>
-          <a:prstGeom prst="rect">
-            <a:avLst/>
-          </a:prstGeom>
-        </p:spPr>
-      </p:pic>
-      <p:sp>
-        <p:nvSpPr>
-          <p:cNvPr id="23" name="Slide Body Text">
-            <a:extLst>
-              <a:ext uri="{FF2B5EF4-FFF2-40B4-BE49-F238E27FC236}">
-                <a16:creationId xmlns:a16="http://schemas.microsoft.com/office/drawing/2014/main" id="{889D93F4-ABFA-46BF-8E5D-FE6562ACB20F}"/>
-              </a:ext>
-            </a:extLst>
-          </p:cNvPr>
-          <p:cNvSpPr>
-            <a:spLocks noGrp="1"/>
-          </p:cNvSpPr>
-          <p:nvPr>
-            <p:ph type="body" sz="quarter" idx="13" hasCustomPrompt="1"/>
-          </p:nvPr>
-        </p:nvSpPr>
-        <p:spPr>
-          <a:xfrm>
-            <a:off x="196766" y="1371604"/>
-            <a:ext cx="9049234" cy="5207396"/>
-          </a:xfrm>
-        </p:spPr>
-        <p:txBody>
-          <a:bodyPr>
-            <a:normAutofit/>
-          </a:bodyPr>
-          <a:lstStyle>
-            <a:lvl1pPr marL="514042" indent="-514042" latinLnBrk="0">
-              <a:buFont typeface="+mj-lt"/>
-              <a:buAutoNum type="arabicPeriod"/>
-              <a:defRPr sz="3600">
-                <a:solidFill>
-                  <a:schemeClr val="tx1"/>
-                </a:solidFill>
-              </a:defRPr>
-            </a:lvl1pPr>
-            <a:lvl2pPr>
-              <a:defRPr sz="3400"/>
-            </a:lvl2pPr>
-          </a:lstStyle>
-          <a:p>
-            <a:pPr lvl="0"/>
-            <a:r>
-              <a:rPr lang="en-US" noProof="0"/>
-              <a:t>…</a:t>
-            </a:r>
-          </a:p>
-          <a:p>
-            <a:pPr lvl="1"/>
-            <a:r>
-              <a:rPr lang="en-US" noProof="0"/>
-              <a:t>…</a:t>
-            </a:r>
-          </a:p>
-          <a:p>
-            <a:pPr lvl="1"/>
-            <a:r>
-              <a:rPr lang="en-US" noProof="0"/>
-              <a:t>…</a:t>
-            </a:r>
-          </a:p>
-          <a:p>
-            <a:pPr lvl="0"/>
-            <a:r>
-              <a:rPr lang="en-US" noProof="0"/>
-              <a:t>…</a:t>
-            </a:r>
-          </a:p>
-          <a:p>
-            <a:pPr lvl="1"/>
-            <a:r>
-              <a:rPr lang="en-US" noProof="0"/>
-              <a:t>…</a:t>
-            </a:r>
-          </a:p>
-          <a:p>
-            <a:pPr lvl="1"/>
-            <a:r>
-              <a:rPr lang="en-US" noProof="0"/>
-              <a:t>…</a:t>
-            </a:r>
-          </a:p>
-          <a:p>
-            <a:pPr lvl="0"/>
-            <a:r>
-              <a:rPr lang="en-US" noProof="0"/>
-              <a:t>…</a:t>
-            </a:r>
-          </a:p>
-        </p:txBody>
-      </p:sp>
-      <p:sp>
-        <p:nvSpPr>
-          <p:cNvPr id="8" name="Rectangle Top">
-            <a:extLst>
-              <a:ext uri="{FF2B5EF4-FFF2-40B4-BE49-F238E27FC236}">
-                <a16:creationId xmlns:a16="http://schemas.microsoft.com/office/drawing/2014/main" id="{930E0800-9260-4369-8330-8264DD33C5CE}"/>
-              </a:ext>
-            </a:extLst>
-          </p:cNvPr>
-          <p:cNvSpPr/>
-          <p:nvPr userDrawn="1"/>
-        </p:nvSpPr>
-        <p:spPr>
-          <a:xfrm>
-            <a:off x="0" y="0"/>
-            <a:ext cx="12196800" cy="1095376"/>
-          </a:xfrm>
-          <a:prstGeom prst="rect">
-            <a:avLst/>
-          </a:prstGeom>
-          <a:solidFill>
-            <a:schemeClr val="tx2"/>
-          </a:solidFill>
-          <a:ln>
-            <a:noFill/>
-          </a:ln>
-        </p:spPr>
-        <p:style>
-          <a:lnRef idx="2">
-            <a:schemeClr val="accent1">
-              <a:shade val="50000"/>
-            </a:schemeClr>
-          </a:lnRef>
-          <a:fillRef idx="1">
-            <a:schemeClr val="accent1"/>
-          </a:fillRef>
-          <a:effectRef idx="0">
-            <a:schemeClr val="accent1"/>
-          </a:effectRef>
-          <a:fontRef idx="minor">
-            <a:schemeClr val="lt1"/>
-          </a:fontRef>
-        </p:style>
-        <p:txBody>
-          <a:bodyPr rtlCol="0" anchor="ctr"/>
-          <a:lstStyle/>
-          <a:p>
-            <a:pPr marL="0" marR="0" lvl="0" indent="0" algn="ctr" defTabSz="913852" rtl="0" eaLnBrk="1" fontAlgn="auto" latinLnBrk="0" hangingPunct="1">
-              <a:lnSpc>
-                <a:spcPct val="100000"/>
-              </a:lnSpc>
-              <a:spcBef>
-                <a:spcPts val="0"/>
-              </a:spcBef>
-              <a:spcAft>
-                <a:spcPts val="0"/>
-              </a:spcAft>
-              <a:buClrTx/>
-              <a:buSzTx/>
-              <a:buFontTx/>
-              <a:buNone/>
-              <a:tabLst/>
-              <a:defRPr/>
-            </a:pPr>
-            <a:endParaRPr kumimoji="0" lang="en-US" altLang="ko-KR" sz="2398" b="0" i="0" u="none" strike="noStrike" kern="1200" cap="none" spc="0" normalizeH="0" baseline="0" noProof="0" dirty="0">
-              <a:ln>
-                <a:noFill/>
-              </a:ln>
-              <a:solidFill>
-                <a:srgbClr val="F7C86D"/>
-              </a:solidFill>
-              <a:effectLst/>
-              <a:uLnTx/>
-              <a:uFillTx/>
-              <a:latin typeface="Calibri" panose="020F0502020204030204"/>
-              <a:ea typeface="맑은 고딕" panose="020B0503020000020004" pitchFamily="34" charset="-127"/>
-              <a:cs typeface="+mn-cs"/>
-            </a:endParaRPr>
-          </a:p>
-        </p:txBody>
-      </p:sp>
-      <p:pic>
-        <p:nvPicPr>
-          <p:cNvPr id="11" name="Logo Software University" descr="Software University logo">
-            <a:extLst>
-              <a:ext uri="{FF2B5EF4-FFF2-40B4-BE49-F238E27FC236}">
-                <a16:creationId xmlns:a16="http://schemas.microsoft.com/office/drawing/2014/main" id="{14F779A7-4A91-448B-BEFA-956C70A1C22F}"/>
-              </a:ext>
-            </a:extLst>
-          </p:cNvPr>
-          <p:cNvPicPr>
-            <a:picLocks noChangeAspect="1"/>
-          </p:cNvPicPr>
-          <p:nvPr userDrawn="1"/>
-        </p:nvPicPr>
-        <p:blipFill>
-          <a:blip r:embed="rId3">
-            <a:extLst>
-              <a:ext uri="{28A0092B-C50C-407E-A947-70E740481C1C}">
-                <a14:useLocalDpi xmlns:a14="http://schemas.microsoft.com/office/drawing/2010/main" val="0"/>
-              </a:ext>
-            </a:extLst>
-          </a:blip>
-          <a:stretch>
-            <a:fillRect/>
-          </a:stretch>
-        </p:blipFill>
-        <p:spPr>
-          <a:xfrm>
-            <a:off x="10067957" y="253936"/>
-            <a:ext cx="1915704" cy="559235"/>
-          </a:xfrm>
-          <a:prstGeom prst="rect">
-            <a:avLst/>
-          </a:prstGeom>
-        </p:spPr>
-      </p:pic>
-      <p:sp>
-        <p:nvSpPr>
-          <p:cNvPr id="13" name="Slide Title">
-            <a:extLst>
-              <a:ext uri="{FF2B5EF4-FFF2-40B4-BE49-F238E27FC236}">
-                <a16:creationId xmlns:a16="http://schemas.microsoft.com/office/drawing/2014/main" id="{357D7BE1-6358-42CC-94F3-7BCDD91DCB6D}"/>
-              </a:ext>
-            </a:extLst>
-          </p:cNvPr>
-          <p:cNvSpPr>
-            <a:spLocks noGrp="1"/>
-          </p:cNvSpPr>
-          <p:nvPr>
-            <p:ph type="title" hasCustomPrompt="1"/>
-          </p:nvPr>
-        </p:nvSpPr>
-        <p:spPr>
-          <a:xfrm>
-            <a:off x="190406" y="100750"/>
-            <a:ext cx="9715594" cy="882654"/>
-          </a:xfrm>
-        </p:spPr>
-        <p:txBody>
-          <a:bodyPr/>
-          <a:lstStyle>
-            <a:lvl1pPr latinLnBrk="0">
-              <a:defRPr>
-                <a:solidFill>
-                  <a:schemeClr val="bg2"/>
-                </a:solidFill>
-              </a:defRPr>
-            </a:lvl1pPr>
-          </a:lstStyle>
-          <a:p>
-            <a:r>
-              <a:rPr lang="en-US" noProof="0" dirty="0"/>
-              <a:t>Table of Contents</a:t>
-            </a:r>
-          </a:p>
-        </p:txBody>
-      </p:sp>
-    </p:spTree>
-    <p:extLst>
-      <p:ext uri="{BB962C8B-B14F-4D97-AF65-F5344CB8AC3E}">
-        <p14:creationId xmlns:p14="http://schemas.microsoft.com/office/powerpoint/2010/main" val="1028724482"/>
-      </p:ext>
-    </p:extLst>
-  </p:cSld>
-  <p:clrMapOvr>
-    <a:masterClrMapping/>
-  </p:clrMapOvr>
-  <mc:AlternateContent xmlns:mc="http://schemas.openxmlformats.org/markup-compatibility/2006" xmlns:p14="http://schemas.microsoft.com/office/powerpoint/2010/main">
-    <mc:Choice Requires="p14">
-      <p:transition spd="slow" p14:dur="2000" advClick="0" advTm="5000"/>
-    </mc:Choice>
-    <mc:Fallback xmlns="">
-      <p:transition spd="slow" advClick="0" advTm="5000"/>
-    </mc:Fallback>
-  </mc:AlternateContent>
-</p:sldLayout>
-</file>
-
-<file path=ppt/slideLayouts/slideLayout5.xml><?xml version="1.0" encoding="utf-8"?>
 <p:sldLayout xmlns:a="http://schemas.openxmlformats.org/drawingml/2006/main" xmlns:r="http://schemas.openxmlformats.org/officeDocument/2006/relationships" xmlns:p="http://schemas.openxmlformats.org/presentationml/2006/main" preserve="1" userDrawn="1">
   <p:cSld name="Important Concept">
     <p:spTree>
@@ -6961,52 +5265,6 @@
           </a:p>
         </p:txBody>
       </p:sp>
-      <p:pic>
-        <p:nvPicPr>
-          <p:cNvPr id="3" name="Logo Software University" descr="Software University logo">
-            <a:extLst>
-              <a:ext uri="{FF2B5EF4-FFF2-40B4-BE49-F238E27FC236}">
-                <a16:creationId xmlns:a16="http://schemas.microsoft.com/office/drawing/2014/main" id="{5573C101-930B-47AC-967A-A64513DFFDEE}"/>
-              </a:ext>
-            </a:extLst>
-          </p:cNvPr>
-          <p:cNvPicPr>
-            <a:picLocks noChangeAspect="1"/>
-          </p:cNvPicPr>
-          <p:nvPr userDrawn="1"/>
-        </p:nvPicPr>
-        <p:blipFill>
-          <a:blip r:embed="rId3">
-            <a:clrChange>
-              <a:clrFrom>
-                <a:srgbClr val="FFFFFF"/>
-              </a:clrFrom>
-              <a:clrTo>
-                <a:srgbClr val="FFFFFF">
-                  <a:alpha val="0"/>
-                </a:srgbClr>
-              </a:clrTo>
-            </a:clrChange>
-            <a:extLst>
-              <a:ext uri="{28A0092B-C50C-407E-A947-70E740481C1C}">
-                <a14:useLocalDpi xmlns:a14="http://schemas.microsoft.com/office/drawing/2010/main" val="0"/>
-              </a:ext>
-            </a:extLst>
-          </a:blip>
-          <a:stretch>
-            <a:fillRect/>
-          </a:stretch>
-        </p:blipFill>
-        <p:spPr>
-          <a:xfrm>
-            <a:off x="10008761" y="190267"/>
-            <a:ext cx="2013336" cy="690975"/>
-          </a:xfrm>
-          <a:prstGeom prst="rect">
-            <a:avLst/>
-          </a:prstGeom>
-        </p:spPr>
-      </p:pic>
       <p:sp>
         <p:nvSpPr>
           <p:cNvPr id="8" name="Slide Title">
@@ -7025,8 +5283,8 @@
         </p:nvSpPr>
         <p:spPr>
           <a:xfrm>
-            <a:off x="1296957" y="100750"/>
-            <a:ext cx="8625520" cy="882654"/>
+            <a:off x="1296956" y="100750"/>
+            <a:ext cx="9164044" cy="882654"/>
           </a:xfrm>
         </p:spPr>
         <p:txBody>
@@ -7044,6 +5302,42 @@
           </a:p>
         </p:txBody>
       </p:sp>
+      <p:pic>
+        <p:nvPicPr>
+          <p:cNvPr id="2" name="Picture 1">
+            <a:extLst>
+              <a:ext uri="{FF2B5EF4-FFF2-40B4-BE49-F238E27FC236}">
+                <a16:creationId xmlns:a16="http://schemas.microsoft.com/office/drawing/2014/main" id="{78CA5371-2597-CF8F-1859-226395807433}"/>
+              </a:ext>
+            </a:extLst>
+          </p:cNvPr>
+          <p:cNvPicPr>
+            <a:picLocks noChangeAspect="1"/>
+          </p:cNvPicPr>
+          <p:nvPr userDrawn="1"/>
+        </p:nvPicPr>
+        <p:blipFill>
+          <a:blip r:embed="rId3" cstate="print">
+            <a:extLst>
+              <a:ext uri="{28A0092B-C50C-407E-A947-70E740481C1C}">
+                <a14:useLocalDpi xmlns:a14="http://schemas.microsoft.com/office/drawing/2010/main" val="0"/>
+              </a:ext>
+            </a:extLst>
+          </a:blip>
+          <a:stretch>
+            <a:fillRect/>
+          </a:stretch>
+        </p:blipFill>
+        <p:spPr>
+          <a:xfrm>
+            <a:off x="10551877" y="362077"/>
+            <a:ext cx="1443357" cy="360000"/>
+          </a:xfrm>
+          <a:prstGeom prst="rect">
+            <a:avLst/>
+          </a:prstGeom>
+        </p:spPr>
+      </p:pic>
     </p:spTree>
     <p:extLst>
       <p:ext uri="{BB962C8B-B14F-4D97-AF65-F5344CB8AC3E}">
@@ -7065,7 +5359,7 @@
 </p:sldLayout>
 </file>
 
-<file path=ppt/slideLayouts/slideLayout6.xml><?xml version="1.0" encoding="utf-8"?>
+<file path=ppt/slideLayouts/slideLayout5.xml><?xml version="1.0" encoding="utf-8"?>
 <p:sldLayout xmlns:a="http://schemas.openxmlformats.org/drawingml/2006/main" xmlns:r="http://schemas.openxmlformats.org/officeDocument/2006/relationships" xmlns:p="http://schemas.openxmlformats.org/presentationml/2006/main" preserve="1">
   <p:cSld name="Important Example">
     <p:spTree>
@@ -7342,52 +5636,6 @@
           </a:p>
         </p:txBody>
       </p:sp>
-      <p:pic>
-        <p:nvPicPr>
-          <p:cNvPr id="16" name="Logo Software University" descr="Software University logo">
-            <a:extLst>
-              <a:ext uri="{FF2B5EF4-FFF2-40B4-BE49-F238E27FC236}">
-                <a16:creationId xmlns:a16="http://schemas.microsoft.com/office/drawing/2014/main" id="{EFEBB553-EACE-4B4F-8B4F-7629FDD910A4}"/>
-              </a:ext>
-            </a:extLst>
-          </p:cNvPr>
-          <p:cNvPicPr>
-            <a:picLocks noChangeAspect="1"/>
-          </p:cNvPicPr>
-          <p:nvPr userDrawn="1"/>
-        </p:nvPicPr>
-        <p:blipFill>
-          <a:blip r:embed="rId3">
-            <a:clrChange>
-              <a:clrFrom>
-                <a:srgbClr val="FFFFFF"/>
-              </a:clrFrom>
-              <a:clrTo>
-                <a:srgbClr val="FFFFFF">
-                  <a:alpha val="0"/>
-                </a:srgbClr>
-              </a:clrTo>
-            </a:clrChange>
-            <a:extLst>
-              <a:ext uri="{28A0092B-C50C-407E-A947-70E740481C1C}">
-                <a14:useLocalDpi xmlns:a14="http://schemas.microsoft.com/office/drawing/2010/main" val="0"/>
-              </a:ext>
-            </a:extLst>
-          </a:blip>
-          <a:stretch>
-            <a:fillRect/>
-          </a:stretch>
-        </p:blipFill>
-        <p:spPr>
-          <a:xfrm>
-            <a:off x="10008761" y="190267"/>
-            <a:ext cx="2013336" cy="690975"/>
-          </a:xfrm>
-          <a:prstGeom prst="rect">
-            <a:avLst/>
-          </a:prstGeom>
-        </p:spPr>
-      </p:pic>
       <p:sp>
         <p:nvSpPr>
           <p:cNvPr id="13" name="Slide Title">
@@ -7406,8 +5654,8 @@
         </p:nvSpPr>
         <p:spPr>
           <a:xfrm>
-            <a:off x="1296957" y="100750"/>
-            <a:ext cx="8625520" cy="882654"/>
+            <a:off x="1296956" y="100750"/>
+            <a:ext cx="9164044" cy="882654"/>
           </a:xfrm>
         </p:spPr>
         <p:txBody>
@@ -7425,6 +5673,42 @@
           </a:p>
         </p:txBody>
       </p:sp>
+      <p:pic>
+        <p:nvPicPr>
+          <p:cNvPr id="2" name="Picture 1">
+            <a:extLst>
+              <a:ext uri="{FF2B5EF4-FFF2-40B4-BE49-F238E27FC236}">
+                <a16:creationId xmlns:a16="http://schemas.microsoft.com/office/drawing/2014/main" id="{A37AF1B9-D67A-246A-86B6-E28F19C52390}"/>
+              </a:ext>
+            </a:extLst>
+          </p:cNvPr>
+          <p:cNvPicPr>
+            <a:picLocks noChangeAspect="1"/>
+          </p:cNvPicPr>
+          <p:nvPr userDrawn="1"/>
+        </p:nvPicPr>
+        <p:blipFill>
+          <a:blip r:embed="rId3" cstate="print">
+            <a:extLst>
+              <a:ext uri="{28A0092B-C50C-407E-A947-70E740481C1C}">
+                <a14:useLocalDpi xmlns:a14="http://schemas.microsoft.com/office/drawing/2010/main" val="0"/>
+              </a:ext>
+            </a:extLst>
+          </a:blip>
+          <a:stretch>
+            <a:fillRect/>
+          </a:stretch>
+        </p:blipFill>
+        <p:spPr>
+          <a:xfrm>
+            <a:off x="10551877" y="362077"/>
+            <a:ext cx="1443357" cy="360000"/>
+          </a:xfrm>
+          <a:prstGeom prst="rect">
+            <a:avLst/>
+          </a:prstGeom>
+        </p:spPr>
+      </p:pic>
     </p:spTree>
     <p:extLst>
       <p:ext uri="{BB962C8B-B14F-4D97-AF65-F5344CB8AC3E}">
@@ -7446,7 +5730,7 @@
 </p:sldLayout>
 </file>
 
-<file path=ppt/slideLayouts/slideLayout7.xml><?xml version="1.0" encoding="utf-8"?>
+<file path=ppt/slideLayouts/slideLayout6.xml><?xml version="1.0" encoding="utf-8"?>
 <p:sldLayout xmlns:a="http://schemas.openxmlformats.org/drawingml/2006/main" xmlns:r="http://schemas.openxmlformats.org/officeDocument/2006/relationships" xmlns:p="http://schemas.openxmlformats.org/presentationml/2006/main" preserve="1" userDrawn="1">
   <p:cSld name="Blank Slide">
     <p:spTree>
@@ -7741,8 +6025,8 @@
         </p:nvSpPr>
         <p:spPr>
           <a:xfrm>
-            <a:off x="585176" y="100750"/>
-            <a:ext cx="11410061" cy="882654"/>
+            <a:off x="585177" y="100750"/>
+            <a:ext cx="9875824" cy="882654"/>
           </a:xfrm>
         </p:spPr>
         <p:txBody>
@@ -7760,6 +6044,42 @@
           </a:p>
         </p:txBody>
       </p:sp>
+      <p:pic>
+        <p:nvPicPr>
+          <p:cNvPr id="2" name="Picture 1">
+            <a:extLst>
+              <a:ext uri="{FF2B5EF4-FFF2-40B4-BE49-F238E27FC236}">
+                <a16:creationId xmlns:a16="http://schemas.microsoft.com/office/drawing/2014/main" id="{9C2C375B-43BF-D1DD-F160-1500A111885C}"/>
+              </a:ext>
+            </a:extLst>
+          </p:cNvPr>
+          <p:cNvPicPr>
+            <a:picLocks noChangeAspect="1"/>
+          </p:cNvPicPr>
+          <p:nvPr userDrawn="1"/>
+        </p:nvPicPr>
+        <p:blipFill>
+          <a:blip r:embed="rId3" cstate="print">
+            <a:extLst>
+              <a:ext uri="{28A0092B-C50C-407E-A947-70E740481C1C}">
+                <a14:useLocalDpi xmlns:a14="http://schemas.microsoft.com/office/drawing/2010/main" val="0"/>
+              </a:ext>
+            </a:extLst>
+          </a:blip>
+          <a:stretch>
+            <a:fillRect/>
+          </a:stretch>
+        </p:blipFill>
+        <p:spPr>
+          <a:xfrm>
+            <a:off x="10551877" y="362077"/>
+            <a:ext cx="1443357" cy="360000"/>
+          </a:xfrm>
+          <a:prstGeom prst="rect">
+            <a:avLst/>
+          </a:prstGeom>
+        </p:spPr>
+      </p:pic>
     </p:spTree>
     <p:extLst>
       <p:ext uri="{BB962C8B-B14F-4D97-AF65-F5344CB8AC3E}">
@@ -7781,7 +6101,7 @@
 </p:sldLayout>
 </file>
 
-<file path=ppt/slideLayouts/slideLayout8.xml><?xml version="1.0" encoding="utf-8"?>
+<file path=ppt/slideLayouts/slideLayout7.xml><?xml version="1.0" encoding="utf-8"?>
 <p:sldLayout xmlns:a="http://schemas.openxmlformats.org/drawingml/2006/main" xmlns:r="http://schemas.openxmlformats.org/officeDocument/2006/relationships" xmlns:p="http://schemas.openxmlformats.org/presentationml/2006/main" preserve="1" userDrawn="1">
   <p:cSld name="Source Code Example">
     <p:spTree>
@@ -7836,7 +6156,7 @@
               <a:pPr/>
               <a:t>‹#›</a:t>
             </a:fld>
-            <a:endParaRPr lang="en-US" noProof="0" dirty="0"/>
+            <a:endParaRPr lang="en-US" noProof="0"/>
           </a:p>
         </p:txBody>
       </p:sp>
@@ -7846,6 +6166,726 @@
             <a:extLst>
               <a:ext uri="{FF2B5EF4-FFF2-40B4-BE49-F238E27FC236}">
                 <a16:creationId xmlns:a16="http://schemas.microsoft.com/office/drawing/2014/main" id="{A15CE03A-0933-4E5D-9EA1-718D4F802FFC}"/>
+              </a:ext>
+            </a:extLst>
+          </p:cNvPr>
+          <p:cNvSpPr/>
+          <p:nvPr userDrawn="1"/>
+        </p:nvSpPr>
+        <p:spPr>
+          <a:xfrm>
+            <a:off x="0" y="1311"/>
+            <a:ext cx="12196800" cy="1095376"/>
+          </a:xfrm>
+          <a:prstGeom prst="rect">
+            <a:avLst/>
+          </a:prstGeom>
+          <a:solidFill>
+            <a:schemeClr val="tx2"/>
+          </a:solidFill>
+          <a:ln>
+            <a:noFill/>
+          </a:ln>
+        </p:spPr>
+        <p:style>
+          <a:lnRef idx="2">
+            <a:schemeClr val="accent1">
+              <a:shade val="50000"/>
+            </a:schemeClr>
+          </a:lnRef>
+          <a:fillRef idx="1">
+            <a:schemeClr val="accent1"/>
+          </a:fillRef>
+          <a:effectRef idx="0">
+            <a:schemeClr val="accent1"/>
+          </a:effectRef>
+          <a:fontRef idx="minor">
+            <a:schemeClr val="lt1"/>
+          </a:fontRef>
+        </p:style>
+        <p:txBody>
+          <a:bodyPr rtlCol="0" anchor="ctr"/>
+          <a:lstStyle/>
+          <a:p>
+            <a:pPr marL="0" marR="0" lvl="0" indent="0" algn="ctr" defTabSz="913852" rtl="0" eaLnBrk="1" fontAlgn="auto" latinLnBrk="0" hangingPunct="1">
+              <a:lnSpc>
+                <a:spcPct val="100000"/>
+              </a:lnSpc>
+              <a:spcBef>
+                <a:spcPts val="0"/>
+              </a:spcBef>
+              <a:spcAft>
+                <a:spcPts val="0"/>
+              </a:spcAft>
+              <a:buClrTx/>
+              <a:buSzTx/>
+              <a:buFontTx/>
+              <a:buNone/>
+              <a:tabLst/>
+              <a:defRPr/>
+            </a:pPr>
+            <a:endParaRPr kumimoji="0" lang="en-US" altLang="ko-KR" sz="2398" b="0" i="0" u="none" strike="noStrike" kern="1200" cap="none" spc="0" normalizeH="0" baseline="0" noProof="0" dirty="0">
+              <a:ln>
+                <a:noFill/>
+              </a:ln>
+              <a:solidFill>
+                <a:srgbClr val="F7C86D"/>
+              </a:solidFill>
+              <a:effectLst/>
+              <a:uLnTx/>
+              <a:uFillTx/>
+              <a:latin typeface="Calibri" panose="020F0502020204030204"/>
+              <a:ea typeface="맑은 고딕" panose="020B0503020000020004" pitchFamily="34" charset="-127"/>
+              <a:cs typeface="+mn-cs"/>
+            </a:endParaRPr>
+          </a:p>
+        </p:txBody>
+      </p:sp>
+      <p:sp>
+        <p:nvSpPr>
+          <p:cNvPr id="12" name="Slide Body Text">
+            <a:extLst>
+              <a:ext uri="{FF2B5EF4-FFF2-40B4-BE49-F238E27FC236}">
+                <a16:creationId xmlns:a16="http://schemas.microsoft.com/office/drawing/2014/main" id="{B608ED73-CE88-49E4-8BFC-DBD6E9AE6B10}"/>
+              </a:ext>
+            </a:extLst>
+          </p:cNvPr>
+          <p:cNvSpPr>
+            <a:spLocks noGrp="1"/>
+          </p:cNvSpPr>
+          <p:nvPr>
+            <p:ph type="body" sz="quarter" idx="10" hasCustomPrompt="1"/>
+          </p:nvPr>
+        </p:nvSpPr>
+        <p:spPr>
+          <a:xfrm>
+            <a:off x="190406" y="1206668"/>
+            <a:ext cx="11804831" cy="5550582"/>
+          </a:xfrm>
+        </p:spPr>
+        <p:txBody>
+          <a:bodyPr/>
+          <a:lstStyle>
+            <a:lvl1pPr latinLnBrk="0">
+              <a:defRPr>
+                <a:solidFill>
+                  <a:schemeClr val="tx1"/>
+                </a:solidFill>
+              </a:defRPr>
+            </a:lvl1pPr>
+            <a:lvl2pPr latinLnBrk="0">
+              <a:defRPr>
+                <a:solidFill>
+                  <a:schemeClr val="tx1"/>
+                </a:solidFill>
+              </a:defRPr>
+            </a:lvl2pPr>
+            <a:lvl3pPr latinLnBrk="0">
+              <a:defRPr>
+                <a:solidFill>
+                  <a:schemeClr val="tx1"/>
+                </a:solidFill>
+              </a:defRPr>
+            </a:lvl3pPr>
+            <a:lvl4pPr latinLnBrk="0">
+              <a:defRPr>
+                <a:solidFill>
+                  <a:schemeClr val="tx1"/>
+                </a:solidFill>
+              </a:defRPr>
+            </a:lvl4pPr>
+            <a:lvl5pPr latinLnBrk="0">
+              <a:defRPr>
+                <a:solidFill>
+                  <a:schemeClr val="tx1"/>
+                </a:solidFill>
+              </a:defRPr>
+            </a:lvl5pPr>
+          </a:lstStyle>
+          <a:p>
+            <a:pPr lvl="0"/>
+            <a:r>
+              <a:rPr lang="en-US" noProof="0" dirty="0"/>
+              <a:t>This is a code example</a:t>
+            </a:r>
+          </a:p>
+        </p:txBody>
+      </p:sp>
+      <p:sp>
+        <p:nvSpPr>
+          <p:cNvPr id="4" name="Code Box">
+            <a:extLst>
+              <a:ext uri="{FF2B5EF4-FFF2-40B4-BE49-F238E27FC236}">
+                <a16:creationId xmlns:a16="http://schemas.microsoft.com/office/drawing/2014/main" id="{F4E021E9-D6DB-4272-8C9F-CEF4940FDC10}"/>
+              </a:ext>
+            </a:extLst>
+          </p:cNvPr>
+          <p:cNvSpPr>
+            <a:spLocks noGrp="1"/>
+          </p:cNvSpPr>
+          <p:nvPr>
+            <p:ph type="body" sz="quarter" idx="11" hasCustomPrompt="1"/>
+          </p:nvPr>
+        </p:nvSpPr>
+        <p:spPr>
+          <a:xfrm>
+            <a:off x="674683" y="2034000"/>
+            <a:ext cx="10836275" cy="2237893"/>
+          </a:xfrm>
+          <a:solidFill>
+            <a:schemeClr val="accent6">
+              <a:lumMod val="75000"/>
+              <a:alpha val="15000"/>
+            </a:schemeClr>
+          </a:solidFill>
+          <a:ln w="12700">
+            <a:solidFill>
+              <a:schemeClr val="tx1">
+                <a:lumMod val="50000"/>
+              </a:schemeClr>
+            </a:solidFill>
+          </a:ln>
+        </p:spPr>
+        <p:txBody>
+          <a:bodyPr vert="horz" wrap="square" lIns="144000" tIns="108000" rIns="144000" bIns="108000" rtlCol="0">
+            <a:spAutoFit/>
+          </a:bodyPr>
+          <a:lstStyle>
+            <a:lvl1pPr>
+              <a:buNone/>
+              <a:defRPr lang="en-US" sz="2800" b="1" smtClean="0">
+                <a:latin typeface="Consolas" pitchFamily="49" charset="0"/>
+              </a:defRPr>
+            </a:lvl1pPr>
+            <a:lvl2pPr>
+              <a:defRPr lang="en-US" smtClean="0"/>
+            </a:lvl2pPr>
+            <a:lvl3pPr>
+              <a:defRPr lang="en-US" smtClean="0"/>
+            </a:lvl3pPr>
+            <a:lvl4pPr>
+              <a:defRPr lang="en-US" smtClean="0"/>
+            </a:lvl4pPr>
+            <a:lvl5pPr>
+              <a:defRPr lang="en-US"/>
+            </a:lvl5pPr>
+          </a:lstStyle>
+          <a:p>
+            <a:pPr>
+              <a:spcBef>
+                <a:spcPts val="300"/>
+              </a:spcBef>
+              <a:spcAft>
+                <a:spcPts val="300"/>
+              </a:spcAft>
+            </a:pPr>
+            <a:r>
+              <a:rPr lang="en-US" noProof="1"/>
+              <a:t>Source code box</a:t>
+            </a:r>
+          </a:p>
+          <a:p>
+            <a:pPr>
+              <a:spcBef>
+                <a:spcPts val="300"/>
+              </a:spcBef>
+              <a:spcAft>
+                <a:spcPts val="300"/>
+              </a:spcAft>
+            </a:pPr>
+            <a:r>
+              <a:rPr lang="en-US" noProof="1"/>
+              <a:t>…</a:t>
+            </a:r>
+          </a:p>
+          <a:p>
+            <a:pPr>
+              <a:spcBef>
+                <a:spcPts val="300"/>
+              </a:spcBef>
+              <a:spcAft>
+                <a:spcPts val="300"/>
+              </a:spcAft>
+            </a:pPr>
+            <a:r>
+              <a:rPr lang="en-US" noProof="1"/>
+              <a:t>…</a:t>
+            </a:r>
+          </a:p>
+          <a:p>
+            <a:pPr>
+              <a:spcBef>
+                <a:spcPts val="300"/>
+              </a:spcBef>
+              <a:spcAft>
+                <a:spcPts val="300"/>
+              </a:spcAft>
+            </a:pPr>
+            <a:r>
+              <a:rPr lang="en-US" noProof="1"/>
+              <a:t>…</a:t>
+            </a:r>
+          </a:p>
+        </p:txBody>
+      </p:sp>
+      <p:sp>
+        <p:nvSpPr>
+          <p:cNvPr id="11" name="Slide Title">
+            <a:extLst>
+              <a:ext uri="{FF2B5EF4-FFF2-40B4-BE49-F238E27FC236}">
+                <a16:creationId xmlns:a16="http://schemas.microsoft.com/office/drawing/2014/main" id="{47D60833-F0A9-4F29-8C06-A963A7C8BE93}"/>
+              </a:ext>
+            </a:extLst>
+          </p:cNvPr>
+          <p:cNvSpPr>
+            <a:spLocks noGrp="1"/>
+          </p:cNvSpPr>
+          <p:nvPr>
+            <p:ph type="title" hasCustomPrompt="1"/>
+          </p:nvPr>
+        </p:nvSpPr>
+        <p:spPr>
+          <a:xfrm>
+            <a:off x="190405" y="100750"/>
+            <a:ext cx="10239658" cy="882654"/>
+          </a:xfrm>
+        </p:spPr>
+        <p:txBody>
+          <a:bodyPr/>
+          <a:lstStyle>
+            <a:lvl1pPr latinLnBrk="0">
+              <a:defRPr>
+                <a:solidFill>
+                  <a:schemeClr val="bg2"/>
+                </a:solidFill>
+              </a:defRPr>
+            </a:lvl1pPr>
+          </a:lstStyle>
+          <a:p>
+            <a:r>
+              <a:rPr lang="en-US" noProof="0" dirty="0"/>
+              <a:t>Slide Title</a:t>
+            </a:r>
+          </a:p>
+        </p:txBody>
+      </p:sp>
+      <p:pic>
+        <p:nvPicPr>
+          <p:cNvPr id="3" name="Picture 2">
+            <a:extLst>
+              <a:ext uri="{FF2B5EF4-FFF2-40B4-BE49-F238E27FC236}">
+                <a16:creationId xmlns:a16="http://schemas.microsoft.com/office/drawing/2014/main" id="{4B69A4E8-9221-8F79-65B4-BF9AA7F87DD7}"/>
+              </a:ext>
+            </a:extLst>
+          </p:cNvPr>
+          <p:cNvPicPr>
+            <a:picLocks noChangeAspect="1"/>
+          </p:cNvPicPr>
+          <p:nvPr userDrawn="1"/>
+        </p:nvPicPr>
+        <p:blipFill>
+          <a:blip r:embed="rId2" cstate="print">
+            <a:extLst>
+              <a:ext uri="{28A0092B-C50C-407E-A947-70E740481C1C}">
+                <a14:useLocalDpi xmlns:a14="http://schemas.microsoft.com/office/drawing/2010/main" val="0"/>
+              </a:ext>
+            </a:extLst>
+          </a:blip>
+          <a:stretch>
+            <a:fillRect/>
+          </a:stretch>
+        </p:blipFill>
+        <p:spPr>
+          <a:xfrm>
+            <a:off x="10553573" y="368999"/>
+            <a:ext cx="1443361" cy="360001"/>
+          </a:xfrm>
+          <a:prstGeom prst="rect">
+            <a:avLst/>
+          </a:prstGeom>
+        </p:spPr>
+      </p:pic>
+    </p:spTree>
+    <p:extLst>
+      <p:ext uri="{BB962C8B-B14F-4D97-AF65-F5344CB8AC3E}">
+        <p14:creationId xmlns:p14="http://schemas.microsoft.com/office/powerpoint/2010/main" val="1000829826"/>
+      </p:ext>
+    </p:extLst>
+  </p:cSld>
+  <p:clrMapOvr>
+    <a:masterClrMapping/>
+  </p:clrMapOvr>
+  <mc:AlternateContent xmlns:mc="http://schemas.openxmlformats.org/markup-compatibility/2006" xmlns:p14="http://schemas.microsoft.com/office/powerpoint/2010/main">
+    <mc:Choice Requires="p14">
+      <p:transition spd="slow" p14:dur="2000" advClick="0" advTm="5000"/>
+    </mc:Choice>
+    <mc:Fallback xmlns="">
+      <p:transition spd="slow" advClick="0" advTm="5000"/>
+    </mc:Fallback>
+  </mc:AlternateContent>
+</p:sldLayout>
+</file>
+
+<file path=ppt/slideLayouts/slideLayout8.xml><?xml version="1.0" encoding="utf-8"?>
+<p:sldLayout xmlns:a="http://schemas.openxmlformats.org/drawingml/2006/main" xmlns:r="http://schemas.openxmlformats.org/officeDocument/2006/relationships" xmlns:p="http://schemas.openxmlformats.org/presentationml/2006/main" preserve="1">
+  <p:cSld name="Demo Slide">
+    <p:spTree>
+      <p:nvGrpSpPr>
+        <p:cNvPr id="1" name=""/>
+        <p:cNvGrpSpPr/>
+        <p:nvPr/>
+      </p:nvGrpSpPr>
+      <p:grpSpPr>
+        <a:xfrm>
+          <a:off x="0" y="0"/>
+          <a:ext cx="0" cy="0"/>
+          <a:chOff x="0" y="0"/>
+          <a:chExt cx="0" cy="0"/>
+        </a:xfrm>
+      </p:grpSpPr>
+      <p:sp>
+        <p:nvSpPr>
+          <p:cNvPr id="4" name="Oval Center Icon"/>
+          <p:cNvSpPr>
+            <a:spLocks noChangeAspect="1"/>
+          </p:cNvSpPr>
+          <p:nvPr/>
+        </p:nvSpPr>
+        <p:spPr>
+          <a:xfrm>
+            <a:off x="831000" y="1091471"/>
+            <a:ext cx="3552529" cy="3552529"/>
+          </a:xfrm>
+          <a:prstGeom prst="ellipse">
+            <a:avLst/>
+          </a:prstGeom>
+          <a:solidFill>
+            <a:schemeClr val="tx2"/>
+          </a:solidFill>
+          <a:ln>
+            <a:noFill/>
+          </a:ln>
+        </p:spPr>
+        <p:style>
+          <a:lnRef idx="2">
+            <a:schemeClr val="accent1">
+              <a:shade val="50000"/>
+            </a:schemeClr>
+          </a:lnRef>
+          <a:fillRef idx="1">
+            <a:schemeClr val="accent1"/>
+          </a:fillRef>
+          <a:effectRef idx="0">
+            <a:schemeClr val="accent1"/>
+          </a:effectRef>
+          <a:fontRef idx="minor">
+            <a:schemeClr val="lt1"/>
+          </a:fontRef>
+        </p:style>
+        <p:txBody>
+          <a:bodyPr rtlCol="0" anchor="ctr"/>
+          <a:lstStyle/>
+          <a:p>
+            <a:pPr marL="0" marR="0" lvl="0" indent="0" algn="ctr" defTabSz="913852" rtl="0" eaLnBrk="1" fontAlgn="auto" latinLnBrk="0" hangingPunct="1">
+              <a:lnSpc>
+                <a:spcPct val="100000"/>
+              </a:lnSpc>
+              <a:spcBef>
+                <a:spcPts val="0"/>
+              </a:spcBef>
+              <a:spcAft>
+                <a:spcPts val="0"/>
+              </a:spcAft>
+              <a:buClrTx/>
+              <a:buSzTx/>
+              <a:buFontTx/>
+              <a:buNone/>
+              <a:tabLst/>
+              <a:defRPr/>
+            </a:pPr>
+            <a:endParaRPr kumimoji="0" lang="en-US" altLang="ko-KR" sz="2398" b="0" i="0" u="none" strike="noStrike" kern="1200" cap="none" spc="0" normalizeH="0" baseline="0" noProof="0">
+              <a:ln>
+                <a:noFill/>
+              </a:ln>
+              <a:solidFill>
+                <a:srgbClr val="F7C86D"/>
+              </a:solidFill>
+              <a:effectLst/>
+              <a:uLnTx/>
+              <a:uFillTx/>
+              <a:latin typeface="Calibri" panose="020F0502020204030204"/>
+              <a:ea typeface="맑은 고딕" panose="020B0503020000020004" pitchFamily="34" charset="-127"/>
+              <a:cs typeface="+mn-cs"/>
+            </a:endParaRPr>
+          </a:p>
+        </p:txBody>
+      </p:sp>
+      <p:sp>
+        <p:nvSpPr>
+          <p:cNvPr id="11" name="Slide Subtitle"/>
+          <p:cNvSpPr>
+            <a:spLocks noGrp="1"/>
+          </p:cNvSpPr>
+          <p:nvPr>
+            <p:ph type="subTitle" sz="quarter" idx="11" hasCustomPrompt="1"/>
+          </p:nvPr>
+        </p:nvSpPr>
+        <p:spPr>
+          <a:xfrm>
+            <a:off x="5241000" y="3338387"/>
+            <a:ext cx="6065892" cy="768084"/>
+          </a:xfrm>
+          <a:prstGeom prst="rect">
+            <a:avLst/>
+          </a:prstGeom>
+        </p:spPr>
+        <p:txBody>
+          <a:bodyPr anchor="ctr">
+            <a:noAutofit/>
+          </a:bodyPr>
+          <a:lstStyle>
+            <a:lvl1pPr marL="0" indent="0" algn="ctr" latinLnBrk="0">
+              <a:buNone/>
+              <a:defRPr sz="3998" b="0" baseline="0">
+                <a:solidFill>
+                  <a:schemeClr val="tx1"/>
+                </a:solidFill>
+                <a:latin typeface="+mn-lt"/>
+                <a:cs typeface="Arial" pitchFamily="34" charset="0"/>
+              </a:defRPr>
+            </a:lvl1pPr>
+          </a:lstStyle>
+          <a:p>
+            <a:pPr lvl="0"/>
+            <a:r>
+              <a:rPr lang="en-US" noProof="0" dirty="0"/>
+              <a:t>Click to Edit Section Subtitle</a:t>
+            </a:r>
+          </a:p>
+        </p:txBody>
+      </p:sp>
+      <p:sp>
+        <p:nvSpPr>
+          <p:cNvPr id="10" name="Slide Title"/>
+          <p:cNvSpPr>
+            <a:spLocks noGrp="1"/>
+          </p:cNvSpPr>
+          <p:nvPr>
+            <p:ph type="title" sz="quarter" idx="10" hasCustomPrompt="1"/>
+          </p:nvPr>
+        </p:nvSpPr>
+        <p:spPr>
+          <a:xfrm>
+            <a:off x="5241000" y="1471047"/>
+            <a:ext cx="6065892" cy="1754333"/>
+          </a:xfrm>
+          <a:prstGeom prst="rect">
+            <a:avLst/>
+          </a:prstGeom>
+        </p:spPr>
+        <p:txBody>
+          <a:bodyPr anchor="ctr">
+            <a:noAutofit/>
+          </a:bodyPr>
+          <a:lstStyle>
+            <a:lvl1pPr marL="0" indent="0" algn="ctr" latinLnBrk="0">
+              <a:buNone/>
+              <a:defRPr sz="5396" b="1" baseline="0">
+                <a:solidFill>
+                  <a:schemeClr val="tx1"/>
+                </a:solidFill>
+                <a:latin typeface="+mj-lt"/>
+                <a:cs typeface="Arial" pitchFamily="34" charset="0"/>
+              </a:defRPr>
+            </a:lvl1pPr>
+          </a:lstStyle>
+          <a:p>
+            <a:pPr lvl="0"/>
+            <a:r>
+              <a:rPr lang="en-US" noProof="0" dirty="0"/>
+              <a:t>Click to Edit Section Title</a:t>
+            </a:r>
+            <a:endParaRPr lang="en-US" altLang="ko-KR" noProof="0" dirty="0"/>
+          </a:p>
+        </p:txBody>
+      </p:sp>
+    </p:spTree>
+    <p:extLst>
+      <p:ext uri="{BB962C8B-B14F-4D97-AF65-F5344CB8AC3E}">
+        <p14:creationId xmlns:p14="http://schemas.microsoft.com/office/powerpoint/2010/main" val="2423919747"/>
+      </p:ext>
+    </p:extLst>
+  </p:cSld>
+  <p:clrMapOvr>
+    <a:masterClrMapping/>
+  </p:clrMapOvr>
+  <mc:AlternateContent xmlns:mc="http://schemas.openxmlformats.org/markup-compatibility/2006" xmlns:p14="http://schemas.microsoft.com/office/powerpoint/2010/main">
+    <mc:Choice Requires="p14">
+      <p:transition spd="slow" p14:dur="2000" advClick="0" advTm="5000"/>
+    </mc:Choice>
+    <mc:Fallback xmlns="">
+      <p:transition spd="slow" advClick="0" advTm="5000"/>
+    </mc:Fallback>
+  </mc:AlternateContent>
+</p:sldLayout>
+</file>
+
+<file path=ppt/slideLayouts/slideLayout9.xml><?xml version="1.0" encoding="utf-8"?>
+<p:sldLayout xmlns:a="http://schemas.openxmlformats.org/drawingml/2006/main" xmlns:r="http://schemas.openxmlformats.org/officeDocument/2006/relationships" xmlns:p="http://schemas.openxmlformats.org/presentationml/2006/main" preserve="1" userDrawn="1">
+  <p:cSld name="Table of Contents">
+    <p:spTree>
+      <p:nvGrpSpPr>
+        <p:cNvPr id="1" name=""/>
+        <p:cNvGrpSpPr/>
+        <p:nvPr/>
+      </p:nvGrpSpPr>
+      <p:grpSpPr>
+        <a:xfrm>
+          <a:off x="0" y="0"/>
+          <a:ext cx="0" cy="0"/>
+          <a:chOff x="0" y="0"/>
+          <a:chExt cx="0" cy="0"/>
+        </a:xfrm>
+      </p:grpSpPr>
+      <p:sp>
+        <p:nvSpPr>
+          <p:cNvPr id="10" name="Slide Number">
+            <a:extLst>
+              <a:ext uri="{FF2B5EF4-FFF2-40B4-BE49-F238E27FC236}">
+                <a16:creationId xmlns:a16="http://schemas.microsoft.com/office/drawing/2014/main" id="{39DDE17E-5472-41F3-AF5F-54DFF10DC63C}"/>
+              </a:ext>
+            </a:extLst>
+          </p:cNvPr>
+          <p:cNvSpPr>
+            <a:spLocks noGrp="1"/>
+          </p:cNvSpPr>
+          <p:nvPr>
+            <p:ph type="sldNum" sz="quarter" idx="4"/>
+          </p:nvPr>
+        </p:nvSpPr>
+        <p:spPr>
+          <a:xfrm>
+            <a:off x="11753030" y="6507000"/>
+            <a:ext cx="367414" cy="297000"/>
+          </a:xfrm>
+          <a:prstGeom prst="rect">
+            <a:avLst/>
+          </a:prstGeom>
+        </p:spPr>
+        <p:txBody>
+          <a:bodyPr vert="horz" lIns="91440" tIns="45720" rIns="91440" bIns="45720" rtlCol="0" anchor="b"/>
+          <a:lstStyle>
+            <a:lvl1pPr algn="r">
+              <a:defRPr sz="1000"/>
+            </a:lvl1pPr>
+          </a:lstStyle>
+          <a:p>
+            <a:fld id="{2BF067CD-8E6B-4360-9AA8-C5DF2A48A6D1}" type="slidenum">
+              <a:rPr lang="en-US" noProof="0" smtClean="0"/>
+              <a:pPr/>
+              <a:t>‹#›</a:t>
+            </a:fld>
+            <a:endParaRPr lang="en-US" noProof="0"/>
+          </a:p>
+        </p:txBody>
+      </p:sp>
+      <p:sp>
+        <p:nvSpPr>
+          <p:cNvPr id="23" name="Slide Body Text">
+            <a:extLst>
+              <a:ext uri="{FF2B5EF4-FFF2-40B4-BE49-F238E27FC236}">
+                <a16:creationId xmlns:a16="http://schemas.microsoft.com/office/drawing/2014/main" id="{889D93F4-ABFA-46BF-8E5D-FE6562ACB20F}"/>
+              </a:ext>
+            </a:extLst>
+          </p:cNvPr>
+          <p:cNvSpPr>
+            <a:spLocks noGrp="1"/>
+          </p:cNvSpPr>
+          <p:nvPr>
+            <p:ph type="body" sz="quarter" idx="13" hasCustomPrompt="1"/>
+          </p:nvPr>
+        </p:nvSpPr>
+        <p:spPr>
+          <a:xfrm>
+            <a:off x="196766" y="1371604"/>
+            <a:ext cx="11781606" cy="5207396"/>
+          </a:xfrm>
+        </p:spPr>
+        <p:txBody>
+          <a:bodyPr>
+            <a:normAutofit/>
+          </a:bodyPr>
+          <a:lstStyle>
+            <a:lvl1pPr marL="514042" indent="-514042" latinLnBrk="0">
+              <a:buFont typeface="+mj-lt"/>
+              <a:buAutoNum type="arabicPeriod"/>
+              <a:defRPr sz="3600">
+                <a:solidFill>
+                  <a:schemeClr val="tx1"/>
+                </a:solidFill>
+              </a:defRPr>
+            </a:lvl1pPr>
+            <a:lvl2pPr>
+              <a:defRPr sz="3400"/>
+            </a:lvl2pPr>
+          </a:lstStyle>
+          <a:p>
+            <a:pPr lvl="0"/>
+            <a:r>
+              <a:rPr lang="en-US" noProof="0" dirty="0"/>
+              <a:t>…</a:t>
+            </a:r>
+          </a:p>
+          <a:p>
+            <a:pPr lvl="1"/>
+            <a:r>
+              <a:rPr lang="en-US" noProof="0" dirty="0"/>
+              <a:t>…</a:t>
+            </a:r>
+          </a:p>
+          <a:p>
+            <a:pPr lvl="1"/>
+            <a:r>
+              <a:rPr lang="en-US" noProof="0" dirty="0"/>
+              <a:t>…</a:t>
+            </a:r>
+          </a:p>
+          <a:p>
+            <a:pPr lvl="0"/>
+            <a:r>
+              <a:rPr lang="en-US" noProof="0" dirty="0"/>
+              <a:t>…</a:t>
+            </a:r>
+          </a:p>
+          <a:p>
+            <a:pPr lvl="1"/>
+            <a:r>
+              <a:rPr lang="en-US" noProof="0" dirty="0"/>
+              <a:t>…</a:t>
+            </a:r>
+          </a:p>
+          <a:p>
+            <a:pPr lvl="1"/>
+            <a:r>
+              <a:rPr lang="en-US" noProof="0" dirty="0"/>
+              <a:t>…</a:t>
+            </a:r>
+          </a:p>
+          <a:p>
+            <a:pPr lvl="0"/>
+            <a:r>
+              <a:rPr lang="en-US" noProof="0" dirty="0"/>
+              <a:t>…</a:t>
+            </a:r>
+          </a:p>
+        </p:txBody>
+      </p:sp>
+      <p:sp>
+        <p:nvSpPr>
+          <p:cNvPr id="8" name="Rectangle Top">
+            <a:extLst>
+              <a:ext uri="{FF2B5EF4-FFF2-40B4-BE49-F238E27FC236}">
+                <a16:creationId xmlns:a16="http://schemas.microsoft.com/office/drawing/2014/main" id="{930E0800-9260-4369-8330-8264DD33C5CE}"/>
               </a:ext>
             </a:extLst>
           </p:cNvPr>
@@ -7904,7 +6944,7 @@
               <a:tabLst/>
               <a:defRPr/>
             </a:pPr>
-            <a:endParaRPr kumimoji="0" lang="en-US" altLang="ko-KR" sz="2398" b="0" i="0" u="none" strike="noStrike" kern="1200" cap="none" spc="0" normalizeH="0" baseline="0" noProof="0" dirty="0">
+            <a:endParaRPr kumimoji="0" lang="en-US" altLang="ko-KR" sz="2398" b="0" i="0" u="none" strike="noStrike" kern="1200" cap="none" spc="0" normalizeH="0" baseline="0" noProof="0">
               <a:ln>
                 <a:noFill/>
               </a:ln>
@@ -7921,224 +6961,12 @@
           </a:p>
         </p:txBody>
       </p:sp>
-      <p:pic>
-        <p:nvPicPr>
-          <p:cNvPr id="10" name="Logo Software University" descr="Software University logo">
+      <p:sp>
+        <p:nvSpPr>
+          <p:cNvPr id="13" name="Slide Title">
             <a:extLst>
               <a:ext uri="{FF2B5EF4-FFF2-40B4-BE49-F238E27FC236}">
-                <a16:creationId xmlns:a16="http://schemas.microsoft.com/office/drawing/2014/main" id="{8C01D7AF-7CBD-46E1-99F3-8EB60E838D91}"/>
-              </a:ext>
-            </a:extLst>
-          </p:cNvPr>
-          <p:cNvPicPr>
-            <a:picLocks noChangeAspect="1"/>
-          </p:cNvPicPr>
-          <p:nvPr userDrawn="1"/>
-        </p:nvPicPr>
-        <p:blipFill>
-          <a:blip r:embed="rId2">
-            <a:extLst>
-              <a:ext uri="{28A0092B-C50C-407E-A947-70E740481C1C}">
-                <a14:useLocalDpi xmlns:a14="http://schemas.microsoft.com/office/drawing/2010/main" val="0"/>
-              </a:ext>
-            </a:extLst>
-          </a:blip>
-          <a:stretch>
-            <a:fillRect/>
-          </a:stretch>
-        </p:blipFill>
-        <p:spPr>
-          <a:xfrm>
-            <a:off x="10067957" y="253936"/>
-            <a:ext cx="1915704" cy="559235"/>
-          </a:xfrm>
-          <a:prstGeom prst="rect">
-            <a:avLst/>
-          </a:prstGeom>
-        </p:spPr>
-      </p:pic>
-      <p:sp>
-        <p:nvSpPr>
-          <p:cNvPr id="17" name="Slide Body Text">
-            <a:extLst>
-              <a:ext uri="{FF2B5EF4-FFF2-40B4-BE49-F238E27FC236}">
-                <a16:creationId xmlns:a16="http://schemas.microsoft.com/office/drawing/2014/main" id="{1E60575F-8475-4C78-97A7-27D7891D2770}"/>
-              </a:ext>
-            </a:extLst>
-          </p:cNvPr>
-          <p:cNvSpPr>
-            <a:spLocks noGrp="1"/>
-          </p:cNvSpPr>
-          <p:nvPr>
-            <p:ph type="body" sz="quarter" idx="12" hasCustomPrompt="1"/>
-          </p:nvPr>
-        </p:nvSpPr>
-        <p:spPr>
-          <a:xfrm>
-            <a:off x="190402" y="1196125"/>
-            <a:ext cx="11818096" cy="5528766"/>
-          </a:xfrm>
-        </p:spPr>
-        <p:txBody>
-          <a:bodyPr/>
-          <a:lstStyle>
-            <a:lvl1pPr latinLnBrk="0">
-              <a:defRPr/>
-            </a:lvl1pPr>
-            <a:lvl2pPr latinLnBrk="0">
-              <a:defRPr/>
-            </a:lvl2pPr>
-            <a:lvl3pPr latinLnBrk="0">
-              <a:defRPr/>
-            </a:lvl3pPr>
-            <a:lvl4pPr latinLnBrk="0">
-              <a:defRPr/>
-            </a:lvl4pPr>
-            <a:lvl5pPr latinLnBrk="0">
-              <a:defRPr/>
-            </a:lvl5pPr>
-          </a:lstStyle>
-          <a:p>
-            <a:pPr lvl="0"/>
-            <a:r>
-              <a:rPr lang="en-US" noProof="0" dirty="0"/>
-              <a:t>This is a code example</a:t>
-            </a:r>
-          </a:p>
-        </p:txBody>
-      </p:sp>
-      <p:sp>
-        <p:nvSpPr>
-          <p:cNvPr id="15" name="Code Box">
-            <a:extLst>
-              <a:ext uri="{FF2B5EF4-FFF2-40B4-BE49-F238E27FC236}">
-                <a16:creationId xmlns:a16="http://schemas.microsoft.com/office/drawing/2014/main" id="{29C63EC2-5578-406B-8C2A-23FDE6C14C82}"/>
-              </a:ext>
-            </a:extLst>
-          </p:cNvPr>
-          <p:cNvSpPr>
-            <a:spLocks noGrp="1"/>
-          </p:cNvSpPr>
-          <p:nvPr>
-            <p:ph type="body" sz="quarter" idx="11" hasCustomPrompt="1"/>
-          </p:nvPr>
-        </p:nvSpPr>
-        <p:spPr>
-          <a:xfrm>
-            <a:off x="674683" y="2034000"/>
-            <a:ext cx="10836275" cy="2318684"/>
-          </a:xfrm>
-          <a:solidFill>
-            <a:schemeClr val="accent6">
-              <a:lumMod val="75000"/>
-              <a:alpha val="15000"/>
-            </a:schemeClr>
-          </a:solidFill>
-          <a:ln w="12700">
-            <a:solidFill>
-              <a:schemeClr val="tx1">
-                <a:lumMod val="50000"/>
-              </a:schemeClr>
-            </a:solidFill>
-          </a:ln>
-        </p:spPr>
-        <p:txBody>
-          <a:bodyPr vert="horz" wrap="square" lIns="144000" tIns="108000" rIns="144000" bIns="108000" rtlCol="0">
-            <a:spAutoFit/>
-          </a:bodyPr>
-          <a:lstStyle>
-            <a:lvl1pPr>
-              <a:lnSpc>
-                <a:spcPct val="110000"/>
-              </a:lnSpc>
-              <a:spcBef>
-                <a:spcPts val="0"/>
-              </a:spcBef>
-              <a:spcAft>
-                <a:spcPts val="0"/>
-              </a:spcAft>
-              <a:buNone/>
-              <a:defRPr lang="en-US" sz="2800" b="1" smtClean="0">
-                <a:latin typeface="Consolas" pitchFamily="49" charset="0"/>
-              </a:defRPr>
-            </a:lvl1pPr>
-            <a:lvl2pPr>
-              <a:defRPr lang="en-US" smtClean="0"/>
-            </a:lvl2pPr>
-            <a:lvl3pPr>
-              <a:defRPr lang="en-US" smtClean="0"/>
-            </a:lvl3pPr>
-            <a:lvl4pPr>
-              <a:defRPr lang="en-US" smtClean="0"/>
-            </a:lvl4pPr>
-            <a:lvl5pPr>
-              <a:defRPr lang="en-US"/>
-            </a:lvl5pPr>
-          </a:lstStyle>
-          <a:p>
-            <a:pPr>
-              <a:spcBef>
-                <a:spcPts val="300"/>
-              </a:spcBef>
-              <a:spcAft>
-                <a:spcPts val="300"/>
-              </a:spcAft>
-            </a:pPr>
-            <a:r>
-              <a:rPr lang="en-US" noProof="1"/>
-              <a:t>Source code box</a:t>
-            </a:r>
-          </a:p>
-          <a:p>
-            <a:pPr>
-              <a:spcBef>
-                <a:spcPts val="300"/>
-              </a:spcBef>
-              <a:spcAft>
-                <a:spcPts val="300"/>
-              </a:spcAft>
-            </a:pPr>
-            <a:r>
-              <a:rPr lang="en-US" noProof="1"/>
-              <a:t>…</a:t>
-            </a:r>
-          </a:p>
-          <a:p>
-            <a:pPr>
-              <a:spcBef>
-                <a:spcPts val="300"/>
-              </a:spcBef>
-              <a:spcAft>
-                <a:spcPts val="300"/>
-              </a:spcAft>
-            </a:pPr>
-            <a:r>
-              <a:rPr lang="en-US" noProof="1"/>
-              <a:t>…</a:t>
-            </a:r>
-          </a:p>
-          <a:p>
-            <a:pPr>
-              <a:spcBef>
-                <a:spcPts val="300"/>
-              </a:spcBef>
-              <a:spcAft>
-                <a:spcPts val="300"/>
-              </a:spcAft>
-            </a:pPr>
-            <a:r>
-              <a:rPr lang="en-US" noProof="1"/>
-              <a:t>…</a:t>
-            </a:r>
-          </a:p>
-        </p:txBody>
-      </p:sp>
-      <p:sp>
-        <p:nvSpPr>
-          <p:cNvPr id="11" name="Slide Title">
-            <a:extLst>
-              <a:ext uri="{FF2B5EF4-FFF2-40B4-BE49-F238E27FC236}">
-                <a16:creationId xmlns:a16="http://schemas.microsoft.com/office/drawing/2014/main" id="{47D60833-F0A9-4F29-8C06-A963A7C8BE93}"/>
+                <a16:creationId xmlns:a16="http://schemas.microsoft.com/office/drawing/2014/main" id="{357D7BE1-6358-42CC-94F3-7BCDD91DCB6D}"/>
               </a:ext>
             </a:extLst>
           </p:cNvPr>
@@ -8152,7 +6980,7 @@
         <p:spPr>
           <a:xfrm>
             <a:off x="190406" y="100750"/>
-            <a:ext cx="9715594" cy="882654"/>
+            <a:ext cx="10270594" cy="882654"/>
           </a:xfrm>
         </p:spPr>
         <p:txBody>
@@ -8169,219 +6997,51 @@
           <a:p>
             <a:r>
               <a:rPr lang="en-US" noProof="0" dirty="0"/>
-              <a:t>Slide Title</a:t>
+              <a:t>Table of Contents</a:t>
             </a:r>
           </a:p>
         </p:txBody>
       </p:sp>
-    </p:spTree>
-    <p:extLst>
-      <p:ext uri="{BB962C8B-B14F-4D97-AF65-F5344CB8AC3E}">
-        <p14:creationId xmlns:p14="http://schemas.microsoft.com/office/powerpoint/2010/main" val="1000829826"/>
-      </p:ext>
-    </p:extLst>
-  </p:cSld>
-  <p:clrMapOvr>
-    <a:masterClrMapping/>
-  </p:clrMapOvr>
-  <mc:AlternateContent xmlns:mc="http://schemas.openxmlformats.org/markup-compatibility/2006" xmlns:p14="http://schemas.microsoft.com/office/powerpoint/2010/main">
-    <mc:Choice Requires="p14">
-      <p:transition spd="slow" p14:dur="2000" advClick="0" advTm="5000"/>
-    </mc:Choice>
-    <mc:Fallback xmlns="">
-      <p:transition spd="slow" advClick="0" advTm="5000"/>
-    </mc:Fallback>
-  </mc:AlternateContent>
-</p:sldLayout>
-</file>
-
-<file path=ppt/slideLayouts/slideLayout9.xml><?xml version="1.0" encoding="utf-8"?>
-<p:sldLayout xmlns:a="http://schemas.openxmlformats.org/drawingml/2006/main" xmlns:r="http://schemas.openxmlformats.org/officeDocument/2006/relationships" xmlns:p="http://schemas.openxmlformats.org/presentationml/2006/main" preserve="1">
-  <p:cSld name="Demo Slide">
-    <p:spTree>
-      <p:nvGrpSpPr>
-        <p:cNvPr id="1" name=""/>
-        <p:cNvGrpSpPr/>
-        <p:nvPr/>
-      </p:nvGrpSpPr>
-      <p:grpSpPr>
-        <a:xfrm>
-          <a:off x="0" y="0"/>
-          <a:ext cx="0" cy="0"/>
-          <a:chOff x="0" y="0"/>
-          <a:chExt cx="0" cy="0"/>
-        </a:xfrm>
-      </p:grpSpPr>
-      <p:sp>
-        <p:nvSpPr>
-          <p:cNvPr id="4" name="Oval Center Icon"/>
-          <p:cNvSpPr>
-            <a:spLocks noChangeAspect="1"/>
-          </p:cNvSpPr>
-          <p:nvPr/>
-        </p:nvSpPr>
+      <p:pic>
+        <p:nvPicPr>
+          <p:cNvPr id="3" name="Picture 2">
+            <a:extLst>
+              <a:ext uri="{FF2B5EF4-FFF2-40B4-BE49-F238E27FC236}">
+                <a16:creationId xmlns:a16="http://schemas.microsoft.com/office/drawing/2014/main" id="{4FD808AB-EC49-1578-0005-D58D2A365AA1}"/>
+              </a:ext>
+            </a:extLst>
+          </p:cNvPr>
+          <p:cNvPicPr>
+            <a:picLocks noChangeAspect="1"/>
+          </p:cNvPicPr>
+          <p:nvPr userDrawn="1"/>
+        </p:nvPicPr>
+        <p:blipFill>
+          <a:blip r:embed="rId2" cstate="print">
+            <a:extLst>
+              <a:ext uri="{28A0092B-C50C-407E-A947-70E740481C1C}">
+                <a14:useLocalDpi xmlns:a14="http://schemas.microsoft.com/office/drawing/2010/main" val="0"/>
+              </a:ext>
+            </a:extLst>
+          </a:blip>
+          <a:stretch>
+            <a:fillRect/>
+          </a:stretch>
+        </p:blipFill>
         <p:spPr>
           <a:xfrm>
-            <a:off x="831000" y="1091471"/>
-            <a:ext cx="3552529" cy="3552529"/>
-          </a:xfrm>
-          <a:prstGeom prst="ellipse">
-            <a:avLst/>
-          </a:prstGeom>
-          <a:solidFill>
-            <a:schemeClr val="tx2"/>
-          </a:solidFill>
-          <a:ln>
-            <a:noFill/>
-          </a:ln>
-        </p:spPr>
-        <p:style>
-          <a:lnRef idx="2">
-            <a:schemeClr val="accent1">
-              <a:shade val="50000"/>
-            </a:schemeClr>
-          </a:lnRef>
-          <a:fillRef idx="1">
-            <a:schemeClr val="accent1"/>
-          </a:fillRef>
-          <a:effectRef idx="0">
-            <a:schemeClr val="accent1"/>
-          </a:effectRef>
-          <a:fontRef idx="minor">
-            <a:schemeClr val="lt1"/>
-          </a:fontRef>
-        </p:style>
-        <p:txBody>
-          <a:bodyPr rtlCol="0" anchor="ctr"/>
-          <a:lstStyle/>
-          <a:p>
-            <a:pPr marL="0" marR="0" lvl="0" indent="0" algn="ctr" defTabSz="913852" rtl="0" eaLnBrk="1" fontAlgn="auto" latinLnBrk="0" hangingPunct="1">
-              <a:lnSpc>
-                <a:spcPct val="100000"/>
-              </a:lnSpc>
-              <a:spcBef>
-                <a:spcPts val="0"/>
-              </a:spcBef>
-              <a:spcAft>
-                <a:spcPts val="0"/>
-              </a:spcAft>
-              <a:buClrTx/>
-              <a:buSzTx/>
-              <a:buFontTx/>
-              <a:buNone/>
-              <a:tabLst/>
-              <a:defRPr/>
-            </a:pPr>
-            <a:endParaRPr kumimoji="0" lang="en-US" altLang="ko-KR" sz="2398" b="0" i="0" u="none" strike="noStrike" kern="1200" cap="none" spc="0" normalizeH="0" baseline="0" noProof="0" dirty="0">
-              <a:ln>
-                <a:noFill/>
-              </a:ln>
-              <a:solidFill>
-                <a:srgbClr val="F7C86D"/>
-              </a:solidFill>
-              <a:effectLst/>
-              <a:uLnTx/>
-              <a:uFillTx/>
-              <a:latin typeface="Calibri" panose="020F0502020204030204"/>
-              <a:ea typeface="맑은 고딕" panose="020B0503020000020004" pitchFamily="34" charset="-127"/>
-              <a:cs typeface="+mn-cs"/>
-            </a:endParaRPr>
-          </a:p>
-        </p:txBody>
-      </p:sp>
-      <p:sp>
-        <p:nvSpPr>
-          <p:cNvPr id="11" name="Slide Subtitle"/>
-          <p:cNvSpPr>
-            <a:spLocks noGrp="1"/>
-          </p:cNvSpPr>
-          <p:nvPr>
-            <p:ph type="subTitle" sz="quarter" idx="11" hasCustomPrompt="1"/>
-          </p:nvPr>
-        </p:nvSpPr>
-        <p:spPr>
-          <a:xfrm>
-            <a:off x="5241000" y="3338387"/>
-            <a:ext cx="6065892" cy="768084"/>
+            <a:off x="10553573" y="368999"/>
+            <a:ext cx="1443361" cy="360001"/>
           </a:xfrm>
           <a:prstGeom prst="rect">
             <a:avLst/>
           </a:prstGeom>
         </p:spPr>
-        <p:txBody>
-          <a:bodyPr anchor="ctr">
-            <a:noAutofit/>
-          </a:bodyPr>
-          <a:lstStyle>
-            <a:lvl1pPr marL="0" indent="0" algn="ctr" latinLnBrk="0">
-              <a:buNone/>
-              <a:defRPr sz="3998" b="0" baseline="0">
-                <a:solidFill>
-                  <a:schemeClr val="tx1"/>
-                </a:solidFill>
-                <a:latin typeface="+mn-lt"/>
-                <a:cs typeface="Arial" pitchFamily="34" charset="0"/>
-              </a:defRPr>
-            </a:lvl1pPr>
-          </a:lstStyle>
-          <a:p>
-            <a:pPr lvl="0"/>
-            <a:r>
-              <a:rPr lang="en-US" noProof="0" dirty="0"/>
-              <a:t>Click to Edit Section Subtitle</a:t>
-            </a:r>
-          </a:p>
-        </p:txBody>
-      </p:sp>
-      <p:sp>
-        <p:nvSpPr>
-          <p:cNvPr id="10" name="Slide Title"/>
-          <p:cNvSpPr>
-            <a:spLocks noGrp="1"/>
-          </p:cNvSpPr>
-          <p:nvPr>
-            <p:ph type="title" sz="quarter" idx="10" hasCustomPrompt="1"/>
-          </p:nvPr>
-        </p:nvSpPr>
-        <p:spPr>
-          <a:xfrm>
-            <a:off x="5241000" y="1471047"/>
-            <a:ext cx="6065892" cy="1754333"/>
-          </a:xfrm>
-          <a:prstGeom prst="rect">
-            <a:avLst/>
-          </a:prstGeom>
-        </p:spPr>
-        <p:txBody>
-          <a:bodyPr anchor="ctr">
-            <a:noAutofit/>
-          </a:bodyPr>
-          <a:lstStyle>
-            <a:lvl1pPr marL="0" indent="0" algn="ctr" latinLnBrk="0">
-              <a:buNone/>
-              <a:defRPr sz="5396" b="1" baseline="0">
-                <a:solidFill>
-                  <a:schemeClr val="tx1"/>
-                </a:solidFill>
-                <a:latin typeface="+mj-lt"/>
-                <a:cs typeface="Arial" pitchFamily="34" charset="0"/>
-              </a:defRPr>
-            </a:lvl1pPr>
-          </a:lstStyle>
-          <a:p>
-            <a:pPr lvl="0"/>
-            <a:r>
-              <a:rPr lang="en-US" noProof="0" dirty="0"/>
-              <a:t>Click to Edit Section Title</a:t>
-            </a:r>
-            <a:endParaRPr lang="en-US" altLang="ko-KR" noProof="0" dirty="0"/>
-          </a:p>
-        </p:txBody>
-      </p:sp>
+      </p:pic>
     </p:spTree>
     <p:extLst>
       <p:ext uri="{BB962C8B-B14F-4D97-AF65-F5344CB8AC3E}">
-        <p14:creationId xmlns:p14="http://schemas.microsoft.com/office/powerpoint/2010/main" val="2423919747"/>
+        <p14:creationId xmlns:p14="http://schemas.microsoft.com/office/powerpoint/2010/main" val="1028724482"/>
       </p:ext>
     </p:extLst>
   </p:cSld>
@@ -8424,35 +7084,6 @@
           <a:chExt cx="0" cy="0"/>
         </a:xfrm>
       </p:grpSpPr>
-      <p:pic>
-        <p:nvPicPr>
-          <p:cNvPr id="4" name="Picture Background" descr="SoftUni Background">
-            <a:extLst>
-              <a:ext uri="{FF2B5EF4-FFF2-40B4-BE49-F238E27FC236}">
-                <a16:creationId xmlns:a16="http://schemas.microsoft.com/office/drawing/2014/main" id="{5BE90A63-DDD9-4B3B-A234-DF69B9BC812F}"/>
-              </a:ext>
-            </a:extLst>
-          </p:cNvPr>
-          <p:cNvPicPr>
-            <a:picLocks noChangeAspect="1"/>
-          </p:cNvPicPr>
-          <p:nvPr userDrawn="1"/>
-        </p:nvPicPr>
-        <p:blipFill rotWithShape="1">
-          <a:blip r:embed="rId15"/>
-          <a:srcRect b="1672"/>
-          <a:stretch/>
-        </p:blipFill>
-        <p:spPr>
-          <a:xfrm>
-            <a:off x="0" y="1"/>
-            <a:ext cx="12192000" cy="6857999"/>
-          </a:xfrm>
-          <a:prstGeom prst="rect">
-            <a:avLst/>
-          </a:prstGeom>
-        </p:spPr>
-      </p:pic>
       <p:sp>
         <p:nvSpPr>
           <p:cNvPr id="11" name="Slide Body Text">
@@ -8569,19 +7200,18 @@
   </p:cSld>
   <p:clrMap bg1="lt1" tx1="dk1" bg2="lt2" tx2="dk2" accent1="accent1" accent2="accent2" accent3="accent3" accent4="accent4" accent5="accent5" accent6="accent6" hlink="hlink" folHlink="folHlink"/>
   <p:sldLayoutIdLst>
-    <p:sldLayoutId id="2147483676" r:id="rId1"/>
+    <p:sldLayoutId id="2147483691" r:id="rId1"/>
     <p:sldLayoutId id="2147483689" r:id="rId2"/>
     <p:sldLayoutId id="2147483681" r:id="rId3"/>
-    <p:sldLayoutId id="2147483677" r:id="rId4"/>
-    <p:sldLayoutId id="2147483679" r:id="rId5"/>
-    <p:sldLayoutId id="2147483680" r:id="rId6"/>
-    <p:sldLayoutId id="2147483688" r:id="rId7"/>
-    <p:sldLayoutId id="2147483684" r:id="rId8"/>
-    <p:sldLayoutId id="2147483690" r:id="rId9"/>
+    <p:sldLayoutId id="2147483679" r:id="rId4"/>
+    <p:sldLayoutId id="2147483680" r:id="rId5"/>
+    <p:sldLayoutId id="2147483688" r:id="rId6"/>
+    <p:sldLayoutId id="2147483684" r:id="rId7"/>
+    <p:sldLayoutId id="2147483690" r:id="rId8"/>
+    <p:sldLayoutId id="2147483677" r:id="rId9"/>
     <p:sldLayoutId id="2147483683" r:id="rId10"/>
     <p:sldLayoutId id="2147483685" r:id="rId11"/>
     <p:sldLayoutId id="2147483686" r:id="rId12"/>
-    <p:sldLayoutId id="2147483687" r:id="rId13"/>
   </p:sldLayoutIdLst>
   <mc:AlternateContent xmlns:mc="http://schemas.openxmlformats.org/markup-compatibility/2006" xmlns:p14="http://schemas.microsoft.com/office/powerpoint/2010/main">
     <mc:Choice Requires="p14">
@@ -8910,7 +7540,80 @@
       </p:grpSpPr>
       <p:sp>
         <p:nvSpPr>
-          <p:cNvPr id="20" name="Text Placeholder 11"/>
+          <p:cNvPr id="21" name="Text Placeholder 6">
+            <a:extLst>
+              <a:ext uri="{FF2B5EF4-FFF2-40B4-BE49-F238E27FC236}">
+                <a16:creationId xmlns:a16="http://schemas.microsoft.com/office/drawing/2014/main" id="{76A05CC2-FC4D-4504-ABD3-8A2DED65D274}"/>
+              </a:ext>
+            </a:extLst>
+          </p:cNvPr>
+          <p:cNvSpPr>
+            <a:spLocks noGrp="1"/>
+          </p:cNvSpPr>
+          <p:nvPr>
+            <p:ph type="body" sz="quarter" idx="22"/>
+          </p:nvPr>
+        </p:nvSpPr>
+        <p:spPr>
+          <a:xfrm>
+            <a:off x="6379867" y="5904000"/>
+            <a:ext cx="5248260" cy="341313"/>
+          </a:xfrm>
+        </p:spPr>
+        <p:txBody>
+          <a:bodyPr/>
+          <a:lstStyle/>
+          <a:p>
+            <a:r>
+              <a:rPr lang="bg-BG" noProof="1"/>
+              <a:t>Софтуерни и хардуерни науки</a:t>
+            </a:r>
+            <a:endParaRPr lang="en-US" dirty="0"/>
+          </a:p>
+        </p:txBody>
+      </p:sp>
+      <p:sp>
+        <p:nvSpPr>
+          <p:cNvPr id="18" name="Text Placeholder 11"/>
+          <p:cNvSpPr>
+            <a:spLocks noGrp="1"/>
+          </p:cNvSpPr>
+          <p:nvPr>
+            <p:ph type="body" sz="quarter" idx="21"/>
+          </p:nvPr>
+        </p:nvSpPr>
+        <p:spPr>
+          <a:xfrm>
+            <a:off x="6374856" y="5529764"/>
+            <a:ext cx="5248260" cy="374236"/>
+          </a:xfrm>
+        </p:spPr>
+        <p:txBody>
+          <a:bodyPr>
+            <a:noAutofit/>
+          </a:bodyPr>
+          <a:lstStyle/>
+          <a:p>
+            <a:r>
+              <a:rPr lang="bg-BG" dirty="0">
+                <a:solidFill>
+                  <a:srgbClr val="234465"/>
+                </a:solidFill>
+              </a:rPr>
+              <a:t>Курс "ООП"</a:t>
+            </a:r>
+          </a:p>
+        </p:txBody>
+      </p:sp>
+      <p:sp>
+        <p:nvSpPr>
+          <p:cNvPr id="20" name="Text Placeholder 3">
+            <a:extLst>
+              <a:ext uri="{FF2B5EF4-FFF2-40B4-BE49-F238E27FC236}">
+                <a16:creationId xmlns:a16="http://schemas.microsoft.com/office/drawing/2014/main" id="{941D5C10-8D10-4D4A-BDC4-202C30EAED2F}"/>
+              </a:ext>
+            </a:extLst>
+          </p:cNvPr>
           <p:cNvSpPr>
             <a:spLocks noGrp="1"/>
           </p:cNvSpPr>
@@ -8920,8 +7623,8 @@
         </p:nvSpPr>
         <p:spPr>
           <a:xfrm>
-            <a:off x="8708505" y="6130863"/>
-            <a:ext cx="2951518" cy="341556"/>
+            <a:off x="534045" y="6039000"/>
+            <a:ext cx="4751953" cy="341556"/>
           </a:xfrm>
         </p:spPr>
         <p:txBody>
@@ -8932,15 +7635,15 @@
               <a:rPr lang="en-US" dirty="0">
                 <a:hlinkClick r:id="rId3"/>
               </a:rPr>
-              <a:t>https://softuni.bg</a:t>
-            </a:r>
-            <a:endParaRPr lang="en-US" dirty="0"/>
+              <a:t>https://github.com/BG-IT-Edu</a:t>
+            </a:r>
+            <a:endParaRPr lang="bg-BG" dirty="0"/>
           </a:p>
         </p:txBody>
       </p:sp>
       <p:sp>
         <p:nvSpPr>
-          <p:cNvPr id="19" name="Text Placeholder 10"/>
+          <p:cNvPr id="19" name="Text Placeholder 9"/>
           <p:cNvSpPr>
             <a:spLocks noGrp="1"/>
           </p:cNvSpPr>
@@ -8950,8 +7653,8 @@
         </p:nvSpPr>
         <p:spPr>
           <a:xfrm>
-            <a:off x="8708505" y="5756628"/>
-            <a:ext cx="2951518" cy="367080"/>
+            <a:off x="534046" y="5229000"/>
+            <a:ext cx="4751954" cy="724904"/>
           </a:xfrm>
         </p:spPr>
         <p:txBody>
@@ -8959,74 +7662,12 @@
           <a:lstStyle/>
           <a:p>
             <a:r>
-              <a:rPr lang="en-US" dirty="0"/>
-              <a:t>Software University</a:t>
-            </a:r>
-          </a:p>
-        </p:txBody>
-      </p:sp>
-      <p:sp>
-        <p:nvSpPr>
-          <p:cNvPr id="18" name="Text Placeholder 7"/>
-          <p:cNvSpPr>
-            <a:spLocks noGrp="1"/>
-          </p:cNvSpPr>
-          <p:nvPr>
-            <p:ph type="body" sz="quarter" idx="20"/>
-          </p:nvPr>
-        </p:nvSpPr>
-        <p:spPr>
-          <a:xfrm>
-            <a:off x="553082" y="5344180"/>
-            <a:ext cx="2980696" cy="444793"/>
-          </a:xfrm>
-        </p:spPr>
-        <p:txBody>
-          <a:bodyPr>
-            <a:normAutofit/>
-          </a:bodyPr>
-          <a:lstStyle/>
-          <a:p>
-            <a:r>
-              <a:rPr lang="bg-BG" dirty="0"/>
-              <a:t>       </a:t>
-            </a:r>
-            <a:r>
-              <a:rPr lang="en-US" dirty="0"/>
-              <a:t>Technical Trainers</a:t>
-            </a:r>
-          </a:p>
-        </p:txBody>
-      </p:sp>
-      <p:sp>
-        <p:nvSpPr>
-          <p:cNvPr id="17" name="Text Placeholder 6"/>
-          <p:cNvSpPr>
-            <a:spLocks noGrp="1"/>
-          </p:cNvSpPr>
-          <p:nvPr>
-            <p:ph type="body" sz="quarter" idx="19"/>
-          </p:nvPr>
-        </p:nvSpPr>
-        <p:spPr>
-          <a:xfrm>
-            <a:off x="553082" y="4851838"/>
-            <a:ext cx="2980696" cy="454398"/>
-          </a:xfrm>
-        </p:spPr>
-        <p:txBody>
-          <a:bodyPr>
-            <a:normAutofit fontScale="92500" lnSpcReduction="10000"/>
-          </a:bodyPr>
-          <a:lstStyle/>
-          <a:p>
-            <a:r>
-              <a:rPr lang="bg-BG" dirty="0"/>
-              <a:t>      </a:t>
-            </a:r>
-            <a:r>
-              <a:rPr lang="en-US" dirty="0"/>
-              <a:t>SoftUni Team</a:t>
+              <a:rPr lang="bg-BG" dirty="0">
+                <a:solidFill>
+                  <a:schemeClr val="tx1"/>
+                </a:solidFill>
+              </a:rPr>
+              <a:t>Проект "Отворено учебно съдържание по програмиране и ИТ", СофтУни Фондация</a:t>
             </a:r>
           </a:p>
         </p:txBody>
@@ -9043,8 +7684,8 @@
         </p:nvSpPr>
         <p:spPr>
           <a:xfrm>
-            <a:off x="1056002" y="1304550"/>
-            <a:ext cx="10079998" cy="1314450"/>
+            <a:off x="554746" y="1269000"/>
+            <a:ext cx="11083636" cy="1236558"/>
           </a:xfrm>
         </p:spPr>
         <p:txBody>
@@ -9078,12 +7719,7 @@
             <p:ph type="title"/>
           </p:nvPr>
         </p:nvSpPr>
-        <p:spPr>
-          <a:xfrm>
-            <a:off x="554182" y="321502"/>
-            <a:ext cx="11083636" cy="882654"/>
-          </a:xfrm>
-        </p:spPr>
+        <p:spPr/>
         <p:txBody>
           <a:bodyPr>
             <a:normAutofit/>
@@ -9091,76 +7727,29 @@
           <a:lstStyle/>
           <a:p>
             <a:r>
-              <a:rPr lang="bg-BG" dirty="0"/>
-              <a:t>Капсулация – продължение</a:t>
+              <a:rPr lang="bg-BG" sz="5400" dirty="0"/>
+              <a:t>Капсулация</a:t>
             </a:r>
             <a:endParaRPr lang="en-US" dirty="0"/>
-          </a:p>
-        </p:txBody>
-      </p:sp>
-      <p:sp>
-        <p:nvSpPr>
-          <p:cNvPr id="11" name="TextBox 10"/>
-          <p:cNvSpPr txBox="1"/>
-          <p:nvPr/>
-        </p:nvSpPr>
-        <p:spPr>
-          <a:xfrm rot="18702437">
-            <a:off x="4456998" y="4084014"/>
-            <a:ext cx="1688043" cy="668361"/>
-          </a:xfrm>
-          <a:prstGeom prst="rect">
-            <a:avLst/>
-          </a:prstGeom>
-          <a:noFill/>
-          <a:ln w="12700">
-            <a:noFill/>
-          </a:ln>
-        </p:spPr>
-        <p:txBody>
-          <a:bodyPr vert="horz" wrap="square" lIns="144000" tIns="108000" rIns="144000" bIns="108000" rtlCol="0">
-            <a:spAutoFit/>
-          </a:bodyPr>
-          <a:lstStyle/>
-          <a:p>
-            <a:pPr algn="l" eaLnBrk="0" hangingPunct="0">
-              <a:lnSpc>
-                <a:spcPct val="110000"/>
-              </a:lnSpc>
-              <a:buClr>
-                <a:schemeClr val="accent5">
-                  <a:lumMod val="40000"/>
-                  <a:lumOff val="60000"/>
-                </a:schemeClr>
-              </a:buClr>
-              <a:buSzPct val="70000"/>
-            </a:pPr>
-            <a:r>
-              <a:rPr lang="en-US" sz="2800" b="1" dirty="0">
-                <a:solidFill>
-                  <a:schemeClr val="bg2"/>
-                </a:solidFill>
-              </a:rPr>
-              <a:t>variables</a:t>
-            </a:r>
-            <a:endParaRPr lang="bg-BG" sz="2800" b="1" dirty="0">
-              <a:solidFill>
-                <a:schemeClr val="bg2"/>
-              </a:solidFill>
-            </a:endParaRPr>
           </a:p>
         </p:txBody>
       </p:sp>
       <p:pic>
         <p:nvPicPr>
-          <p:cNvPr id="2" name="Picture 1"/>
+          <p:cNvPr id="8" name="Picture 7" descr="A green and blue rectangular sign with white text&#10;&#10;Description automatically generated">
+            <a:extLst>
+              <a:ext uri="{FF2B5EF4-FFF2-40B4-BE49-F238E27FC236}">
+                <a16:creationId xmlns:a16="http://schemas.microsoft.com/office/drawing/2014/main" id="{75312D09-226E-6C55-27BB-461591B94F24}"/>
+              </a:ext>
+            </a:extLst>
+          </p:cNvPr>
           <p:cNvPicPr>
             <a:picLocks noChangeAspect="1"/>
           </p:cNvPicPr>
           <p:nvPr/>
         </p:nvPicPr>
         <p:blipFill>
-          <a:blip r:embed="rId4" cstate="print">
+          <a:blip r:embed="rId4">
             <a:extLst>
               <a:ext uri="{28A0092B-C50C-407E-A947-70E740481C1C}">
                 <a14:useLocalDpi xmlns:a14="http://schemas.microsoft.com/office/drawing/2010/main" val="0"/>
@@ -9173,8 +7762,44 @@
         </p:blipFill>
         <p:spPr>
           <a:xfrm>
-            <a:off x="4946278" y="2808710"/>
-            <a:ext cx="2299443" cy="2299443"/>
+            <a:off x="449311" y="2980813"/>
+            <a:ext cx="1956689" cy="988187"/>
+          </a:xfrm>
+          <a:prstGeom prst="rect">
+            <a:avLst/>
+          </a:prstGeom>
+        </p:spPr>
+      </p:pic>
+      <p:pic>
+        <p:nvPicPr>
+          <p:cNvPr id="3" name="Picture 2">
+            <a:extLst>
+              <a:ext uri="{FF2B5EF4-FFF2-40B4-BE49-F238E27FC236}">
+                <a16:creationId xmlns:a16="http://schemas.microsoft.com/office/drawing/2014/main" id="{64928694-AE2E-93EE-A11C-46074B970B51}"/>
+              </a:ext>
+            </a:extLst>
+          </p:cNvPr>
+          <p:cNvPicPr>
+            <a:picLocks noChangeAspect="1"/>
+          </p:cNvPicPr>
+          <p:nvPr/>
+        </p:nvPicPr>
+        <p:blipFill>
+          <a:blip r:embed="rId5" cstate="print">
+            <a:extLst>
+              <a:ext uri="{28A0092B-C50C-407E-A947-70E740481C1C}">
+                <a14:useLocalDpi xmlns:a14="http://schemas.microsoft.com/office/drawing/2010/main" val="0"/>
+              </a:ext>
+            </a:extLst>
+          </a:blip>
+          <a:stretch>
+            <a:fillRect/>
+          </a:stretch>
+        </p:blipFill>
+        <p:spPr>
+          <a:xfrm>
+            <a:off x="9532714" y="2763786"/>
+            <a:ext cx="2090402" cy="2090402"/>
           </a:xfrm>
           <a:prstGeom prst="rect">
             <a:avLst/>
@@ -9184,7 +7809,7 @@
     </p:spTree>
     <p:extLst>
       <p:ext uri="{BB962C8B-B14F-4D97-AF65-F5344CB8AC3E}">
-        <p14:creationId xmlns:p14="http://schemas.microsoft.com/office/powerpoint/2010/main" val="3329822631"/>
+        <p14:creationId xmlns:p14="http://schemas.microsoft.com/office/powerpoint/2010/main" val="2637781195"/>
       </p:ext>
     </p:extLst>
   </p:cSld>
@@ -9264,7 +7889,11 @@
                   <a:schemeClr val="bg1"/>
                 </a:solidFill>
               </a:rPr>
-              <a:t> (частните променими)</a:t>
+              <a:t> </a:t>
+            </a:r>
+            <a:r>
+              <a:rPr lang="bg-BG" dirty="0"/>
+              <a:t>(частни променими)</a:t>
             </a:r>
             <a:r>
               <a:rPr lang="en-US" dirty="0"/>
@@ -9272,15 +7901,7 @@
             </a:r>
             <a:r>
               <a:rPr lang="bg-BG" dirty="0"/>
-              <a:t>полета</a:t>
-            </a:r>
-            <a:r>
-              <a:rPr lang="en-US" dirty="0"/>
-              <a:t> </a:t>
-            </a:r>
-            <a:r>
-              <a:rPr lang="bg-BG" dirty="0"/>
-              <a:t>все още </a:t>
+              <a:t>полета – все още </a:t>
             </a:r>
             <a:r>
               <a:rPr lang="bg-BG" b="1" dirty="0">
@@ -9634,10 +8255,10 @@
       </p:sp>
       <p:sp>
         <p:nvSpPr>
-          <p:cNvPr id="7" name="Slide Number">
+          <p:cNvPr id="3" name="Slide Number">
             <a:extLst>
               <a:ext uri="{FF2B5EF4-FFF2-40B4-BE49-F238E27FC236}">
-                <a16:creationId xmlns:a16="http://schemas.microsoft.com/office/drawing/2014/main" id="{9DD5FE77-4D29-48B8-BC71-EDBB3C9D6A47}"/>
+                <a16:creationId xmlns:a16="http://schemas.microsoft.com/office/drawing/2014/main" id="{B49A7816-F7C2-CC77-0DE1-E3A7121241B8}"/>
               </a:ext>
             </a:extLst>
           </p:cNvPr>
@@ -9677,7 +8298,7 @@
     </p:spTree>
     <p:extLst>
       <p:ext uri="{BB962C8B-B14F-4D97-AF65-F5344CB8AC3E}">
-        <p14:creationId xmlns:p14="http://schemas.microsoft.com/office/powerpoint/2010/main" val="2835739147"/>
+        <p14:creationId xmlns:p14="http://schemas.microsoft.com/office/powerpoint/2010/main" val="3583197556"/>
       </p:ext>
     </p:extLst>
   </p:cSld>
@@ -9899,7 +8520,7 @@
           <a:p>
             <a:r>
               <a:rPr lang="bg-BG" dirty="0"/>
-              <a:t>Енкапсулация на променими полета</a:t>
+              <a:t>Капсулация на променими полета</a:t>
             </a:r>
           </a:p>
         </p:txBody>
@@ -10236,10 +8857,10 @@
       </p:sp>
       <p:sp>
         <p:nvSpPr>
-          <p:cNvPr id="7" name="Slide Number">
+          <p:cNvPr id="3" name="Slide Number">
             <a:extLst>
               <a:ext uri="{FF2B5EF4-FFF2-40B4-BE49-F238E27FC236}">
-                <a16:creationId xmlns:a16="http://schemas.microsoft.com/office/drawing/2014/main" id="{FED0E4B0-5CC4-402A-8110-7204DB78A034}"/>
+                <a16:creationId xmlns:a16="http://schemas.microsoft.com/office/drawing/2014/main" id="{F7A3A0B1-9066-B36B-6376-4293BA7784BE}"/>
               </a:ext>
             </a:extLst>
           </p:cNvPr>
@@ -10279,7 +8900,7 @@
     </p:spTree>
     <p:extLst>
       <p:ext uri="{BB962C8B-B14F-4D97-AF65-F5344CB8AC3E}">
-        <p14:creationId xmlns:p14="http://schemas.microsoft.com/office/powerpoint/2010/main" val="3047159453"/>
+        <p14:creationId xmlns:p14="http://schemas.microsoft.com/office/powerpoint/2010/main" val="3268319952"/>
       </p:ext>
     </p:extLst>
   </p:cSld>
@@ -11144,13 +9765,18 @@
               </a:buClr>
             </a:pPr>
             <a:r>
-              <a:rPr lang="bg-BG" sz="3600" dirty="0">
+              <a:rPr lang="bg-BG" sz="3400" dirty="0">
                 <a:solidFill>
                   <a:schemeClr val="bg2"/>
                 </a:solidFill>
               </a:rPr>
-              <a:t>Модификатори за достъп</a:t>
-            </a:r>
+              <a:t>Вериги от изключения</a:t>
+            </a:r>
+            <a:endParaRPr lang="en-US" sz="3400" dirty="0">
+              <a:solidFill>
+                <a:schemeClr val="bg2"/>
+              </a:solidFill>
+            </a:endParaRPr>
           </a:p>
           <a:p>
             <a:pPr>
@@ -11162,32 +9788,9 @@
               </a:buClr>
             </a:pPr>
             <a:r>
-              <a:rPr lang="bg-BG" sz="3400" dirty="0">
-                <a:solidFill>
-                  <a:schemeClr val="bg2"/>
-                </a:solidFill>
-              </a:rPr>
-              <a:t>Вериги от изключения</a:t>
-            </a:r>
-            <a:endParaRPr lang="en-US" sz="3400" dirty="0">
-              <a:solidFill>
-                <a:schemeClr val="bg2"/>
-              </a:solidFill>
-            </a:endParaRPr>
-          </a:p>
-          <a:p>
-            <a:pPr>
-              <a:lnSpc>
-                <a:spcPct val="100000"/>
-              </a:lnSpc>
-              <a:buClr>
-                <a:schemeClr val="bg2"/>
-              </a:buClr>
-            </a:pPr>
-            <a:r>
               <a:rPr lang="bg-BG" sz="3600" b="1" dirty="0">
                 <a:solidFill>
-                  <a:schemeClr val="bg1">
+                  <a:schemeClr val="accent1">
                     <a:lumMod val="60000"/>
                     <a:lumOff val="40000"/>
                   </a:schemeClr>
@@ -11225,7 +9828,7 @@
             <a:r>
               <a:rPr lang="bg-BG" sz="3600" b="1" dirty="0">
                 <a:solidFill>
-                  <a:schemeClr val="bg1">
+                  <a:schemeClr val="accent1">
                     <a:lumMod val="60000"/>
                     <a:lumOff val="40000"/>
                   </a:schemeClr>
@@ -11272,574 +9875,616 @@
           </a:p>
         </p:txBody>
       </p:sp>
-      <p:sp>
-        <p:nvSpPr>
-          <p:cNvPr id="29" name="Oval 28"/>
-          <p:cNvSpPr/>
-          <p:nvPr/>
-        </p:nvSpPr>
-        <p:spPr bwMode="auto">
-          <a:xfrm>
-            <a:off x="1014117" y="3998001"/>
-            <a:ext cx="405000" cy="381993"/>
-          </a:xfrm>
-          <a:prstGeom prst="ellipse">
-            <a:avLst/>
-          </a:prstGeom>
-          <a:ln/>
-        </p:spPr>
-        <p:style>
-          <a:lnRef idx="1">
-            <a:schemeClr val="accent2"/>
-          </a:lnRef>
-          <a:fillRef idx="2">
-            <a:schemeClr val="accent2"/>
-          </a:fillRef>
-          <a:effectRef idx="1">
-            <a:schemeClr val="accent2"/>
-          </a:effectRef>
-          <a:fontRef idx="minor">
-            <a:schemeClr val="dk1"/>
-          </a:fontRef>
-        </p:style>
-        <p:txBody>
-          <a:bodyPr rot="0" spcFirstLastPara="0" vertOverflow="overflow" horzOverflow="overflow" vert="horz" wrap="square" lIns="91440" tIns="45720" rIns="91440" bIns="45720" numCol="1" spcCol="0" rtlCol="0" fromWordArt="0" anchor="ctr" anchorCtr="0" forceAA="0" compatLnSpc="1">
-            <a:prstTxWarp prst="textNoShape">
-              <a:avLst/>
-            </a:prstTxWarp>
-            <a:noAutofit/>
-          </a:bodyPr>
-          <a:lstStyle/>
-          <a:p>
-            <a:pPr algn="ctr"/>
-            <a:r>
-              <a:rPr lang="en-US" sz="2400" b="1" dirty="0">
-                <a:solidFill>
-                  <a:schemeClr val="tx1"/>
-                </a:solidFill>
-                <a:effectLst>
-                  <a:outerShdw blurRad="38100" dist="38100" dir="2700000" algn="tl">
-                    <a:srgbClr val="000000">
-                      <a:alpha val="43137"/>
-                    </a:srgbClr>
-                  </a:outerShdw>
-                </a:effectLst>
-              </a:rPr>
-              <a:t>X</a:t>
-            </a:r>
-          </a:p>
-        </p:txBody>
-      </p:sp>
-      <p:sp>
-        <p:nvSpPr>
-          <p:cNvPr id="30" name="Oval 29"/>
-          <p:cNvSpPr/>
-          <p:nvPr/>
-        </p:nvSpPr>
-        <p:spPr bwMode="auto">
-          <a:xfrm>
-            <a:off x="1014617" y="4448001"/>
-            <a:ext cx="405000" cy="381993"/>
-          </a:xfrm>
-          <a:prstGeom prst="ellipse">
-            <a:avLst/>
-          </a:prstGeom>
-          <a:ln/>
-        </p:spPr>
-        <p:style>
-          <a:lnRef idx="1">
-            <a:schemeClr val="accent1"/>
-          </a:lnRef>
-          <a:fillRef idx="2">
-            <a:schemeClr val="accent1"/>
-          </a:fillRef>
-          <a:effectRef idx="1">
-            <a:schemeClr val="accent1"/>
-          </a:effectRef>
-          <a:fontRef idx="minor">
-            <a:schemeClr val="dk1"/>
-          </a:fontRef>
-        </p:style>
-        <p:txBody>
-          <a:bodyPr rot="0" spcFirstLastPara="0" vertOverflow="overflow" horzOverflow="overflow" vert="horz" wrap="square" lIns="91440" tIns="45720" rIns="91440" bIns="45720" numCol="1" spcCol="0" rtlCol="0" fromWordArt="0" anchor="ctr" anchorCtr="0" forceAA="0" compatLnSpc="1">
-            <a:prstTxWarp prst="textNoShape">
-              <a:avLst/>
-            </a:prstTxWarp>
-            <a:noAutofit/>
-          </a:bodyPr>
-          <a:lstStyle/>
-          <a:p>
-            <a:pPr algn="ctr"/>
-            <a:r>
-              <a:rPr lang="en-US" sz="2400" b="1" dirty="0">
-                <a:solidFill>
-                  <a:schemeClr val="tx1"/>
-                </a:solidFill>
-                <a:effectLst>
-                  <a:outerShdw blurRad="38100" dist="38100" dir="2700000" algn="tl">
-                    <a:srgbClr val="000000">
-                      <a:alpha val="43137"/>
-                    </a:srgbClr>
-                  </a:outerShdw>
-                </a:effectLst>
-              </a:rPr>
-              <a:t>Y</a:t>
-            </a:r>
-          </a:p>
-        </p:txBody>
-      </p:sp>
-      <p:sp>
-        <p:nvSpPr>
-          <p:cNvPr id="31" name="Rounded Rectangle 30"/>
-          <p:cNvSpPr/>
-          <p:nvPr/>
-        </p:nvSpPr>
-        <p:spPr bwMode="auto">
-          <a:xfrm>
-            <a:off x="2249167" y="3998001"/>
-            <a:ext cx="1530000" cy="381993"/>
-          </a:xfrm>
-          <a:prstGeom prst="roundRect">
-            <a:avLst/>
-          </a:prstGeom>
-          <a:ln/>
-        </p:spPr>
-        <p:style>
-          <a:lnRef idx="2">
-            <a:schemeClr val="accent6">
-              <a:shade val="50000"/>
-            </a:schemeClr>
-          </a:lnRef>
-          <a:fillRef idx="1">
-            <a:schemeClr val="accent6"/>
-          </a:fillRef>
-          <a:effectRef idx="0">
-            <a:schemeClr val="accent6"/>
-          </a:effectRef>
-          <a:fontRef idx="minor">
-            <a:schemeClr val="lt1"/>
-          </a:fontRef>
-        </p:style>
-        <p:txBody>
-          <a:bodyPr rot="0" spcFirstLastPara="0" vertOverflow="overflow" horzOverflow="overflow" vert="horz" wrap="square" lIns="91440" tIns="45720" rIns="91440" bIns="45720" numCol="1" spcCol="0" rtlCol="0" fromWordArt="0" anchor="ctr" anchorCtr="0" forceAA="0" compatLnSpc="1">
-            <a:prstTxWarp prst="textNoShape">
-              <a:avLst/>
-            </a:prstTxWarp>
-            <a:noAutofit/>
-          </a:bodyPr>
-          <a:lstStyle/>
-          <a:p>
-            <a:pPr algn="ctr"/>
-            <a:r>
-              <a:rPr lang="en-US" sz="2800" dirty="0">
-                <a:ln w="0"/>
-                <a:solidFill>
-                  <a:schemeClr val="tx1"/>
-                </a:solidFill>
-                <a:effectLst>
-                  <a:outerShdw blurRad="38100" dist="19050" dir="2700000" algn="tl" rotWithShape="0">
-                    <a:schemeClr val="dk1">
-                      <a:alpha val="40000"/>
-                    </a:schemeClr>
-                  </a:outerShdw>
-                </a:effectLst>
-              </a:rPr>
-              <a:t>I love C#</a:t>
-            </a:r>
-          </a:p>
-        </p:txBody>
-      </p:sp>
-      <p:sp>
-        <p:nvSpPr>
-          <p:cNvPr id="32" name="Rounded Rectangle 31"/>
-          <p:cNvSpPr/>
-          <p:nvPr/>
-        </p:nvSpPr>
-        <p:spPr bwMode="auto">
-          <a:xfrm>
-            <a:off x="2249167" y="4448001"/>
-            <a:ext cx="1530000" cy="381993"/>
-          </a:xfrm>
-          <a:prstGeom prst="roundRect">
-            <a:avLst/>
-          </a:prstGeom>
-          <a:ln/>
-        </p:spPr>
-        <p:style>
-          <a:lnRef idx="2">
-            <a:schemeClr val="accent6">
-              <a:shade val="50000"/>
-            </a:schemeClr>
-          </a:lnRef>
-          <a:fillRef idx="1">
-            <a:schemeClr val="accent6"/>
-          </a:fillRef>
-          <a:effectRef idx="0">
-            <a:schemeClr val="accent6"/>
-          </a:effectRef>
-          <a:fontRef idx="minor">
-            <a:schemeClr val="lt1"/>
-          </a:fontRef>
-        </p:style>
-        <p:txBody>
-          <a:bodyPr rot="0" spcFirstLastPara="0" vertOverflow="overflow" horzOverflow="overflow" vert="horz" wrap="square" lIns="91440" tIns="45720" rIns="91440" bIns="45720" numCol="1" spcCol="0" rtlCol="0" fromWordArt="0" anchor="ctr" anchorCtr="0" forceAA="0" compatLnSpc="1">
-            <a:prstTxWarp prst="textNoShape">
-              <a:avLst/>
-            </a:prstTxWarp>
-            <a:noAutofit/>
-          </a:bodyPr>
-          <a:lstStyle/>
-          <a:p>
-            <a:pPr algn="ctr"/>
-            <a:r>
-              <a:rPr lang="en-US" sz="2800" dirty="0">
-                <a:ln w="0"/>
-                <a:solidFill>
-                  <a:schemeClr val="tx1"/>
-                </a:solidFill>
-                <a:effectLst>
-                  <a:outerShdw blurRad="38100" dist="19050" dir="2700000" algn="tl" rotWithShape="0">
-                    <a:schemeClr val="dk1">
-                      <a:alpha val="40000"/>
-                    </a:schemeClr>
-                  </a:outerShdw>
-                </a:effectLst>
-              </a:rPr>
-              <a:t>I love C#</a:t>
-            </a:r>
-          </a:p>
-        </p:txBody>
-      </p:sp>
-      <p:cxnSp>
-        <p:nvCxnSpPr>
-          <p:cNvPr id="33" name="Straight Arrow Connector 32"/>
-          <p:cNvCxnSpPr>
-            <a:stCxn id="29" idx="6"/>
-            <a:endCxn id="31" idx="1"/>
-          </p:cNvCxnSpPr>
-          <p:nvPr/>
-        </p:nvCxnSpPr>
-        <p:spPr>
-          <a:xfrm>
-            <a:off x="1419117" y="4188998"/>
-            <a:ext cx="830050" cy="0"/>
-          </a:xfrm>
-          <a:prstGeom prst="straightConnector1">
-            <a:avLst/>
-          </a:prstGeom>
-          <a:ln>
-            <a:headEnd type="none" w="med" len="med"/>
-            <a:tailEnd type="arrow" w="med" len="med"/>
-          </a:ln>
-        </p:spPr>
-        <p:style>
-          <a:lnRef idx="3">
-            <a:schemeClr val="accent6"/>
-          </a:lnRef>
-          <a:fillRef idx="0">
-            <a:schemeClr val="accent6"/>
-          </a:fillRef>
-          <a:effectRef idx="2">
-            <a:schemeClr val="accent6"/>
-          </a:effectRef>
-          <a:fontRef idx="minor">
-            <a:schemeClr val="tx1"/>
-          </a:fontRef>
-        </p:style>
-      </p:cxnSp>
-      <p:cxnSp>
-        <p:nvCxnSpPr>
-          <p:cNvPr id="34" name="Straight Arrow Connector 33"/>
-          <p:cNvCxnSpPr>
-            <a:cxnSpLocks/>
-          </p:cNvCxnSpPr>
-          <p:nvPr/>
-        </p:nvCxnSpPr>
-        <p:spPr>
-          <a:xfrm>
-            <a:off x="1439167" y="4649104"/>
-            <a:ext cx="810000" cy="0"/>
-          </a:xfrm>
-          <a:prstGeom prst="straightConnector1">
-            <a:avLst/>
-          </a:prstGeom>
-          <a:ln>
-            <a:headEnd type="none" w="med" len="med"/>
-            <a:tailEnd type="arrow" w="med" len="med"/>
-          </a:ln>
-        </p:spPr>
-        <p:style>
-          <a:lnRef idx="3">
-            <a:schemeClr val="accent6"/>
-          </a:lnRef>
-          <a:fillRef idx="0">
-            <a:schemeClr val="accent6"/>
-          </a:fillRef>
-          <a:effectRef idx="2">
-            <a:schemeClr val="accent6"/>
-          </a:effectRef>
-          <a:fontRef idx="minor">
-            <a:schemeClr val="tx1"/>
-          </a:fontRef>
-        </p:style>
-      </p:cxnSp>
-      <p:sp>
-        <p:nvSpPr>
-          <p:cNvPr id="36" name="Oval 35"/>
-          <p:cNvSpPr/>
-          <p:nvPr/>
-        </p:nvSpPr>
-        <p:spPr bwMode="auto">
-          <a:xfrm>
-            <a:off x="4724010" y="4003004"/>
-            <a:ext cx="405000" cy="381993"/>
-          </a:xfrm>
-          <a:prstGeom prst="ellipse">
-            <a:avLst/>
-          </a:prstGeom>
-          <a:ln/>
-        </p:spPr>
-        <p:style>
-          <a:lnRef idx="1">
-            <a:schemeClr val="accent2"/>
-          </a:lnRef>
-          <a:fillRef idx="2">
-            <a:schemeClr val="accent2"/>
-          </a:fillRef>
-          <a:effectRef idx="1">
-            <a:schemeClr val="accent2"/>
-          </a:effectRef>
-          <a:fontRef idx="minor">
-            <a:schemeClr val="dk1"/>
-          </a:fontRef>
-        </p:style>
-        <p:txBody>
-          <a:bodyPr rot="0" spcFirstLastPara="0" vertOverflow="overflow" horzOverflow="overflow" vert="horz" wrap="square" lIns="91440" tIns="45720" rIns="91440" bIns="45720" numCol="1" spcCol="0" rtlCol="0" fromWordArt="0" anchor="ctr" anchorCtr="0" forceAA="0" compatLnSpc="1">
-            <a:prstTxWarp prst="textNoShape">
-              <a:avLst/>
-            </a:prstTxWarp>
-            <a:noAutofit/>
-          </a:bodyPr>
-          <a:lstStyle/>
-          <a:p>
-            <a:pPr algn="ctr"/>
-            <a:r>
-              <a:rPr lang="en-US" sz="2400" b="1" dirty="0">
-                <a:solidFill>
-                  <a:schemeClr val="tx1"/>
-                </a:solidFill>
-                <a:effectLst>
-                  <a:outerShdw blurRad="38100" dist="38100" dir="2700000" algn="tl">
-                    <a:srgbClr val="000000">
-                      <a:alpha val="43137"/>
-                    </a:srgbClr>
-                  </a:outerShdw>
-                </a:effectLst>
-              </a:rPr>
-              <a:t>X</a:t>
-            </a:r>
-          </a:p>
-        </p:txBody>
-      </p:sp>
-      <p:sp>
-        <p:nvSpPr>
-          <p:cNvPr id="37" name="Oval 36"/>
-          <p:cNvSpPr/>
-          <p:nvPr/>
-        </p:nvSpPr>
-        <p:spPr bwMode="auto">
-          <a:xfrm>
-            <a:off x="4724010" y="4453004"/>
-            <a:ext cx="405000" cy="381993"/>
-          </a:xfrm>
-          <a:prstGeom prst="ellipse">
-            <a:avLst/>
-          </a:prstGeom>
-          <a:ln/>
-        </p:spPr>
-        <p:style>
-          <a:lnRef idx="1">
-            <a:schemeClr val="accent1"/>
-          </a:lnRef>
-          <a:fillRef idx="2">
-            <a:schemeClr val="accent1"/>
-          </a:fillRef>
-          <a:effectRef idx="1">
-            <a:schemeClr val="accent1"/>
-          </a:effectRef>
-          <a:fontRef idx="minor">
-            <a:schemeClr val="dk1"/>
-          </a:fontRef>
-        </p:style>
-        <p:txBody>
-          <a:bodyPr rot="0" spcFirstLastPara="0" vertOverflow="overflow" horzOverflow="overflow" vert="horz" wrap="square" lIns="91440" tIns="45720" rIns="91440" bIns="45720" numCol="1" spcCol="0" rtlCol="0" fromWordArt="0" anchor="ctr" anchorCtr="0" forceAA="0" compatLnSpc="1">
-            <a:prstTxWarp prst="textNoShape">
-              <a:avLst/>
-            </a:prstTxWarp>
-            <a:noAutofit/>
-          </a:bodyPr>
-          <a:lstStyle/>
-          <a:p>
-            <a:pPr algn="ctr"/>
-            <a:r>
-              <a:rPr lang="en-US" sz="2400" b="1" dirty="0">
-                <a:solidFill>
-                  <a:schemeClr val="tx1"/>
-                </a:solidFill>
-                <a:effectLst>
-                  <a:outerShdw blurRad="38100" dist="38100" dir="2700000" algn="tl">
-                    <a:srgbClr val="000000">
-                      <a:alpha val="43137"/>
-                    </a:srgbClr>
-                  </a:outerShdw>
-                </a:effectLst>
-              </a:rPr>
-              <a:t>Y</a:t>
-            </a:r>
-          </a:p>
-        </p:txBody>
-      </p:sp>
-      <p:sp>
-        <p:nvSpPr>
-          <p:cNvPr id="38" name="Rounded Rectangle 37"/>
-          <p:cNvSpPr/>
-          <p:nvPr/>
-        </p:nvSpPr>
-        <p:spPr bwMode="auto">
-          <a:xfrm>
-            <a:off x="5942260" y="4194000"/>
-            <a:ext cx="1530000" cy="381993"/>
-          </a:xfrm>
-          <a:prstGeom prst="roundRect">
-            <a:avLst/>
-          </a:prstGeom>
-          <a:ln/>
-        </p:spPr>
-        <p:style>
-          <a:lnRef idx="2">
-            <a:schemeClr val="accent6">
-              <a:shade val="50000"/>
-            </a:schemeClr>
-          </a:lnRef>
-          <a:fillRef idx="1">
-            <a:schemeClr val="accent6"/>
-          </a:fillRef>
-          <a:effectRef idx="0">
-            <a:schemeClr val="accent6"/>
-          </a:effectRef>
-          <a:fontRef idx="minor">
-            <a:schemeClr val="lt1"/>
-          </a:fontRef>
-        </p:style>
-        <p:txBody>
-          <a:bodyPr rot="0" spcFirstLastPara="0" vertOverflow="overflow" horzOverflow="overflow" vert="horz" wrap="square" lIns="91440" tIns="45720" rIns="91440" bIns="45720" numCol="1" spcCol="0" rtlCol="0" fromWordArt="0" anchor="ctr" anchorCtr="0" forceAA="0" compatLnSpc="1">
-            <a:prstTxWarp prst="textNoShape">
-              <a:avLst/>
-            </a:prstTxWarp>
-            <a:noAutofit/>
-          </a:bodyPr>
-          <a:lstStyle/>
-          <a:p>
-            <a:pPr algn="ctr"/>
-            <a:r>
-              <a:rPr lang="en-US" sz="2800" dirty="0">
-                <a:ln w="0"/>
-                <a:solidFill>
-                  <a:schemeClr val="tx1"/>
-                </a:solidFill>
-                <a:effectLst>
-                  <a:outerShdw blurRad="38100" dist="19050" dir="2700000" algn="tl" rotWithShape="0">
-                    <a:schemeClr val="dk1">
-                      <a:alpha val="40000"/>
-                    </a:schemeClr>
-                  </a:outerShdw>
-                </a:effectLst>
-              </a:rPr>
-              <a:t>I love C#</a:t>
-            </a:r>
-          </a:p>
-        </p:txBody>
-      </p:sp>
-      <p:cxnSp>
-        <p:nvCxnSpPr>
-          <p:cNvPr id="39" name="Straight Arrow Connector 38"/>
-          <p:cNvCxnSpPr>
-            <a:stCxn id="36" idx="6"/>
-            <a:endCxn id="38" idx="1"/>
-          </p:cNvCxnSpPr>
-          <p:nvPr/>
-        </p:nvCxnSpPr>
-        <p:spPr>
-          <a:xfrm>
-            <a:off x="5129010" y="4194001"/>
-            <a:ext cx="813250" cy="190996"/>
-          </a:xfrm>
-          <a:prstGeom prst="straightConnector1">
-            <a:avLst/>
-          </a:prstGeom>
-          <a:ln>
-            <a:headEnd type="none" w="med" len="med"/>
-            <a:tailEnd type="arrow" w="med" len="med"/>
-          </a:ln>
-        </p:spPr>
-        <p:style>
-          <a:lnRef idx="3">
-            <a:schemeClr val="accent6"/>
-          </a:lnRef>
-          <a:fillRef idx="0">
-            <a:schemeClr val="accent6"/>
-          </a:fillRef>
-          <a:effectRef idx="2">
-            <a:schemeClr val="accent6"/>
-          </a:effectRef>
-          <a:fontRef idx="minor">
-            <a:schemeClr val="tx1"/>
-          </a:fontRef>
-        </p:style>
-      </p:cxnSp>
-      <p:cxnSp>
-        <p:nvCxnSpPr>
-          <p:cNvPr id="40" name="Straight Arrow Connector 39"/>
-          <p:cNvCxnSpPr>
-            <a:stCxn id="37" idx="6"/>
-            <a:endCxn id="38" idx="1"/>
-          </p:cNvCxnSpPr>
-          <p:nvPr/>
-        </p:nvCxnSpPr>
-        <p:spPr>
-          <a:xfrm flipV="1">
-            <a:off x="5129010" y="4384997"/>
-            <a:ext cx="813250" cy="259004"/>
-          </a:xfrm>
-          <a:prstGeom prst="straightConnector1">
-            <a:avLst/>
-          </a:prstGeom>
-          <a:ln>
-            <a:headEnd type="none" w="med" len="med"/>
-            <a:tailEnd type="arrow" w="med" len="med"/>
-          </a:ln>
-        </p:spPr>
-        <p:style>
-          <a:lnRef idx="3">
-            <a:schemeClr val="accent6"/>
-          </a:lnRef>
-          <a:fillRef idx="0">
-            <a:schemeClr val="accent6"/>
-          </a:fillRef>
-          <a:effectRef idx="2">
-            <a:schemeClr val="accent6"/>
-          </a:effectRef>
-          <a:fontRef idx="minor">
-            <a:schemeClr val="tx1"/>
-          </a:fontRef>
-        </p:style>
-      </p:cxnSp>
-      <p:sp>
-        <p:nvSpPr>
-          <p:cNvPr id="22" name="Slide Number">
+      <p:grpSp>
+        <p:nvGrpSpPr>
+          <p:cNvPr id="3" name="Group 2">
             <a:extLst>
               <a:ext uri="{FF2B5EF4-FFF2-40B4-BE49-F238E27FC236}">
-                <a16:creationId xmlns:a16="http://schemas.microsoft.com/office/drawing/2014/main" id="{6C00CB18-F299-479F-8AA9-617A5E311733}"/>
+                <a16:creationId xmlns:a16="http://schemas.microsoft.com/office/drawing/2014/main" id="{1EE83DA9-F8FB-3A7B-2782-0AF54CFE9489}"/>
+              </a:ext>
+            </a:extLst>
+          </p:cNvPr>
+          <p:cNvGrpSpPr/>
+          <p:nvPr/>
+        </p:nvGrpSpPr>
+        <p:grpSpPr>
+          <a:xfrm>
+            <a:off x="1105854" y="3418886"/>
+            <a:ext cx="2765050" cy="831993"/>
+            <a:chOff x="1014117" y="3998001"/>
+            <a:chExt cx="2765050" cy="831993"/>
+          </a:xfrm>
+        </p:grpSpPr>
+        <p:sp>
+          <p:nvSpPr>
+            <p:cNvPr id="29" name="Oval 28"/>
+            <p:cNvSpPr/>
+            <p:nvPr/>
+          </p:nvSpPr>
+          <p:spPr bwMode="auto">
+            <a:xfrm>
+              <a:off x="1014117" y="3998001"/>
+              <a:ext cx="405000" cy="381993"/>
+            </a:xfrm>
+            <a:prstGeom prst="ellipse">
+              <a:avLst/>
+            </a:prstGeom>
+            <a:ln/>
+          </p:spPr>
+          <p:style>
+            <a:lnRef idx="1">
+              <a:schemeClr val="accent2"/>
+            </a:lnRef>
+            <a:fillRef idx="2">
+              <a:schemeClr val="accent2"/>
+            </a:fillRef>
+            <a:effectRef idx="1">
+              <a:schemeClr val="accent2"/>
+            </a:effectRef>
+            <a:fontRef idx="minor">
+              <a:schemeClr val="dk1"/>
+            </a:fontRef>
+          </p:style>
+          <p:txBody>
+            <a:bodyPr rot="0" spcFirstLastPara="0" vertOverflow="overflow" horzOverflow="overflow" vert="horz" wrap="square" lIns="91440" tIns="45720" rIns="91440" bIns="45720" numCol="1" spcCol="0" rtlCol="0" fromWordArt="0" anchor="ctr" anchorCtr="0" forceAA="0" compatLnSpc="1">
+              <a:prstTxWarp prst="textNoShape">
+                <a:avLst/>
+              </a:prstTxWarp>
+              <a:noAutofit/>
+            </a:bodyPr>
+            <a:lstStyle/>
+            <a:p>
+              <a:pPr algn="ctr"/>
+              <a:r>
+                <a:rPr lang="en-US" sz="2400" b="1" dirty="0">
+                  <a:solidFill>
+                    <a:schemeClr val="tx1"/>
+                  </a:solidFill>
+                  <a:effectLst>
+                    <a:outerShdw blurRad="38100" dist="38100" dir="2700000" algn="tl">
+                      <a:srgbClr val="000000">
+                        <a:alpha val="43137"/>
+                      </a:srgbClr>
+                    </a:outerShdw>
+                  </a:effectLst>
+                </a:rPr>
+                <a:t>X</a:t>
+              </a:r>
+            </a:p>
+          </p:txBody>
+        </p:sp>
+        <p:sp>
+          <p:nvSpPr>
+            <p:cNvPr id="30" name="Oval 29"/>
+            <p:cNvSpPr/>
+            <p:nvPr/>
+          </p:nvSpPr>
+          <p:spPr bwMode="auto">
+            <a:xfrm>
+              <a:off x="1014617" y="4448001"/>
+              <a:ext cx="405000" cy="381993"/>
+            </a:xfrm>
+            <a:prstGeom prst="ellipse">
+              <a:avLst/>
+            </a:prstGeom>
+            <a:ln/>
+          </p:spPr>
+          <p:style>
+            <a:lnRef idx="1">
+              <a:schemeClr val="accent1"/>
+            </a:lnRef>
+            <a:fillRef idx="2">
+              <a:schemeClr val="accent1"/>
+            </a:fillRef>
+            <a:effectRef idx="1">
+              <a:schemeClr val="accent1"/>
+            </a:effectRef>
+            <a:fontRef idx="minor">
+              <a:schemeClr val="dk1"/>
+            </a:fontRef>
+          </p:style>
+          <p:txBody>
+            <a:bodyPr rot="0" spcFirstLastPara="0" vertOverflow="overflow" horzOverflow="overflow" vert="horz" wrap="square" lIns="91440" tIns="45720" rIns="91440" bIns="45720" numCol="1" spcCol="0" rtlCol="0" fromWordArt="0" anchor="ctr" anchorCtr="0" forceAA="0" compatLnSpc="1">
+              <a:prstTxWarp prst="textNoShape">
+                <a:avLst/>
+              </a:prstTxWarp>
+              <a:noAutofit/>
+            </a:bodyPr>
+            <a:lstStyle/>
+            <a:p>
+              <a:pPr algn="ctr"/>
+              <a:r>
+                <a:rPr lang="en-US" sz="2400" b="1" dirty="0">
+                  <a:solidFill>
+                    <a:schemeClr val="tx1"/>
+                  </a:solidFill>
+                  <a:effectLst>
+                    <a:outerShdw blurRad="38100" dist="38100" dir="2700000" algn="tl">
+                      <a:srgbClr val="000000">
+                        <a:alpha val="43137"/>
+                      </a:srgbClr>
+                    </a:outerShdw>
+                  </a:effectLst>
+                </a:rPr>
+                <a:t>Y</a:t>
+              </a:r>
+            </a:p>
+          </p:txBody>
+        </p:sp>
+        <p:sp>
+          <p:nvSpPr>
+            <p:cNvPr id="31" name="Rounded Rectangle 30"/>
+            <p:cNvSpPr/>
+            <p:nvPr/>
+          </p:nvSpPr>
+          <p:spPr bwMode="auto">
+            <a:xfrm>
+              <a:off x="2249167" y="3998001"/>
+              <a:ext cx="1530000" cy="381993"/>
+            </a:xfrm>
+            <a:prstGeom prst="roundRect">
+              <a:avLst/>
+            </a:prstGeom>
+            <a:ln/>
+          </p:spPr>
+          <p:style>
+            <a:lnRef idx="2">
+              <a:schemeClr val="accent6">
+                <a:shade val="50000"/>
+              </a:schemeClr>
+            </a:lnRef>
+            <a:fillRef idx="1">
+              <a:schemeClr val="accent6"/>
+            </a:fillRef>
+            <a:effectRef idx="0">
+              <a:schemeClr val="accent6"/>
+            </a:effectRef>
+            <a:fontRef idx="minor">
+              <a:schemeClr val="lt1"/>
+            </a:fontRef>
+          </p:style>
+          <p:txBody>
+            <a:bodyPr rot="0" spcFirstLastPara="0" vertOverflow="overflow" horzOverflow="overflow" vert="horz" wrap="square" lIns="91440" tIns="45720" rIns="91440" bIns="45720" numCol="1" spcCol="0" rtlCol="0" fromWordArt="0" anchor="ctr" anchorCtr="0" forceAA="0" compatLnSpc="1">
+              <a:prstTxWarp prst="textNoShape">
+                <a:avLst/>
+              </a:prstTxWarp>
+              <a:noAutofit/>
+            </a:bodyPr>
+            <a:lstStyle/>
+            <a:p>
+              <a:pPr algn="ctr"/>
+              <a:r>
+                <a:rPr lang="en-US" sz="2800" dirty="0">
+                  <a:ln w="0"/>
+                  <a:solidFill>
+                    <a:schemeClr val="tx1"/>
+                  </a:solidFill>
+                  <a:effectLst>
+                    <a:outerShdw blurRad="38100" dist="19050" dir="2700000" algn="tl" rotWithShape="0">
+                      <a:schemeClr val="dk1">
+                        <a:alpha val="40000"/>
+                      </a:schemeClr>
+                    </a:outerShdw>
+                  </a:effectLst>
+                </a:rPr>
+                <a:t>I love C#</a:t>
+              </a:r>
+            </a:p>
+          </p:txBody>
+        </p:sp>
+        <p:sp>
+          <p:nvSpPr>
+            <p:cNvPr id="32" name="Rounded Rectangle 31"/>
+            <p:cNvSpPr/>
+            <p:nvPr/>
+          </p:nvSpPr>
+          <p:spPr bwMode="auto">
+            <a:xfrm>
+              <a:off x="2249167" y="4448001"/>
+              <a:ext cx="1530000" cy="381993"/>
+            </a:xfrm>
+            <a:prstGeom prst="roundRect">
+              <a:avLst/>
+            </a:prstGeom>
+            <a:ln/>
+          </p:spPr>
+          <p:style>
+            <a:lnRef idx="2">
+              <a:schemeClr val="accent6">
+                <a:shade val="50000"/>
+              </a:schemeClr>
+            </a:lnRef>
+            <a:fillRef idx="1">
+              <a:schemeClr val="accent6"/>
+            </a:fillRef>
+            <a:effectRef idx="0">
+              <a:schemeClr val="accent6"/>
+            </a:effectRef>
+            <a:fontRef idx="minor">
+              <a:schemeClr val="lt1"/>
+            </a:fontRef>
+          </p:style>
+          <p:txBody>
+            <a:bodyPr rot="0" spcFirstLastPara="0" vertOverflow="overflow" horzOverflow="overflow" vert="horz" wrap="square" lIns="91440" tIns="45720" rIns="91440" bIns="45720" numCol="1" spcCol="0" rtlCol="0" fromWordArt="0" anchor="ctr" anchorCtr="0" forceAA="0" compatLnSpc="1">
+              <a:prstTxWarp prst="textNoShape">
+                <a:avLst/>
+              </a:prstTxWarp>
+              <a:noAutofit/>
+            </a:bodyPr>
+            <a:lstStyle/>
+            <a:p>
+              <a:pPr algn="ctr"/>
+              <a:r>
+                <a:rPr lang="en-US" sz="2800" dirty="0">
+                  <a:ln w="0"/>
+                  <a:solidFill>
+                    <a:schemeClr val="tx1"/>
+                  </a:solidFill>
+                  <a:effectLst>
+                    <a:outerShdw blurRad="38100" dist="19050" dir="2700000" algn="tl" rotWithShape="0">
+                      <a:schemeClr val="dk1">
+                        <a:alpha val="40000"/>
+                      </a:schemeClr>
+                    </a:outerShdw>
+                  </a:effectLst>
+                </a:rPr>
+                <a:t>I love C#</a:t>
+              </a:r>
+            </a:p>
+          </p:txBody>
+        </p:sp>
+        <p:cxnSp>
+          <p:nvCxnSpPr>
+            <p:cNvPr id="33" name="Straight Arrow Connector 32"/>
+            <p:cNvCxnSpPr>
+              <a:stCxn id="29" idx="6"/>
+              <a:endCxn id="31" idx="1"/>
+            </p:cNvCxnSpPr>
+            <p:nvPr/>
+          </p:nvCxnSpPr>
+          <p:spPr>
+            <a:xfrm>
+              <a:off x="1419117" y="4188998"/>
+              <a:ext cx="830050" cy="0"/>
+            </a:xfrm>
+            <a:prstGeom prst="straightConnector1">
+              <a:avLst/>
+            </a:prstGeom>
+            <a:ln>
+              <a:headEnd type="none" w="med" len="med"/>
+              <a:tailEnd type="arrow" w="med" len="med"/>
+            </a:ln>
+          </p:spPr>
+          <p:style>
+            <a:lnRef idx="3">
+              <a:schemeClr val="accent6"/>
+            </a:lnRef>
+            <a:fillRef idx="0">
+              <a:schemeClr val="accent6"/>
+            </a:fillRef>
+            <a:effectRef idx="2">
+              <a:schemeClr val="accent6"/>
+            </a:effectRef>
+            <a:fontRef idx="minor">
+              <a:schemeClr val="tx1"/>
+            </a:fontRef>
+          </p:style>
+        </p:cxnSp>
+        <p:cxnSp>
+          <p:nvCxnSpPr>
+            <p:cNvPr id="34" name="Straight Arrow Connector 33"/>
+            <p:cNvCxnSpPr>
+              <a:cxnSpLocks/>
+            </p:cNvCxnSpPr>
+            <p:nvPr/>
+          </p:nvCxnSpPr>
+          <p:spPr>
+            <a:xfrm>
+              <a:off x="1439167" y="4649104"/>
+              <a:ext cx="810000" cy="0"/>
+            </a:xfrm>
+            <a:prstGeom prst="straightConnector1">
+              <a:avLst/>
+            </a:prstGeom>
+            <a:ln>
+              <a:headEnd type="none" w="med" len="med"/>
+              <a:tailEnd type="arrow" w="med" len="med"/>
+            </a:ln>
+          </p:spPr>
+          <p:style>
+            <a:lnRef idx="3">
+              <a:schemeClr val="accent6"/>
+            </a:lnRef>
+            <a:fillRef idx="0">
+              <a:schemeClr val="accent6"/>
+            </a:fillRef>
+            <a:effectRef idx="2">
+              <a:schemeClr val="accent6"/>
+            </a:effectRef>
+            <a:fontRef idx="minor">
+              <a:schemeClr val="tx1"/>
+            </a:fontRef>
+          </p:style>
+        </p:cxnSp>
+      </p:grpSp>
+      <p:grpSp>
+        <p:nvGrpSpPr>
+          <p:cNvPr id="5" name="Group 4">
+            <a:extLst>
+              <a:ext uri="{FF2B5EF4-FFF2-40B4-BE49-F238E27FC236}">
+                <a16:creationId xmlns:a16="http://schemas.microsoft.com/office/drawing/2014/main" id="{5F44BE83-CCD9-62B8-4697-10841CB4E2E2}"/>
+              </a:ext>
+            </a:extLst>
+          </p:cNvPr>
+          <p:cNvGrpSpPr/>
+          <p:nvPr/>
+        </p:nvGrpSpPr>
+        <p:grpSpPr>
+          <a:xfrm>
+            <a:off x="1136540" y="5026835"/>
+            <a:ext cx="2748250" cy="831993"/>
+            <a:chOff x="4724010" y="4003004"/>
+            <a:chExt cx="2748250" cy="831993"/>
+          </a:xfrm>
+        </p:grpSpPr>
+        <p:sp>
+          <p:nvSpPr>
+            <p:cNvPr id="36" name="Oval 35"/>
+            <p:cNvSpPr/>
+            <p:nvPr/>
+          </p:nvSpPr>
+          <p:spPr bwMode="auto">
+            <a:xfrm>
+              <a:off x="4724010" y="4003004"/>
+              <a:ext cx="405000" cy="381993"/>
+            </a:xfrm>
+            <a:prstGeom prst="ellipse">
+              <a:avLst/>
+            </a:prstGeom>
+            <a:ln/>
+          </p:spPr>
+          <p:style>
+            <a:lnRef idx="1">
+              <a:schemeClr val="accent2"/>
+            </a:lnRef>
+            <a:fillRef idx="2">
+              <a:schemeClr val="accent2"/>
+            </a:fillRef>
+            <a:effectRef idx="1">
+              <a:schemeClr val="accent2"/>
+            </a:effectRef>
+            <a:fontRef idx="minor">
+              <a:schemeClr val="dk1"/>
+            </a:fontRef>
+          </p:style>
+          <p:txBody>
+            <a:bodyPr rot="0" spcFirstLastPara="0" vertOverflow="overflow" horzOverflow="overflow" vert="horz" wrap="square" lIns="91440" tIns="45720" rIns="91440" bIns="45720" numCol="1" spcCol="0" rtlCol="0" fromWordArt="0" anchor="ctr" anchorCtr="0" forceAA="0" compatLnSpc="1">
+              <a:prstTxWarp prst="textNoShape">
+                <a:avLst/>
+              </a:prstTxWarp>
+              <a:noAutofit/>
+            </a:bodyPr>
+            <a:lstStyle/>
+            <a:p>
+              <a:pPr algn="ctr"/>
+              <a:r>
+                <a:rPr lang="en-US" sz="2400" b="1" dirty="0">
+                  <a:solidFill>
+                    <a:schemeClr val="tx1"/>
+                  </a:solidFill>
+                  <a:effectLst>
+                    <a:outerShdw blurRad="38100" dist="38100" dir="2700000" algn="tl">
+                      <a:srgbClr val="000000">
+                        <a:alpha val="43137"/>
+                      </a:srgbClr>
+                    </a:outerShdw>
+                  </a:effectLst>
+                </a:rPr>
+                <a:t>X</a:t>
+              </a:r>
+            </a:p>
+          </p:txBody>
+        </p:sp>
+        <p:sp>
+          <p:nvSpPr>
+            <p:cNvPr id="37" name="Oval 36"/>
+            <p:cNvSpPr/>
+            <p:nvPr/>
+          </p:nvSpPr>
+          <p:spPr bwMode="auto">
+            <a:xfrm>
+              <a:off x="4724010" y="4453004"/>
+              <a:ext cx="405000" cy="381993"/>
+            </a:xfrm>
+            <a:prstGeom prst="ellipse">
+              <a:avLst/>
+            </a:prstGeom>
+            <a:ln/>
+          </p:spPr>
+          <p:style>
+            <a:lnRef idx="1">
+              <a:schemeClr val="accent1"/>
+            </a:lnRef>
+            <a:fillRef idx="2">
+              <a:schemeClr val="accent1"/>
+            </a:fillRef>
+            <a:effectRef idx="1">
+              <a:schemeClr val="accent1"/>
+            </a:effectRef>
+            <a:fontRef idx="minor">
+              <a:schemeClr val="dk1"/>
+            </a:fontRef>
+          </p:style>
+          <p:txBody>
+            <a:bodyPr rot="0" spcFirstLastPara="0" vertOverflow="overflow" horzOverflow="overflow" vert="horz" wrap="square" lIns="91440" tIns="45720" rIns="91440" bIns="45720" numCol="1" spcCol="0" rtlCol="0" fromWordArt="0" anchor="ctr" anchorCtr="0" forceAA="0" compatLnSpc="1">
+              <a:prstTxWarp prst="textNoShape">
+                <a:avLst/>
+              </a:prstTxWarp>
+              <a:noAutofit/>
+            </a:bodyPr>
+            <a:lstStyle/>
+            <a:p>
+              <a:pPr algn="ctr"/>
+              <a:r>
+                <a:rPr lang="en-US" sz="2400" b="1" dirty="0">
+                  <a:solidFill>
+                    <a:schemeClr val="tx1"/>
+                  </a:solidFill>
+                  <a:effectLst>
+                    <a:outerShdw blurRad="38100" dist="38100" dir="2700000" algn="tl">
+                      <a:srgbClr val="000000">
+                        <a:alpha val="43137"/>
+                      </a:srgbClr>
+                    </a:outerShdw>
+                  </a:effectLst>
+                </a:rPr>
+                <a:t>Y</a:t>
+              </a:r>
+            </a:p>
+          </p:txBody>
+        </p:sp>
+        <p:sp>
+          <p:nvSpPr>
+            <p:cNvPr id="38" name="Rounded Rectangle 37"/>
+            <p:cNvSpPr/>
+            <p:nvPr/>
+          </p:nvSpPr>
+          <p:spPr bwMode="auto">
+            <a:xfrm>
+              <a:off x="5942260" y="4194000"/>
+              <a:ext cx="1530000" cy="381993"/>
+            </a:xfrm>
+            <a:prstGeom prst="roundRect">
+              <a:avLst/>
+            </a:prstGeom>
+            <a:ln/>
+          </p:spPr>
+          <p:style>
+            <a:lnRef idx="2">
+              <a:schemeClr val="accent6">
+                <a:shade val="50000"/>
+              </a:schemeClr>
+            </a:lnRef>
+            <a:fillRef idx="1">
+              <a:schemeClr val="accent6"/>
+            </a:fillRef>
+            <a:effectRef idx="0">
+              <a:schemeClr val="accent6"/>
+            </a:effectRef>
+            <a:fontRef idx="minor">
+              <a:schemeClr val="lt1"/>
+            </a:fontRef>
+          </p:style>
+          <p:txBody>
+            <a:bodyPr rot="0" spcFirstLastPara="0" vertOverflow="overflow" horzOverflow="overflow" vert="horz" wrap="square" lIns="91440" tIns="45720" rIns="91440" bIns="45720" numCol="1" spcCol="0" rtlCol="0" fromWordArt="0" anchor="ctr" anchorCtr="0" forceAA="0" compatLnSpc="1">
+              <a:prstTxWarp prst="textNoShape">
+                <a:avLst/>
+              </a:prstTxWarp>
+              <a:noAutofit/>
+            </a:bodyPr>
+            <a:lstStyle/>
+            <a:p>
+              <a:pPr algn="ctr"/>
+              <a:r>
+                <a:rPr lang="en-US" sz="2800" dirty="0">
+                  <a:ln w="0"/>
+                  <a:solidFill>
+                    <a:schemeClr val="tx1"/>
+                  </a:solidFill>
+                  <a:effectLst>
+                    <a:outerShdw blurRad="38100" dist="19050" dir="2700000" algn="tl" rotWithShape="0">
+                      <a:schemeClr val="dk1">
+                        <a:alpha val="40000"/>
+                      </a:schemeClr>
+                    </a:outerShdw>
+                  </a:effectLst>
+                </a:rPr>
+                <a:t>I love C#</a:t>
+              </a:r>
+            </a:p>
+          </p:txBody>
+        </p:sp>
+        <p:cxnSp>
+          <p:nvCxnSpPr>
+            <p:cNvPr id="39" name="Straight Arrow Connector 38"/>
+            <p:cNvCxnSpPr>
+              <a:stCxn id="36" idx="6"/>
+              <a:endCxn id="38" idx="1"/>
+            </p:cNvCxnSpPr>
+            <p:nvPr/>
+          </p:nvCxnSpPr>
+          <p:spPr>
+            <a:xfrm>
+              <a:off x="5129010" y="4194001"/>
+              <a:ext cx="813250" cy="190996"/>
+            </a:xfrm>
+            <a:prstGeom prst="straightConnector1">
+              <a:avLst/>
+            </a:prstGeom>
+            <a:ln>
+              <a:headEnd type="none" w="med" len="med"/>
+              <a:tailEnd type="arrow" w="med" len="med"/>
+            </a:ln>
+          </p:spPr>
+          <p:style>
+            <a:lnRef idx="3">
+              <a:schemeClr val="accent6"/>
+            </a:lnRef>
+            <a:fillRef idx="0">
+              <a:schemeClr val="accent6"/>
+            </a:fillRef>
+            <a:effectRef idx="2">
+              <a:schemeClr val="accent6"/>
+            </a:effectRef>
+            <a:fontRef idx="minor">
+              <a:schemeClr val="tx1"/>
+            </a:fontRef>
+          </p:style>
+        </p:cxnSp>
+        <p:cxnSp>
+          <p:nvCxnSpPr>
+            <p:cNvPr id="40" name="Straight Arrow Connector 39"/>
+            <p:cNvCxnSpPr>
+              <a:stCxn id="37" idx="6"/>
+              <a:endCxn id="38" idx="1"/>
+            </p:cNvCxnSpPr>
+            <p:nvPr/>
+          </p:nvCxnSpPr>
+          <p:spPr>
+            <a:xfrm flipV="1">
+              <a:off x="5129010" y="4384997"/>
+              <a:ext cx="813250" cy="259004"/>
+            </a:xfrm>
+            <a:prstGeom prst="straightConnector1">
+              <a:avLst/>
+            </a:prstGeom>
+            <a:ln>
+              <a:headEnd type="none" w="med" len="med"/>
+              <a:tailEnd type="arrow" w="med" len="med"/>
+            </a:ln>
+          </p:spPr>
+          <p:style>
+            <a:lnRef idx="3">
+              <a:schemeClr val="accent6"/>
+            </a:lnRef>
+            <a:fillRef idx="0">
+              <a:schemeClr val="accent6"/>
+            </a:fillRef>
+            <a:effectRef idx="2">
+              <a:schemeClr val="accent6"/>
+            </a:effectRef>
+            <a:fontRef idx="minor">
+              <a:schemeClr val="tx1"/>
+            </a:fontRef>
+          </p:style>
+        </p:cxnSp>
+      </p:grpSp>
+      <p:sp>
+        <p:nvSpPr>
+          <p:cNvPr id="2" name="Slide Number">
+            <a:extLst>
+              <a:ext uri="{FF2B5EF4-FFF2-40B4-BE49-F238E27FC236}">
+                <a16:creationId xmlns:a16="http://schemas.microsoft.com/office/drawing/2014/main" id="{3E8A3683-D14C-EEA0-2ACD-2D82932C3503}"/>
               </a:ext>
             </a:extLst>
           </p:cNvPr>
@@ -11879,7 +10524,7 @@
     </p:spTree>
     <p:extLst>
       <p:ext uri="{BB962C8B-B14F-4D97-AF65-F5344CB8AC3E}">
-        <p14:creationId xmlns:p14="http://schemas.microsoft.com/office/powerpoint/2010/main" val="2540561920"/>
+        <p14:creationId xmlns:p14="http://schemas.microsoft.com/office/powerpoint/2010/main" val="1849232255"/>
       </p:ext>
     </p:extLst>
   </p:cSld>
@@ -11930,422 +10575,9 @@
                                         <p:tgtEl>
                                           <p:spTgt spid="15">
                                             <p:txEl>
-                                              <p:pRg st="0" end="0"/>
-                                            </p:txEl>
-                                          </p:spTgt>
-                                        </p:tgtEl>
-                                        <p:attrNameLst>
-                                          <p:attrName>style.visibility</p:attrName>
-                                        </p:attrNameLst>
-                                      </p:cBhvr>
-                                      <p:to>
-                                        <p:strVal val="visible"/>
-                                      </p:to>
-                                    </p:set>
-                                  </p:childTnLst>
-                                </p:cTn>
-                              </p:par>
-                            </p:childTnLst>
-                          </p:cTn>
-                        </p:par>
-                      </p:childTnLst>
-                    </p:cTn>
-                  </p:par>
-                  <p:par>
-                    <p:cTn id="7" fill="hold">
-                      <p:stCondLst>
-                        <p:cond delay="indefinite"/>
-                      </p:stCondLst>
-                      <p:childTnLst>
-                        <p:par>
-                          <p:cTn id="8" fill="hold">
-                            <p:stCondLst>
-                              <p:cond delay="0"/>
-                            </p:stCondLst>
-                            <p:childTnLst>
-                              <p:par>
-                                <p:cTn id="9" presetID="1" presetClass="entr" presetSubtype="0" fill="hold" nodeType="clickEffect">
-                                  <p:stCondLst>
-                                    <p:cond delay="0"/>
-                                  </p:stCondLst>
-                                  <p:childTnLst>
-                                    <p:set>
-                                      <p:cBhvr>
-                                        <p:cTn id="10" dur="1" fill="hold">
-                                          <p:stCondLst>
-                                            <p:cond delay="0"/>
-                                          </p:stCondLst>
-                                        </p:cTn>
-                                        <p:tgtEl>
-                                          <p:spTgt spid="15">
-                                            <p:txEl>
                                               <p:pRg st="1" end="1"/>
                                             </p:txEl>
                                           </p:spTgt>
-                                        </p:tgtEl>
-                                        <p:attrNameLst>
-                                          <p:attrName>style.visibility</p:attrName>
-                                        </p:attrNameLst>
-                                      </p:cBhvr>
-                                      <p:to>
-                                        <p:strVal val="visible"/>
-                                      </p:to>
-                                    </p:set>
-                                  </p:childTnLst>
-                                </p:cTn>
-                              </p:par>
-                            </p:childTnLst>
-                          </p:cTn>
-                        </p:par>
-                      </p:childTnLst>
-                    </p:cTn>
-                  </p:par>
-                  <p:par>
-                    <p:cTn id="11" fill="hold">
-                      <p:stCondLst>
-                        <p:cond delay="indefinite"/>
-                      </p:stCondLst>
-                      <p:childTnLst>
-                        <p:par>
-                          <p:cTn id="12" fill="hold">
-                            <p:stCondLst>
-                              <p:cond delay="0"/>
-                            </p:stCondLst>
-                            <p:childTnLst>
-                              <p:par>
-                                <p:cTn id="13" presetID="1" presetClass="entr" presetSubtype="0" fill="hold" nodeType="clickEffect">
-                                  <p:stCondLst>
-                                    <p:cond delay="0"/>
-                                  </p:stCondLst>
-                                  <p:childTnLst>
-                                    <p:set>
-                                      <p:cBhvr>
-                                        <p:cTn id="14" dur="1" fill="hold">
-                                          <p:stCondLst>
-                                            <p:cond delay="0"/>
-                                          </p:stCondLst>
-                                        </p:cTn>
-                                        <p:tgtEl>
-                                          <p:spTgt spid="15">
-                                            <p:txEl>
-                                              <p:pRg st="2" end="2"/>
-                                            </p:txEl>
-                                          </p:spTgt>
-                                        </p:tgtEl>
-                                        <p:attrNameLst>
-                                          <p:attrName>style.visibility</p:attrName>
-                                        </p:attrNameLst>
-                                      </p:cBhvr>
-                                      <p:to>
-                                        <p:strVal val="visible"/>
-                                      </p:to>
-                                    </p:set>
-                                  </p:childTnLst>
-                                </p:cTn>
-                              </p:par>
-                            </p:childTnLst>
-                          </p:cTn>
-                        </p:par>
-                      </p:childTnLst>
-                    </p:cTn>
-                  </p:par>
-                  <p:par>
-                    <p:cTn id="15" fill="hold">
-                      <p:stCondLst>
-                        <p:cond delay="indefinite"/>
-                      </p:stCondLst>
-                      <p:childTnLst>
-                        <p:par>
-                          <p:cTn id="16" fill="hold">
-                            <p:stCondLst>
-                              <p:cond delay="0"/>
-                            </p:stCondLst>
-                            <p:childTnLst>
-                              <p:par>
-                                <p:cTn id="17" presetID="1" presetClass="entr" presetSubtype="0" fill="hold" grpId="0" nodeType="clickEffect">
-                                  <p:stCondLst>
-                                    <p:cond delay="0"/>
-                                  </p:stCondLst>
-                                  <p:childTnLst>
-                                    <p:set>
-                                      <p:cBhvr>
-                                        <p:cTn id="18" dur="1" fill="hold">
-                                          <p:stCondLst>
-                                            <p:cond delay="0"/>
-                                          </p:stCondLst>
-                                        </p:cTn>
-                                        <p:tgtEl>
-                                          <p:spTgt spid="29"/>
-                                        </p:tgtEl>
-                                        <p:attrNameLst>
-                                          <p:attrName>style.visibility</p:attrName>
-                                        </p:attrNameLst>
-                                      </p:cBhvr>
-                                      <p:to>
-                                        <p:strVal val="visible"/>
-                                      </p:to>
-                                    </p:set>
-                                  </p:childTnLst>
-                                </p:cTn>
-                              </p:par>
-                              <p:par>
-                                <p:cTn id="19" presetID="1" presetClass="entr" presetSubtype="0" fill="hold" grpId="0" nodeType="withEffect">
-                                  <p:stCondLst>
-                                    <p:cond delay="0"/>
-                                  </p:stCondLst>
-                                  <p:childTnLst>
-                                    <p:set>
-                                      <p:cBhvr>
-                                        <p:cTn id="20" dur="1" fill="hold">
-                                          <p:stCondLst>
-                                            <p:cond delay="0"/>
-                                          </p:stCondLst>
-                                        </p:cTn>
-                                        <p:tgtEl>
-                                          <p:spTgt spid="30"/>
-                                        </p:tgtEl>
-                                        <p:attrNameLst>
-                                          <p:attrName>style.visibility</p:attrName>
-                                        </p:attrNameLst>
-                                      </p:cBhvr>
-                                      <p:to>
-                                        <p:strVal val="visible"/>
-                                      </p:to>
-                                    </p:set>
-                                  </p:childTnLst>
-                                </p:cTn>
-                              </p:par>
-                              <p:par>
-                                <p:cTn id="21" presetID="1" presetClass="entr" presetSubtype="0" fill="hold" grpId="0" nodeType="withEffect">
-                                  <p:stCondLst>
-                                    <p:cond delay="0"/>
-                                  </p:stCondLst>
-                                  <p:childTnLst>
-                                    <p:set>
-                                      <p:cBhvr>
-                                        <p:cTn id="22" dur="1" fill="hold">
-                                          <p:stCondLst>
-                                            <p:cond delay="0"/>
-                                          </p:stCondLst>
-                                        </p:cTn>
-                                        <p:tgtEl>
-                                          <p:spTgt spid="31"/>
-                                        </p:tgtEl>
-                                        <p:attrNameLst>
-                                          <p:attrName>style.visibility</p:attrName>
-                                        </p:attrNameLst>
-                                      </p:cBhvr>
-                                      <p:to>
-                                        <p:strVal val="visible"/>
-                                      </p:to>
-                                    </p:set>
-                                  </p:childTnLst>
-                                </p:cTn>
-                              </p:par>
-                              <p:par>
-                                <p:cTn id="23" presetID="1" presetClass="entr" presetSubtype="0" fill="hold" grpId="0" nodeType="withEffect">
-                                  <p:stCondLst>
-                                    <p:cond delay="0"/>
-                                  </p:stCondLst>
-                                  <p:childTnLst>
-                                    <p:set>
-                                      <p:cBhvr>
-                                        <p:cTn id="24" dur="1" fill="hold">
-                                          <p:stCondLst>
-                                            <p:cond delay="0"/>
-                                          </p:stCondLst>
-                                        </p:cTn>
-                                        <p:tgtEl>
-                                          <p:spTgt spid="32"/>
-                                        </p:tgtEl>
-                                        <p:attrNameLst>
-                                          <p:attrName>style.visibility</p:attrName>
-                                        </p:attrNameLst>
-                                      </p:cBhvr>
-                                      <p:to>
-                                        <p:strVal val="visible"/>
-                                      </p:to>
-                                    </p:set>
-                                  </p:childTnLst>
-                                </p:cTn>
-                              </p:par>
-                              <p:par>
-                                <p:cTn id="25" presetID="1" presetClass="entr" presetSubtype="0" fill="hold" nodeType="withEffect">
-                                  <p:stCondLst>
-                                    <p:cond delay="0"/>
-                                  </p:stCondLst>
-                                  <p:childTnLst>
-                                    <p:set>
-                                      <p:cBhvr>
-                                        <p:cTn id="26" dur="1" fill="hold">
-                                          <p:stCondLst>
-                                            <p:cond delay="0"/>
-                                          </p:stCondLst>
-                                        </p:cTn>
-                                        <p:tgtEl>
-                                          <p:spTgt spid="33"/>
-                                        </p:tgtEl>
-                                        <p:attrNameLst>
-                                          <p:attrName>style.visibility</p:attrName>
-                                        </p:attrNameLst>
-                                      </p:cBhvr>
-                                      <p:to>
-                                        <p:strVal val="visible"/>
-                                      </p:to>
-                                    </p:set>
-                                  </p:childTnLst>
-                                </p:cTn>
-                              </p:par>
-                              <p:par>
-                                <p:cTn id="27" presetID="1" presetClass="entr" presetSubtype="0" fill="hold" nodeType="withEffect">
-                                  <p:stCondLst>
-                                    <p:cond delay="0"/>
-                                  </p:stCondLst>
-                                  <p:childTnLst>
-                                    <p:set>
-                                      <p:cBhvr>
-                                        <p:cTn id="28" dur="1" fill="hold">
-                                          <p:stCondLst>
-                                            <p:cond delay="0"/>
-                                          </p:stCondLst>
-                                        </p:cTn>
-                                        <p:tgtEl>
-                                          <p:spTgt spid="34"/>
-                                        </p:tgtEl>
-                                        <p:attrNameLst>
-                                          <p:attrName>style.visibility</p:attrName>
-                                        </p:attrNameLst>
-                                      </p:cBhvr>
-                                      <p:to>
-                                        <p:strVal val="visible"/>
-                                      </p:to>
-                                    </p:set>
-                                  </p:childTnLst>
-                                </p:cTn>
-                              </p:par>
-                              <p:par>
-                                <p:cTn id="29" presetID="1" presetClass="entr" presetSubtype="0" fill="hold" grpId="0" nodeType="withEffect">
-                                  <p:stCondLst>
-                                    <p:cond delay="0"/>
-                                  </p:stCondLst>
-                                  <p:childTnLst>
-                                    <p:set>
-                                      <p:cBhvr>
-                                        <p:cTn id="30" dur="1" fill="hold">
-                                          <p:stCondLst>
-                                            <p:cond delay="0"/>
-                                          </p:stCondLst>
-                                        </p:cTn>
-                                        <p:tgtEl>
-                                          <p:spTgt spid="36"/>
-                                        </p:tgtEl>
-                                        <p:attrNameLst>
-                                          <p:attrName>style.visibility</p:attrName>
-                                        </p:attrNameLst>
-                                      </p:cBhvr>
-                                      <p:to>
-                                        <p:strVal val="visible"/>
-                                      </p:to>
-                                    </p:set>
-                                  </p:childTnLst>
-                                </p:cTn>
-                              </p:par>
-                              <p:par>
-                                <p:cTn id="31" presetID="1" presetClass="entr" presetSubtype="0" fill="hold" grpId="0" nodeType="withEffect">
-                                  <p:stCondLst>
-                                    <p:cond delay="0"/>
-                                  </p:stCondLst>
-                                  <p:childTnLst>
-                                    <p:set>
-                                      <p:cBhvr>
-                                        <p:cTn id="32" dur="1" fill="hold">
-                                          <p:stCondLst>
-                                            <p:cond delay="0"/>
-                                          </p:stCondLst>
-                                        </p:cTn>
-                                        <p:tgtEl>
-                                          <p:spTgt spid="37"/>
-                                        </p:tgtEl>
-                                        <p:attrNameLst>
-                                          <p:attrName>style.visibility</p:attrName>
-                                        </p:attrNameLst>
-                                      </p:cBhvr>
-                                      <p:to>
-                                        <p:strVal val="visible"/>
-                                      </p:to>
-                                    </p:set>
-                                  </p:childTnLst>
-                                </p:cTn>
-                              </p:par>
-                              <p:par>
-                                <p:cTn id="33" presetID="1" presetClass="entr" presetSubtype="0" fill="hold" grpId="0" nodeType="withEffect">
-                                  <p:stCondLst>
-                                    <p:cond delay="0"/>
-                                  </p:stCondLst>
-                                  <p:childTnLst>
-                                    <p:set>
-                                      <p:cBhvr>
-                                        <p:cTn id="34" dur="1" fill="hold">
-                                          <p:stCondLst>
-                                            <p:cond delay="0"/>
-                                          </p:stCondLst>
-                                        </p:cTn>
-                                        <p:tgtEl>
-                                          <p:spTgt spid="38"/>
-                                        </p:tgtEl>
-                                        <p:attrNameLst>
-                                          <p:attrName>style.visibility</p:attrName>
-                                        </p:attrNameLst>
-                                      </p:cBhvr>
-                                      <p:to>
-                                        <p:strVal val="visible"/>
-                                      </p:to>
-                                    </p:set>
-                                  </p:childTnLst>
-                                </p:cTn>
-                              </p:par>
-                              <p:par>
-                                <p:cTn id="35" presetID="1" presetClass="entr" presetSubtype="0" fill="hold" nodeType="withEffect">
-                                  <p:stCondLst>
-                                    <p:cond delay="0"/>
-                                  </p:stCondLst>
-                                  <p:childTnLst>
-                                    <p:set>
-                                      <p:cBhvr>
-                                        <p:cTn id="36" dur="1" fill="hold">
-                                          <p:stCondLst>
-                                            <p:cond delay="0"/>
-                                          </p:stCondLst>
-                                        </p:cTn>
-                                        <p:tgtEl>
-                                          <p:spTgt spid="39"/>
-                                        </p:tgtEl>
-                                        <p:attrNameLst>
-                                          <p:attrName>style.visibility</p:attrName>
-                                        </p:attrNameLst>
-                                      </p:cBhvr>
-                                      <p:to>
-                                        <p:strVal val="visible"/>
-                                      </p:to>
-                                    </p:set>
-                                  </p:childTnLst>
-                                </p:cTn>
-                              </p:par>
-                              <p:par>
-                                <p:cTn id="37" presetID="1" presetClass="entr" presetSubtype="0" fill="hold" nodeType="withEffect">
-                                  <p:stCondLst>
-                                    <p:cond delay="0"/>
-                                  </p:stCondLst>
-                                  <p:childTnLst>
-                                    <p:set>
-                                      <p:cBhvr>
-                                        <p:cTn id="38" dur="1" fill="hold">
-                                          <p:stCondLst>
-                                            <p:cond delay="0"/>
-                                          </p:stCondLst>
-                                        </p:cTn>
-                                        <p:tgtEl>
-                                          <p:spTgt spid="40"/>
                                         </p:tgtEl>
                                         <p:attrNameLst>
                                           <p:attrName>style.visibility</p:attrName>
@@ -12385,15 +10617,6 @@
         </p:cTn>
       </p:par>
     </p:tnLst>
-    <p:bldLst>
-      <p:bldP spid="29" grpId="0" animBg="1"/>
-      <p:bldP spid="30" grpId="0" animBg="1"/>
-      <p:bldP spid="31" grpId="0" animBg="1"/>
-      <p:bldP spid="32" grpId="0" animBg="1"/>
-      <p:bldP spid="36" grpId="0" animBg="1"/>
-      <p:bldP spid="37" grpId="0" animBg="1"/>
-      <p:bldP spid="38" grpId="0" animBg="1"/>
-    </p:bldLst>
   </p:timing>
 </p:sld>
 </file>
@@ -12437,29 +10660,140 @@
           <a:lstStyle/>
           <a:p>
             <a:r>
-              <a:rPr lang="bg-BG" sz="8800" dirty="0">
+              <a:rPr lang="bg-BG" dirty="0"/>
+              <a:t>Въпроси</a:t>
+            </a:r>
+            <a:r>
+              <a:rPr lang="en-US" dirty="0"/>
+              <a:t>?</a:t>
+            </a:r>
+          </a:p>
+        </p:txBody>
+      </p:sp>
+      <p:sp>
+        <p:nvSpPr>
+          <p:cNvPr id="2" name="Rectangle Bottom Copyright">
+            <a:extLst>
+              <a:ext uri="{FF2B5EF4-FFF2-40B4-BE49-F238E27FC236}">
+                <a16:creationId xmlns:a16="http://schemas.microsoft.com/office/drawing/2014/main" id="{664812A4-2991-44D1-BFE9-32E55AADF8A5}"/>
+              </a:ext>
+            </a:extLst>
+          </p:cNvPr>
+          <p:cNvSpPr/>
+          <p:nvPr/>
+        </p:nvSpPr>
+        <p:spPr>
+          <a:xfrm>
+            <a:off x="111000" y="6454758"/>
+            <a:ext cx="11970000" cy="304242"/>
+          </a:xfrm>
+          <a:prstGeom prst="rect">
+            <a:avLst/>
+          </a:prstGeom>
+        </p:spPr>
+        <p:txBody>
+          <a:bodyPr wrap="square">
+            <a:noAutofit/>
+          </a:bodyPr>
+          <a:lstStyle/>
+          <a:p>
+            <a:pPr algn="ctr">
+              <a:lnSpc>
+                <a:spcPct val="100000"/>
+              </a:lnSpc>
+              <a:spcBef>
+                <a:spcPts val="0"/>
+              </a:spcBef>
+              <a:spcAft>
+                <a:spcPts val="0"/>
+              </a:spcAft>
+            </a:pPr>
+            <a:r>
+              <a:rPr lang="bg-BG" sz="1600" dirty="0">
                 <a:solidFill>
-                  <a:srgbClr val="234465"/>
+                  <a:schemeClr val="bg2"/>
                 </a:solidFill>
-              </a:rPr>
-              <a:t>Въпроси</a:t>
-            </a:r>
-            <a:r>
-              <a:rPr lang="en-US" sz="8800" dirty="0">
+                <a:effectLst/>
+                <a:latin typeface="Calibri" panose="020F0502020204030204" pitchFamily="34" charset="0"/>
+                <a:ea typeface="Calibri" panose="020F0502020204030204" pitchFamily="34" charset="0"/>
+                <a:cs typeface="Arial" panose="020B0604020202020204" pitchFamily="34" charset="0"/>
+              </a:rPr>
+              <a:t>Проект "</a:t>
+            </a:r>
+            <a:r>
+              <a:rPr lang="bg-BG" sz="1600" dirty="0">
                 <a:solidFill>
-                  <a:srgbClr val="234465"/>
+                  <a:schemeClr val="bg1">
+                    <a:lumMod val="20000"/>
+                    <a:lumOff val="80000"/>
+                  </a:schemeClr>
                 </a:solidFill>
-              </a:rPr>
-              <a:t>?</a:t>
-            </a:r>
-            <a:endParaRPr lang="en-US" sz="8800" dirty="0"/>
+                <a:effectLst/>
+                <a:latin typeface="Calibri" panose="020F0502020204030204" pitchFamily="34" charset="0"/>
+                <a:ea typeface="Calibri" panose="020F0502020204030204" pitchFamily="34" charset="0"/>
+                <a:cs typeface="Arial" panose="020B0604020202020204" pitchFamily="34" charset="0"/>
+                <a:hlinkClick r:id="rId3">
+                  <a:extLst>
+                    <a:ext uri="{A12FA001-AC4F-418D-AE19-62706E023703}">
+                      <ahyp:hlinkClr xmlns:ahyp="http://schemas.microsoft.com/office/drawing/2018/hyperlinkcolor" val="tx"/>
+                    </a:ext>
+                  </a:extLst>
+                </a:hlinkClick>
+              </a:rPr>
+              <a:t>Отворено учебно съдържание по програмиране и ИТ</a:t>
+            </a:r>
+            <a:r>
+              <a:rPr lang="bg-BG" sz="1600" dirty="0">
+                <a:solidFill>
+                  <a:schemeClr val="bg2"/>
+                </a:solidFill>
+                <a:effectLst/>
+                <a:latin typeface="Calibri" panose="020F0502020204030204" pitchFamily="34" charset="0"/>
+                <a:ea typeface="Calibri" panose="020F0502020204030204" pitchFamily="34" charset="0"/>
+                <a:cs typeface="Arial" panose="020B0604020202020204" pitchFamily="34" charset="0"/>
+              </a:rPr>
+              <a:t>", СофтУни Фондация (лиценз </a:t>
+            </a:r>
+            <a:r>
+              <a:rPr lang="en-US" sz="1600" dirty="0">
+                <a:solidFill>
+                  <a:schemeClr val="bg2"/>
+                </a:solidFill>
+                <a:effectLst/>
+                <a:latin typeface="Calibri" panose="020F0502020204030204" pitchFamily="34" charset="0"/>
+                <a:ea typeface="Calibri" panose="020F0502020204030204" pitchFamily="34" charset="0"/>
+                <a:cs typeface="Arial" panose="020B0604020202020204" pitchFamily="34" charset="0"/>
+              </a:rPr>
+              <a:t>CC-BY-NC-SA</a:t>
+            </a:r>
+            <a:r>
+              <a:rPr lang="bg-BG" sz="1600" dirty="0">
+                <a:solidFill>
+                  <a:schemeClr val="bg2"/>
+                </a:solidFill>
+                <a:effectLst/>
+                <a:latin typeface="Calibri" panose="020F0502020204030204" pitchFamily="34" charset="0"/>
+                <a:ea typeface="Calibri" panose="020F0502020204030204" pitchFamily="34" charset="0"/>
+                <a:cs typeface="Arial" panose="020B0604020202020204" pitchFamily="34" charset="0"/>
+              </a:rPr>
+              <a:t>)</a:t>
+            </a:r>
+            <a:endParaRPr lang="bg-BG" sz="2400" dirty="0">
+              <a:solidFill>
+                <a:schemeClr val="bg2"/>
+              </a:solidFill>
+              <a:effectLst/>
+              <a:latin typeface="Calibri" panose="020F0502020204030204" pitchFamily="34" charset="0"/>
+              <a:ea typeface="Calibri" panose="020F0502020204030204" pitchFamily="34" charset="0"/>
+              <a:cs typeface="Arial" panose="020B0604020202020204" pitchFamily="34" charset="0"/>
+            </a:endParaRPr>
           </a:p>
         </p:txBody>
       </p:sp>
     </p:spTree>
     <p:extLst>
       <p:ext uri="{BB962C8B-B14F-4D97-AF65-F5344CB8AC3E}">
-        <p14:creationId xmlns:p14="http://schemas.microsoft.com/office/powerpoint/2010/main" val="3450073632"/>
+        <p14:creationId xmlns:p14="http://schemas.microsoft.com/office/powerpoint/2010/main" val="3782310762"/>
       </p:ext>
     </p:extLst>
   </p:cSld>
@@ -12513,11 +10847,13 @@
         <p:spPr>
           <a:xfrm>
             <a:off x="190402" y="1269001"/>
-            <a:ext cx="11818096" cy="5455890"/>
+            <a:ext cx="9865598" cy="2474999"/>
           </a:xfrm>
         </p:spPr>
         <p:txBody>
-          <a:bodyPr/>
+          <a:bodyPr>
+            <a:normAutofit/>
+          </a:bodyPr>
           <a:lstStyle/>
           <a:p>
             <a:pPr>
@@ -12526,122 +10862,42 @@
               </a:lnSpc>
             </a:pPr>
             <a:r>
-              <a:rPr lang="bg-BG" dirty="0"/>
+              <a:rPr lang="bg-BG" sz="3200" dirty="0"/>
               <a:t>Този курс</a:t>
             </a:r>
             <a:r>
-              <a:rPr lang="en-US" dirty="0"/>
+              <a:rPr lang="en-US" sz="3200" dirty="0"/>
               <a:t> (</a:t>
             </a:r>
             <a:r>
-              <a:rPr lang="bg-BG" dirty="0"/>
+              <a:rPr lang="bg-BG" sz="3200" dirty="0"/>
               <a:t>презентации, примери, демонстрационен код, упражнения, домашни, видео и други активи</a:t>
             </a:r>
             <a:r>
-              <a:rPr lang="en-US" dirty="0"/>
+              <a:rPr lang="en-US" sz="3200" dirty="0"/>
               <a:t>) </a:t>
             </a:r>
             <a:r>
-              <a:rPr lang="bg-BG" dirty="0"/>
+              <a:rPr lang="bg-BG" sz="3200" dirty="0"/>
               <a:t>представлява</a:t>
             </a:r>
             <a:r>
-              <a:rPr lang="en-US" dirty="0"/>
+              <a:rPr lang="en-US" sz="3200" dirty="0"/>
               <a:t> </a:t>
             </a:r>
             <a:r>
-              <a:rPr lang="bg-BG" b="1" dirty="0"/>
-              <a:t>защитено авторско съдържание</a:t>
-            </a:r>
-            <a:endParaRPr lang="en-US" dirty="0"/>
-          </a:p>
-          <a:p>
-            <a:pPr>
-              <a:lnSpc>
-                <a:spcPct val="120000"/>
-              </a:lnSpc>
-            </a:pPr>
-            <a:r>
-              <a:rPr lang="bg-BG" dirty="0"/>
-              <a:t>Нерегламентирано копиране</a:t>
-            </a:r>
-            <a:r>
-              <a:rPr lang="en-US" dirty="0"/>
-              <a:t>,</a:t>
-            </a:r>
-            <a:r>
-              <a:rPr lang="bg-BG" dirty="0"/>
-              <a:t> разпространение или използване е незаконно</a:t>
-            </a:r>
-          </a:p>
-          <a:p>
-            <a:pPr>
-              <a:lnSpc>
-                <a:spcPct val="120000"/>
-              </a:lnSpc>
-            </a:pPr>
-            <a:r>
-              <a:rPr lang="en-US" dirty="0"/>
-              <a:t>© </a:t>
-            </a:r>
-            <a:r>
-              <a:rPr lang="bg-BG" dirty="0"/>
-              <a:t>СофтУни</a:t>
-            </a:r>
-            <a:r>
-              <a:rPr lang="en-US" dirty="0"/>
-              <a:t> – </a:t>
-            </a:r>
-            <a:r>
-              <a:rPr lang="en-US" dirty="0">
-                <a:hlinkClick r:id="rId3"/>
-              </a:rPr>
-              <a:t>https://softuni.org</a:t>
-            </a:r>
-            <a:endParaRPr lang="en-US" dirty="0"/>
-          </a:p>
-          <a:p>
-            <a:pPr>
-              <a:lnSpc>
-                <a:spcPct val="120000"/>
-              </a:lnSpc>
-            </a:pPr>
-            <a:r>
-              <a:rPr lang="en-US" dirty="0"/>
-              <a:t>© </a:t>
-            </a:r>
-            <a:r>
-              <a:rPr lang="bg-BG" dirty="0"/>
-              <a:t>Софтуерен университет</a:t>
-            </a:r>
-            <a:r>
-              <a:rPr lang="en-US" dirty="0"/>
-              <a:t> – </a:t>
-            </a:r>
-            <a:r>
-              <a:rPr lang="en-US" dirty="0">
-                <a:hlinkClick r:id="rId4"/>
-              </a:rPr>
-              <a:t>https://softuni.bg</a:t>
-            </a:r>
-            <a:endParaRPr lang="bg-BG" dirty="0"/>
-          </a:p>
-          <a:p>
-            <a:pPr>
-              <a:lnSpc>
-                <a:spcPct val="120000"/>
-              </a:lnSpc>
-            </a:pPr>
-            <a:endParaRPr lang="bg-BG" dirty="0"/>
-          </a:p>
-          <a:p>
-            <a:pPr marL="0" indent="0">
-              <a:lnSpc>
-                <a:spcPct val="120000"/>
-              </a:lnSpc>
-              <a:buNone/>
-            </a:pPr>
-            <a:endParaRPr lang="bg-BG" dirty="0"/>
+              <a:rPr lang="bg-BG" sz="3200" b="1" dirty="0"/>
+              <a:t>свободно учебно съдържание </a:t>
+            </a:r>
+            <a:r>
+              <a:rPr lang="bg-BG" sz="3200" dirty="0"/>
+              <a:t>и се разпространява под свободен лиценз </a:t>
+            </a:r>
+            <a:r>
+              <a:rPr lang="en-US" sz="3200" b="1" dirty="0"/>
+              <a:t>CC-BY-NC-SA</a:t>
+            </a:r>
+            <a:endParaRPr lang="bg-BG" sz="3200" dirty="0"/>
           </a:p>
         </p:txBody>
       </p:sp>
@@ -12650,7 +10906,7 @@
           <p:cNvPr id="6" name="Picture License" descr="License">
             <a:extLst>
               <a:ext uri="{FF2B5EF4-FFF2-40B4-BE49-F238E27FC236}">
-                <a16:creationId xmlns:a16="http://schemas.microsoft.com/office/drawing/2014/main" id="{A10A2585-858C-4B1E-8846-27CF1C15729E}"/>
+                <a16:creationId xmlns:a16="http://schemas.microsoft.com/office/drawing/2014/main" id="{82BA520F-A037-4E01-AA18-27D9F1E930A6}"/>
               </a:ext>
             </a:extLst>
           </p:cNvPr>
@@ -12660,7 +10916,7 @@
           <p:nvPr/>
         </p:nvPicPr>
         <p:blipFill>
-          <a:blip r:embed="rId5">
+          <a:blip r:embed="rId3">
             <a:clrChange>
               <a:clrFrom>
                 <a:srgbClr val="FFFFFF"/>
@@ -12678,8 +10934,8 @@
         </p:blipFill>
         <p:spPr>
           <a:xfrm>
-            <a:off x="9745023" y="4445455"/>
-            <a:ext cx="1930977" cy="2043545"/>
+            <a:off x="10226175" y="1440120"/>
+            <a:ext cx="1198986" cy="1268880"/>
           </a:xfrm>
           <a:prstGeom prst="rect">
             <a:avLst/>
@@ -12716,10 +10972,171 @@
       </p:sp>
       <p:sp>
         <p:nvSpPr>
-          <p:cNvPr id="7" name="Slide Number">
+          <p:cNvPr id="11" name="TextBox 10">
             <a:extLst>
               <a:ext uri="{FF2B5EF4-FFF2-40B4-BE49-F238E27FC236}">
-                <a16:creationId xmlns:a16="http://schemas.microsoft.com/office/drawing/2014/main" id="{DB3E3A40-E077-4970-B869-59773B034598}"/>
+                <a16:creationId xmlns:a16="http://schemas.microsoft.com/office/drawing/2014/main" id="{0C18DF19-B750-4C88-975B-661A6BF61F5E}"/>
+              </a:ext>
+            </a:extLst>
+          </p:cNvPr>
+          <p:cNvSpPr txBox="1"/>
+          <p:nvPr/>
+        </p:nvSpPr>
+        <p:spPr>
+          <a:xfrm>
+            <a:off x="190401" y="3927519"/>
+            <a:ext cx="11710599" cy="1979644"/>
+          </a:xfrm>
+          <a:prstGeom prst="rect">
+            <a:avLst/>
+          </a:prstGeom>
+          <a:noFill/>
+          <a:ln w="12700">
+            <a:noFill/>
+          </a:ln>
+        </p:spPr>
+        <p:txBody>
+          <a:bodyPr wrap="square">
+            <a:spAutoFit/>
+          </a:bodyPr>
+          <a:lstStyle/>
+          <a:p>
+            <a:pPr marL="360363" indent="-360363" defTabSz="1218438">
+              <a:lnSpc>
+                <a:spcPct val="120000"/>
+              </a:lnSpc>
+              <a:spcBef>
+                <a:spcPts val="600"/>
+              </a:spcBef>
+              <a:spcAft>
+                <a:spcPts val="600"/>
+              </a:spcAft>
+              <a:buFont typeface="Wingdings" panose="05000000000000000000" pitchFamily="2" charset="2"/>
+              <a:buChar char="§"/>
+              <a:defRPr/>
+            </a:pPr>
+            <a:r>
+              <a:rPr lang="bg-BG" sz="3200" dirty="0"/>
+              <a:t>Проект "</a:t>
+            </a:r>
+            <a:r>
+              <a:rPr lang="bg-BG" sz="3200" b="1" dirty="0"/>
+              <a:t>Отворено учебно съдържание по програмиране и ИТ</a:t>
+            </a:r>
+            <a:r>
+              <a:rPr lang="bg-BG" sz="3200" dirty="0"/>
+              <a:t>" към Фондация "Софтуерен университет"</a:t>
+            </a:r>
+            <a:r>
+              <a:rPr lang="en-US" sz="3200" dirty="0"/>
+              <a:t>:</a:t>
+            </a:r>
+            <a:endParaRPr lang="bg-BG" sz="3200" dirty="0"/>
+          </a:p>
+          <a:p>
+            <a:pPr marL="817563" lvl="1" indent="-360363" defTabSz="1218438">
+              <a:lnSpc>
+                <a:spcPct val="120000"/>
+              </a:lnSpc>
+              <a:spcBef>
+                <a:spcPts val="600"/>
+              </a:spcBef>
+              <a:spcAft>
+                <a:spcPts val="600"/>
+              </a:spcAft>
+              <a:buFont typeface="Wingdings" panose="05000000000000000000" pitchFamily="2" charset="2"/>
+              <a:buChar char="§"/>
+              <a:defRPr/>
+            </a:pPr>
+            <a:r>
+              <a:rPr kumimoji="0" lang="en-US" sz="3200" b="0" i="0" u="none" strike="noStrike" kern="1200" cap="none" spc="0" normalizeH="0" baseline="0" noProof="0" dirty="0">
+                <a:ln>
+                  <a:noFill/>
+                </a:ln>
+                <a:solidFill>
+                  <a:srgbClr val="234465"/>
+                </a:solidFill>
+                <a:effectLst/>
+                <a:uLnTx/>
+                <a:uFillTx/>
+                <a:latin typeface="Calibri"/>
+                <a:ea typeface="+mn-ea"/>
+                <a:cs typeface="+mn-cs"/>
+                <a:hlinkClick r:id="rId4"/>
+              </a:rPr>
+              <a:t>https://github.com/BG-IT-Edu</a:t>
+            </a:r>
+            <a:endParaRPr kumimoji="0" lang="bg-BG" sz="3200" b="0" i="0" u="none" strike="noStrike" kern="1200" cap="none" spc="0" normalizeH="0" baseline="0" noProof="0" dirty="0">
+              <a:ln>
+                <a:noFill/>
+              </a:ln>
+              <a:solidFill>
+                <a:srgbClr val="234465"/>
+              </a:solidFill>
+              <a:effectLst/>
+              <a:uLnTx/>
+              <a:uFillTx/>
+              <a:latin typeface="Calibri"/>
+              <a:ea typeface="+mn-ea"/>
+              <a:cs typeface="+mn-cs"/>
+            </a:endParaRPr>
+          </a:p>
+        </p:txBody>
+      </p:sp>
+      <p:pic>
+        <p:nvPicPr>
+          <p:cNvPr id="7" name="Picture 6" title="CC-BY-NC-SA License">
+            <a:hlinkClick r:id="rId5" tooltip="This work is licensed under the &quot;Creative Commons Attribution-NonCommercial-ShareAlike 4.0 International&quot; license"/>
+            <a:extLst>
+              <a:ext uri="{FF2B5EF4-FFF2-40B4-BE49-F238E27FC236}">
+                <a16:creationId xmlns:a16="http://schemas.microsoft.com/office/drawing/2014/main" id="{F6C77C47-F7D8-A176-5C69-7FDE5C7E8003}"/>
+              </a:ext>
+            </a:extLst>
+          </p:cNvPr>
+          <p:cNvPicPr>
+            <a:picLocks noChangeAspect="1" noChangeArrowheads="1"/>
+          </p:cNvPicPr>
+          <p:nvPr/>
+        </p:nvPicPr>
+        <p:blipFill>
+          <a:blip r:embed="rId6">
+            <a:extLst>
+              <a:ext uri="{28A0092B-C50C-407E-A947-70E740481C1C}">
+                <a14:useLocalDpi xmlns:a14="http://schemas.microsoft.com/office/drawing/2010/main"/>
+              </a:ext>
+            </a:extLst>
+          </a:blip>
+          <a:srcRect/>
+          <a:stretch>
+            <a:fillRect/>
+          </a:stretch>
+        </p:blipFill>
+        <p:spPr bwMode="auto">
+          <a:xfrm>
+            <a:off x="9831000" y="2908593"/>
+            <a:ext cx="1989336" cy="696022"/>
+          </a:xfrm>
+          <a:prstGeom prst="roundRect">
+            <a:avLst>
+              <a:gd name="adj" fmla="val 3940"/>
+            </a:avLst>
+          </a:prstGeom>
+          <a:solidFill>
+            <a:srgbClr val="231F20">
+              <a:alpha val="50000"/>
+            </a:srgbClr>
+          </a:solidFill>
+          <a:ln>
+            <a:noFill/>
+          </a:ln>
+        </p:spPr>
+      </p:pic>
+      <p:sp>
+        <p:nvSpPr>
+          <p:cNvPr id="4" name="Slide Number">
+            <a:extLst>
+              <a:ext uri="{FF2B5EF4-FFF2-40B4-BE49-F238E27FC236}">
+                <a16:creationId xmlns:a16="http://schemas.microsoft.com/office/drawing/2014/main" id="{447A38E2-2CC9-7738-5E63-6554B14A29D3}"/>
               </a:ext>
             </a:extLst>
           </p:cNvPr>
@@ -12759,7 +11176,7 @@
     </p:spTree>
     <p:extLst>
       <p:ext uri="{BB962C8B-B14F-4D97-AF65-F5344CB8AC3E}">
-        <p14:creationId xmlns:p14="http://schemas.microsoft.com/office/powerpoint/2010/main" val="919300254"/>
+        <p14:creationId xmlns:p14="http://schemas.microsoft.com/office/powerpoint/2010/main" val="381657581"/>
       </p:ext>
     </p:extLst>
   </p:cSld>
@@ -12806,8 +11223,8 @@
         </p:nvSpPr>
         <p:spPr>
           <a:xfrm>
-            <a:off x="190406" y="1481542"/>
-            <a:ext cx="11818096" cy="5026151"/>
+            <a:off x="190406" y="1269000"/>
+            <a:ext cx="11818096" cy="5238693"/>
           </a:xfrm>
         </p:spPr>
         <p:txBody>
@@ -12830,9 +11247,23 @@
             </a:pPr>
             <a:r>
               <a:rPr lang="bg-BG" sz="4000" dirty="0"/>
-              <a:t>Променими и непроменими обекти</a:t>
-            </a:r>
-            <a:endParaRPr lang="en-US" sz="4000" dirty="0"/>
+              <a:t>Видове обекти</a:t>
+            </a:r>
+          </a:p>
+          <a:p>
+            <a:pPr lvl="1"/>
+            <a:r>
+              <a:rPr lang="bg-BG" sz="3800" dirty="0"/>
+              <a:t>Променими</a:t>
+            </a:r>
+          </a:p>
+          <a:p>
+            <a:pPr lvl="1"/>
+            <a:r>
+              <a:rPr lang="bg-BG" sz="3800" dirty="0"/>
+              <a:t>Непроменими</a:t>
+            </a:r>
+            <a:endParaRPr lang="en-US" sz="3800" dirty="0"/>
           </a:p>
           <a:p>
             <a:endParaRPr lang="en-US" noProof="1"/>
@@ -12863,10 +11294,10 @@
       </p:sp>
       <p:sp>
         <p:nvSpPr>
-          <p:cNvPr id="5" name="Slide Number">
+          <p:cNvPr id="2" name="Slide Number">
             <a:extLst>
               <a:ext uri="{FF2B5EF4-FFF2-40B4-BE49-F238E27FC236}">
-                <a16:creationId xmlns:a16="http://schemas.microsoft.com/office/drawing/2014/main" id="{D813CDB2-A6DC-4174-9AED-EAB79BDC01C9}"/>
+                <a16:creationId xmlns:a16="http://schemas.microsoft.com/office/drawing/2014/main" id="{9ED920C5-20C9-D7D2-BCC4-9728804FA6D2}"/>
               </a:ext>
             </a:extLst>
           </p:cNvPr>
@@ -12906,7 +11337,7 @@
     </p:spTree>
     <p:extLst>
       <p:ext uri="{BB962C8B-B14F-4D97-AF65-F5344CB8AC3E}">
-        <p14:creationId xmlns:p14="http://schemas.microsoft.com/office/powerpoint/2010/main" val="859700777"/>
+        <p14:creationId xmlns:p14="http://schemas.microsoft.com/office/powerpoint/2010/main" val="2604506215"/>
       </p:ext>
     </p:extLst>
   </p:cSld>
@@ -12957,7 +11388,38 @@
                                         <p:tgtEl>
                                           <p:spTgt spid="423939">
                                             <p:txEl>
-                                              <p:pRg st="0" end="0"/>
+                                              <p:pRg st="1" end="1"/>
+                                            </p:txEl>
+                                          </p:spTgt>
+                                        </p:tgtEl>
+                                        <p:attrNameLst>
+                                          <p:attrName>style.visibility</p:attrName>
+                                        </p:attrNameLst>
+                                      </p:cBhvr>
+                                      <p:to>
+                                        <p:strVal val="visible"/>
+                                      </p:to>
+                                    </p:set>
+                                  </p:childTnLst>
+                                </p:cTn>
+                              </p:par>
+                              <p:par>
+                                <p:cTn id="7" presetID="1" presetClass="entr" presetSubtype="0" fill="hold" nodeType="withEffect">
+                                  <p:stCondLst>
+                                    <p:cond delay="0"/>
+                                  </p:stCondLst>
+                                  <p:childTnLst>
+                                    <p:set>
+                                      <p:cBhvr>
+                                        <p:cTn id="8" dur="1" fill="hold">
+                                          <p:stCondLst>
+                                            <p:cond delay="0"/>
+                                          </p:stCondLst>
+                                        </p:cTn>
+                                        <p:tgtEl>
+                                          <p:spTgt spid="423939">
+                                            <p:txEl>
+                                              <p:pRg st="2" end="2"/>
                                             </p:txEl>
                                           </p:spTgt>
                                         </p:tgtEl>
@@ -12979,26 +11441,26 @@
                     </p:cTn>
                   </p:par>
                   <p:par>
-                    <p:cTn id="7" fill="hold">
+                    <p:cTn id="9" fill="hold">
                       <p:stCondLst>
                         <p:cond delay="indefinite"/>
                       </p:stCondLst>
                       <p:childTnLst>
                         <p:par>
-                          <p:cTn id="8" fill="hold">
+                          <p:cTn id="10" fill="hold">
                             <p:stCondLst>
                               <p:cond delay="0"/>
                             </p:stCondLst>
                             <p:childTnLst>
                               <p:par>
-                                <p:cTn id="9" presetID="1" presetClass="entr" presetSubtype="0" fill="hold" nodeType="clickEffect">
+                                <p:cTn id="11" presetID="1" presetClass="entr" presetSubtype="0" fill="hold" nodeType="clickEffect">
                                   <p:stCondLst>
                                     <p:cond delay="0"/>
                                   </p:stCondLst>
                                   <p:childTnLst>
                                     <p:set>
                                       <p:cBhvr>
-                                        <p:cTn id="10" dur="1" fill="hold">
+                                        <p:cTn id="12" dur="1" fill="hold">
                                           <p:stCondLst>
                                             <p:cond delay="0"/>
                                           </p:stCondLst>
@@ -13006,7 +11468,7 @@
                                         <p:tgtEl>
                                           <p:spTgt spid="423939">
                                             <p:txEl>
-                                              <p:pRg st="1" end="1"/>
+                                              <p:pRg st="3" end="3"/>
                                             </p:txEl>
                                           </p:spTgt>
                                         </p:tgtEl>
@@ -13101,10 +11563,10 @@
       </p:pic>
       <p:sp>
         <p:nvSpPr>
-          <p:cNvPr id="4" name="Текстов контейнер 3">
+          <p:cNvPr id="5" name="Подзаглавие 4">
             <a:extLst>
               <a:ext uri="{FF2B5EF4-FFF2-40B4-BE49-F238E27FC236}">
-                <a16:creationId xmlns:a16="http://schemas.microsoft.com/office/drawing/2014/main" id="{356E9F13-690E-4830-B96B-3A547DD2C699}"/>
+                <a16:creationId xmlns:a16="http://schemas.microsoft.com/office/drawing/2014/main" id="{29BB4480-FFAF-FF74-D848-61F0F0F88144}"/>
               </a:ext>
             </a:extLst>
           </p:cNvPr>
@@ -13124,16 +11586,15 @@
               <a:rPr lang="bg-BG" dirty="0"/>
               <a:t>Вериги от изключения</a:t>
             </a:r>
-            <a:endParaRPr lang="en-US" dirty="0"/>
           </a:p>
         </p:txBody>
       </p:sp>
       <p:sp>
         <p:nvSpPr>
-          <p:cNvPr id="3" name="Title 2">
+          <p:cNvPr id="8" name="Заглавие 7">
             <a:extLst>
               <a:ext uri="{FF2B5EF4-FFF2-40B4-BE49-F238E27FC236}">
-                <a16:creationId xmlns:a16="http://schemas.microsoft.com/office/drawing/2014/main" id="{97A5F9D7-C027-4297-A74E-45C975F26EA3}"/>
+                <a16:creationId xmlns:a16="http://schemas.microsoft.com/office/drawing/2014/main" id="{06AC18FD-911E-C15A-386D-802363E8E386}"/>
               </a:ext>
             </a:extLst>
           </p:cNvPr>
@@ -13153,14 +11614,13 @@
               <a:rPr lang="bg-BG" dirty="0"/>
               <a:t>Изключения в програмирането</a:t>
             </a:r>
-            <a:endParaRPr lang="en-US" dirty="0"/>
           </a:p>
         </p:txBody>
       </p:sp>
     </p:spTree>
     <p:extLst>
       <p:ext uri="{BB962C8B-B14F-4D97-AF65-F5344CB8AC3E}">
-        <p14:creationId xmlns:p14="http://schemas.microsoft.com/office/powerpoint/2010/main" val="1267631239"/>
+        <p14:creationId xmlns:p14="http://schemas.microsoft.com/office/powerpoint/2010/main" val="3631637083"/>
       </p:ext>
     </p:extLst>
   </p:cSld>
@@ -13604,10 +12064,10 @@
       </p:sp>
       <p:sp>
         <p:nvSpPr>
-          <p:cNvPr id="8" name="Slide Number">
+          <p:cNvPr id="2" name="Slide Number">
             <a:extLst>
               <a:ext uri="{FF2B5EF4-FFF2-40B4-BE49-F238E27FC236}">
-                <a16:creationId xmlns:a16="http://schemas.microsoft.com/office/drawing/2014/main" id="{A657388F-71C8-4E5C-92D9-EFC4092C8D27}"/>
+                <a16:creationId xmlns:a16="http://schemas.microsoft.com/office/drawing/2014/main" id="{C437CAAB-39D5-2A14-A484-FDC57410406F}"/>
               </a:ext>
             </a:extLst>
           </p:cNvPr>
@@ -13647,7 +12107,7 @@
     </p:spTree>
     <p:extLst>
       <p:ext uri="{BB962C8B-B14F-4D97-AF65-F5344CB8AC3E}">
-        <p14:creationId xmlns:p14="http://schemas.microsoft.com/office/powerpoint/2010/main" val="1367985975"/>
+        <p14:creationId xmlns:p14="http://schemas.microsoft.com/office/powerpoint/2010/main" val="2175169657"/>
       </p:ext>
     </p:extLst>
   </p:cSld>
@@ -14178,10 +12638,10 @@
       </p:sp>
       <p:sp>
         <p:nvSpPr>
-          <p:cNvPr id="8" name="Slide Number">
+          <p:cNvPr id="2" name="Slide Number">
             <a:extLst>
               <a:ext uri="{FF2B5EF4-FFF2-40B4-BE49-F238E27FC236}">
-                <a16:creationId xmlns:a16="http://schemas.microsoft.com/office/drawing/2014/main" id="{8E3D46F5-4699-4449-802B-825CCD15B66B}"/>
+                <a16:creationId xmlns:a16="http://schemas.microsoft.com/office/drawing/2014/main" id="{0775F059-696C-D505-7EC9-1680C8D49D96}"/>
               </a:ext>
             </a:extLst>
           </p:cNvPr>
@@ -14221,7 +12681,7 @@
     </p:spTree>
     <p:extLst>
       <p:ext uri="{BB962C8B-B14F-4D97-AF65-F5344CB8AC3E}">
-        <p14:creationId xmlns:p14="http://schemas.microsoft.com/office/powerpoint/2010/main" val="2344223079"/>
+        <p14:creationId xmlns:p14="http://schemas.microsoft.com/office/powerpoint/2010/main" val="4258138228"/>
       </p:ext>
     </p:extLst>
   </p:cSld>
@@ -14719,10 +13179,10 @@
       </p:sp>
       <p:sp>
         <p:nvSpPr>
-          <p:cNvPr id="6" name="Slide Number">
+          <p:cNvPr id="2" name="Slide Number">
             <a:extLst>
               <a:ext uri="{FF2B5EF4-FFF2-40B4-BE49-F238E27FC236}">
-                <a16:creationId xmlns:a16="http://schemas.microsoft.com/office/drawing/2014/main" id="{F141187D-8CCC-4422-898B-053BA3C733AE}"/>
+                <a16:creationId xmlns:a16="http://schemas.microsoft.com/office/drawing/2014/main" id="{BCA0EFD2-5416-8249-DB0B-C535E7DB1D30}"/>
               </a:ext>
             </a:extLst>
           </p:cNvPr>
@@ -14762,7 +13222,7 @@
     </p:spTree>
     <p:extLst>
       <p:ext uri="{BB962C8B-B14F-4D97-AF65-F5344CB8AC3E}">
-        <p14:creationId xmlns:p14="http://schemas.microsoft.com/office/powerpoint/2010/main" val="754746909"/>
+        <p14:creationId xmlns:p14="http://schemas.microsoft.com/office/powerpoint/2010/main" val="385200034"/>
       </p:ext>
     </p:extLst>
   </p:cSld>
@@ -15200,16 +13660,31 @@
               <a:t>Собствените изключения наследяват </a:t>
             </a:r>
             <a:r>
+              <a:rPr lang="en-US" dirty="0">
+                <a:latin typeface="Consolas" panose="020B0609020204030204" pitchFamily="49" charset="0"/>
+                <a:cs typeface="Consolas" panose="020B0609020204030204" pitchFamily="49" charset="0"/>
+              </a:rPr>
+              <a:t>Exception</a:t>
+            </a:r>
+            <a:r>
               <a:rPr lang="en-US" dirty="0"/>
-              <a:t>exception </a:t>
+              <a:t> </a:t>
             </a:r>
             <a:r>
               <a:rPr lang="bg-BG" dirty="0"/>
-              <a:t>класа</a:t>
+              <a:t>класа </a:t>
             </a:r>
             <a:r>
               <a:rPr lang="en-US" dirty="0"/>
-              <a:t>(e. g. </a:t>
+              <a:t>(</a:t>
+            </a:r>
+            <a:r>
+              <a:rPr lang="bg-BG" dirty="0"/>
+              <a:t>напр</a:t>
+            </a:r>
+            <a:r>
+              <a:rPr lang="en-US" dirty="0"/>
+              <a:t>. </a:t>
             </a:r>
             <a:r>
               <a:rPr lang="en-US" b="1" noProof="1">
@@ -15486,10 +13961,10 @@
       </p:sp>
       <p:sp>
         <p:nvSpPr>
-          <p:cNvPr id="9" name="Slide Number">
+          <p:cNvPr id="2" name="Slide Number">
             <a:extLst>
               <a:ext uri="{FF2B5EF4-FFF2-40B4-BE49-F238E27FC236}">
-                <a16:creationId xmlns:a16="http://schemas.microsoft.com/office/drawing/2014/main" id="{81A7B791-5D5D-4347-B60A-49F3D8F9C804}"/>
+                <a16:creationId xmlns:a16="http://schemas.microsoft.com/office/drawing/2014/main" id="{61986839-4B65-A9D4-D84A-D0678CD14B00}"/>
               </a:ext>
             </a:extLst>
           </p:cNvPr>
@@ -15529,7 +14004,7 @@
     </p:spTree>
     <p:extLst>
       <p:ext uri="{BB962C8B-B14F-4D97-AF65-F5344CB8AC3E}">
-        <p14:creationId xmlns:p14="http://schemas.microsoft.com/office/powerpoint/2010/main" val="192032364"/>
+        <p14:creationId xmlns:p14="http://schemas.microsoft.com/office/powerpoint/2010/main" val="991314220"/>
       </p:ext>
     </p:extLst>
   </p:cSld>
@@ -15675,75 +14150,6 @@
       </p:grpSpPr>
       <p:sp>
         <p:nvSpPr>
-          <p:cNvPr id="3" name="Subtitle 2">
-            <a:extLst>
-              <a:ext uri="{FF2B5EF4-FFF2-40B4-BE49-F238E27FC236}">
-                <a16:creationId xmlns:a16="http://schemas.microsoft.com/office/drawing/2014/main" id="{3B74C89A-32C0-3CAC-BE1E-CA0C0D8C4B10}"/>
-              </a:ext>
-            </a:extLst>
-          </p:cNvPr>
-          <p:cNvSpPr>
-            <a:spLocks noGrp="1"/>
-          </p:cNvSpPr>
-          <p:nvPr>
-            <p:ph type="subTitle" sz="quarter" idx="11"/>
-          </p:nvPr>
-        </p:nvSpPr>
-        <p:spPr/>
-        <p:txBody>
-          <a:bodyPr/>
-          <a:lstStyle/>
-          <a:p>
-            <a:r>
-              <a:rPr lang="en-US" dirty="0"/>
-              <a:t>Mutable </a:t>
-            </a:r>
-            <a:r>
-              <a:rPr lang="bg-BG" dirty="0"/>
-              <a:t>и </a:t>
-            </a:r>
-            <a:r>
-              <a:rPr lang="en-US" dirty="0"/>
-              <a:t>immutable </a:t>
-            </a:r>
-            <a:r>
-              <a:rPr lang="bg-BG" dirty="0"/>
-              <a:t>обекти</a:t>
-            </a:r>
-            <a:endParaRPr lang="en-US" dirty="0"/>
-          </a:p>
-        </p:txBody>
-      </p:sp>
-      <p:sp>
-        <p:nvSpPr>
-          <p:cNvPr id="6" name="Title 5"/>
-          <p:cNvSpPr>
-            <a:spLocks noGrp="1"/>
-          </p:cNvSpPr>
-          <p:nvPr>
-            <p:ph type="title" sz="quarter" idx="10"/>
-          </p:nvPr>
-        </p:nvSpPr>
-        <p:spPr>
-          <a:xfrm>
-            <a:off x="246001" y="4705350"/>
-            <a:ext cx="11700000" cy="768350"/>
-          </a:xfrm>
-        </p:spPr>
-        <p:txBody>
-          <a:bodyPr/>
-          <a:lstStyle/>
-          <a:p>
-            <a:r>
-              <a:rPr lang="bg-BG" dirty="0"/>
-              <a:t>Променими и непроменими обекти</a:t>
-            </a:r>
-            <a:endParaRPr lang="en-US" dirty="0"/>
-          </a:p>
-        </p:txBody>
-      </p:sp>
-      <p:sp>
-        <p:nvSpPr>
           <p:cNvPr id="8" name="Oval 7"/>
           <p:cNvSpPr/>
           <p:nvPr/>
@@ -16332,10 +14738,43 @@
           </a:fontRef>
         </p:style>
       </p:cxnSp>
+      <p:sp>
+        <p:nvSpPr>
+          <p:cNvPr id="7" name="Заглавие 6">
+            <a:extLst>
+              <a:ext uri="{FF2B5EF4-FFF2-40B4-BE49-F238E27FC236}">
+                <a16:creationId xmlns:a16="http://schemas.microsoft.com/office/drawing/2014/main" id="{BCBC8856-FE99-71EA-0674-0236859115BB}"/>
+              </a:ext>
+            </a:extLst>
+          </p:cNvPr>
+          <p:cNvSpPr>
+            <a:spLocks noGrp="1"/>
+          </p:cNvSpPr>
+          <p:nvPr>
+            <p:ph type="title" sz="quarter" idx="10"/>
+          </p:nvPr>
+        </p:nvSpPr>
+        <p:spPr>
+          <a:xfrm>
+            <a:off x="579217" y="4775915"/>
+            <a:ext cx="10961783" cy="1533069"/>
+          </a:xfrm>
+        </p:spPr>
+        <p:txBody>
+          <a:bodyPr/>
+          <a:lstStyle/>
+          <a:p>
+            <a:r>
+              <a:rPr lang="bg-BG" dirty="0"/>
+              <a:t>Променими и непроменими обекти</a:t>
+            </a:r>
+          </a:p>
+        </p:txBody>
+      </p:sp>
     </p:spTree>
     <p:extLst>
       <p:ext uri="{BB962C8B-B14F-4D97-AF65-F5344CB8AC3E}">
-        <p14:creationId xmlns:p14="http://schemas.microsoft.com/office/powerpoint/2010/main" val="314521914"/>
+        <p14:creationId xmlns:p14="http://schemas.microsoft.com/office/powerpoint/2010/main" val="3256415830"/>
       </p:ext>
     </p:extLst>
   </p:cSld>
@@ -16641,10 +15080,10 @@
       </p:sp>
       <p:sp>
         <p:nvSpPr>
-          <p:cNvPr id="7" name="Slide Number">
+          <p:cNvPr id="2" name="Slide Number">
             <a:extLst>
               <a:ext uri="{FF2B5EF4-FFF2-40B4-BE49-F238E27FC236}">
-                <a16:creationId xmlns:a16="http://schemas.microsoft.com/office/drawing/2014/main" id="{8E39F9D0-F21F-4EA9-9F89-80E4C2CEA6B6}"/>
+                <a16:creationId xmlns:a16="http://schemas.microsoft.com/office/drawing/2014/main" id="{DC7F1879-6EB7-7D75-88DA-D99852D658C6}"/>
               </a:ext>
             </a:extLst>
           </p:cNvPr>
@@ -16772,7 +15211,7 @@
     </p:spTree>
     <p:extLst>
       <p:ext uri="{BB962C8B-B14F-4D97-AF65-F5344CB8AC3E}">
-        <p14:creationId xmlns:p14="http://schemas.microsoft.com/office/powerpoint/2010/main" val="618457385"/>
+        <p14:creationId xmlns:p14="http://schemas.microsoft.com/office/powerpoint/2010/main" val="911155947"/>
       </p:ext>
     </p:extLst>
   </p:cSld>
@@ -17019,12 +15458,12 @@
 <file path=ppt/theme/theme1.xml><?xml version="1.0" encoding="utf-8"?>
 <a:theme xmlns:a="http://schemas.openxmlformats.org/drawingml/2006/main" name="SoftUni">
   <a:themeElements>
-    <a:clrScheme name="Custom 28">
+    <a:clrScheme name="Custom 2">
       <a:dk1>
         <a:srgbClr val="234465"/>
       </a:dk1>
       <a:lt1>
-        <a:srgbClr val="FFA000"/>
+        <a:srgbClr val="BF7800"/>
       </a:lt1>
       <a:dk2>
         <a:srgbClr val="234465"/>
@@ -17033,7 +15472,7 @@
         <a:srgbClr val="FFFFFF"/>
       </a:lt2>
       <a:accent1>
-        <a:srgbClr val="F29600"/>
+        <a:srgbClr val="FFA000"/>
       </a:accent1>
       <a:accent2>
         <a:srgbClr val="00B050"/>
@@ -17051,10 +15490,10 @@
         <a:srgbClr val="F4F5F7"/>
       </a:accent6>
       <a:hlink>
-        <a:srgbClr val="F2AC44"/>
+        <a:srgbClr val="BF7800"/>
       </a:hlink>
       <a:folHlink>
-        <a:srgbClr val="F6C781"/>
+        <a:srgbClr val="EF9511"/>
       </a:folHlink>
     </a:clrScheme>
     <a:fontScheme name="SoftUni">
